--- a/Presentacion.pptx
+++ b/Presentacion.pptx
@@ -61,28 +61,37 @@
     <p:sldId id="306" r:id="rId56"/>
     <p:sldId id="307" r:id="rId57"/>
     <p:sldId id="308" r:id="rId58"/>
+    <p:sldId id="309" r:id="rId59"/>
+    <p:sldId id="310" r:id="rId60"/>
+    <p:sldId id="311" r:id="rId61"/>
+    <p:sldId id="312" r:id="rId62"/>
+    <p:sldId id="313" r:id="rId63"/>
+    <p:sldId id="314" r:id="rId64"/>
+    <p:sldId id="315" r:id="rId65"/>
+    <p:sldId id="316" r:id="rId66"/>
+    <p:sldId id="317" r:id="rId67"/>
   </p:sldIdLst>
   <p:sldSz cy="5143500" cx="9144000"/>
   <p:notesSz cx="6858000" cy="9144000"/>
   <p:embeddedFontLst>
     <p:embeddedFont>
       <p:font typeface="Raleway"/>
-      <p:regular r:id="rId59"/>
-      <p:bold r:id="rId60"/>
-      <p:italic r:id="rId61"/>
-      <p:boldItalic r:id="rId62"/>
+      <p:regular r:id="rId68"/>
+      <p:bold r:id="rId69"/>
+      <p:italic r:id="rId70"/>
+      <p:boldItalic r:id="rId71"/>
     </p:embeddedFont>
     <p:embeddedFont>
       <p:font typeface="Roboto Black"/>
-      <p:bold r:id="rId63"/>
-      <p:boldItalic r:id="rId64"/>
+      <p:bold r:id="rId72"/>
+      <p:boldItalic r:id="rId73"/>
     </p:embeddedFont>
     <p:embeddedFont>
       <p:font typeface="Lato"/>
-      <p:regular r:id="rId65"/>
-      <p:bold r:id="rId66"/>
-      <p:italic r:id="rId67"/>
-      <p:boldItalic r:id="rId68"/>
+      <p:regular r:id="rId74"/>
+      <p:bold r:id="rId75"/>
+      <p:italic r:id="rId76"/>
+      <p:boldItalic r:id="rId77"/>
     </p:embeddedFont>
   </p:embeddedFontLst>
   <p:defaultTextStyle>
@@ -3336,7 +3345,7 @@
   <p:cSld>
     <p:spTree>
       <p:nvGrpSpPr>
-        <p:cNvPr id="343" name="Shape 343"/>
+        <p:cNvPr id="342" name="Shape 342"/>
         <p:cNvGrpSpPr/>
         <p:nvPr/>
       </p:nvGrpSpPr>
@@ -3350,7 +3359,7 @@
       </p:grpSpPr>
       <p:sp>
         <p:nvSpPr>
-          <p:cNvPr id="344" name="Google Shape;344;g568d696ea1_0_0:notes"/>
+          <p:cNvPr id="343" name="Google Shape;343;g568d696ea1_0_0:notes"/>
           <p:cNvSpPr/>
           <p:nvPr>
             <p:ph idx="2" type="sldImg"/>
@@ -3385,7 +3394,7 @@
       </p:sp>
       <p:sp>
         <p:nvSpPr>
-          <p:cNvPr id="345" name="Google Shape;345;g568d696ea1_0_0:notes"/>
+          <p:cNvPr id="344" name="Google Shape;344;g568d696ea1_0_0:notes"/>
           <p:cNvSpPr txBox="1"/>
           <p:nvPr>
             <p:ph idx="1" type="body"/>
@@ -3435,7 +3444,7 @@
   <p:cSld>
     <p:spTree>
       <p:nvGrpSpPr>
-        <p:cNvPr id="350" name="Shape 350"/>
+        <p:cNvPr id="349" name="Shape 349"/>
         <p:cNvGrpSpPr/>
         <p:nvPr/>
       </p:nvGrpSpPr>
@@ -3449,7 +3458,7 @@
       </p:grpSpPr>
       <p:sp>
         <p:nvSpPr>
-          <p:cNvPr id="351" name="Google Shape;351;g5613bd00b5_1_19:notes"/>
+          <p:cNvPr id="350" name="Google Shape;350;g56989218d0_1_73:notes"/>
           <p:cNvSpPr/>
           <p:nvPr>
             <p:ph idx="2" type="sldImg"/>
@@ -3484,7 +3493,7 @@
       </p:sp>
       <p:sp>
         <p:nvSpPr>
-          <p:cNvPr id="352" name="Google Shape;352;g5613bd00b5_1_19:notes"/>
+          <p:cNvPr id="351" name="Google Shape;351;g56989218d0_1_73:notes"/>
           <p:cNvSpPr txBox="1"/>
           <p:nvPr>
             <p:ph idx="1" type="body"/>
@@ -3534,7 +3543,7 @@
   <p:cSld>
     <p:spTree>
       <p:nvGrpSpPr>
-        <p:cNvPr id="358" name="Shape 358"/>
+        <p:cNvPr id="356" name="Shape 356"/>
         <p:cNvGrpSpPr/>
         <p:nvPr/>
       </p:nvGrpSpPr>
@@ -3548,7 +3557,7 @@
       </p:grpSpPr>
       <p:sp>
         <p:nvSpPr>
-          <p:cNvPr id="359" name="Google Shape;359;g568d696ea1_0_15:notes"/>
+          <p:cNvPr id="357" name="Google Shape;357;g5613bd00b5_1_19:notes"/>
           <p:cNvSpPr/>
           <p:nvPr>
             <p:ph idx="2" type="sldImg"/>
@@ -3583,7 +3592,7 @@
       </p:sp>
       <p:sp>
         <p:nvSpPr>
-          <p:cNvPr id="360" name="Google Shape;360;g568d696ea1_0_15:notes"/>
+          <p:cNvPr id="358" name="Google Shape;358;g5613bd00b5_1_19:notes"/>
           <p:cNvSpPr txBox="1"/>
           <p:nvPr>
             <p:ph idx="1" type="body"/>
@@ -3633,7 +3642,7 @@
   <p:cSld>
     <p:spTree>
       <p:nvGrpSpPr>
-        <p:cNvPr id="365" name="Shape 365"/>
+        <p:cNvPr id="363" name="Shape 363"/>
         <p:cNvGrpSpPr/>
         <p:nvPr/>
       </p:nvGrpSpPr>
@@ -3647,7 +3656,7 @@
       </p:grpSpPr>
       <p:sp>
         <p:nvSpPr>
-          <p:cNvPr id="366" name="Google Shape;366;g568d696ea1_0_9:notes"/>
+          <p:cNvPr id="364" name="Google Shape;364;g568d696ea1_0_15:notes"/>
           <p:cNvSpPr/>
           <p:nvPr>
             <p:ph idx="2" type="sldImg"/>
@@ -3682,7 +3691,7 @@
       </p:sp>
       <p:sp>
         <p:nvSpPr>
-          <p:cNvPr id="367" name="Google Shape;367;g568d696ea1_0_9:notes"/>
+          <p:cNvPr id="365" name="Google Shape;365;g568d696ea1_0_15:notes"/>
           <p:cNvSpPr txBox="1"/>
           <p:nvPr>
             <p:ph idx="1" type="body"/>
@@ -3732,7 +3741,7 @@
   <p:cSld>
     <p:spTree>
       <p:nvGrpSpPr>
-        <p:cNvPr id="373" name="Shape 373"/>
+        <p:cNvPr id="370" name="Shape 370"/>
         <p:cNvGrpSpPr/>
         <p:nvPr/>
       </p:nvGrpSpPr>
@@ -3746,7 +3755,7 @@
       </p:grpSpPr>
       <p:sp>
         <p:nvSpPr>
-          <p:cNvPr id="374" name="Google Shape;374;g57f4906dad_0_12:notes"/>
+          <p:cNvPr id="371" name="Google Shape;371;g56989218d0_1_66:notes"/>
           <p:cNvSpPr/>
           <p:nvPr>
             <p:ph idx="2" type="sldImg"/>
@@ -3781,7 +3790,7 @@
       </p:sp>
       <p:sp>
         <p:nvSpPr>
-          <p:cNvPr id="375" name="Google Shape;375;g57f4906dad_0_12:notes"/>
+          <p:cNvPr id="372" name="Google Shape;372;g56989218d0_1_66:notes"/>
           <p:cNvSpPr txBox="1"/>
           <p:nvPr>
             <p:ph idx="1" type="body"/>
@@ -3831,7 +3840,7 @@
   <p:cSld>
     <p:spTree>
       <p:nvGrpSpPr>
-        <p:cNvPr id="381" name="Shape 381"/>
+        <p:cNvPr id="377" name="Shape 377"/>
         <p:cNvGrpSpPr/>
         <p:nvPr/>
       </p:nvGrpSpPr>
@@ -3845,7 +3854,7 @@
       </p:grpSpPr>
       <p:sp>
         <p:nvSpPr>
-          <p:cNvPr id="382" name="Google Shape;382;g568d696ea1_0_22:notes"/>
+          <p:cNvPr id="378" name="Google Shape;378;g568d696ea1_0_9:notes"/>
           <p:cNvSpPr/>
           <p:nvPr>
             <p:ph idx="2" type="sldImg"/>
@@ -3880,7 +3889,7 @@
       </p:sp>
       <p:sp>
         <p:nvSpPr>
-          <p:cNvPr id="383" name="Google Shape;383;g568d696ea1_0_22:notes"/>
+          <p:cNvPr id="379" name="Google Shape;379;g568d696ea1_0_9:notes"/>
           <p:cNvSpPr txBox="1"/>
           <p:nvPr>
             <p:ph idx="1" type="body"/>
@@ -3930,7 +3939,7 @@
   <p:cSld>
     <p:spTree>
       <p:nvGrpSpPr>
-        <p:cNvPr id="388" name="Shape 388"/>
+        <p:cNvPr id="384" name="Shape 384"/>
         <p:cNvGrpSpPr/>
         <p:nvPr/>
       </p:nvGrpSpPr>
@@ -3944,7 +3953,7 @@
       </p:grpSpPr>
       <p:sp>
         <p:nvSpPr>
-          <p:cNvPr id="389" name="Google Shape;389;g5613bd00b5_1_13:notes"/>
+          <p:cNvPr id="385" name="Google Shape;385;g56989218d0_1_59:notes"/>
           <p:cNvSpPr/>
           <p:nvPr>
             <p:ph idx="2" type="sldImg"/>
@@ -3979,7 +3988,7 @@
       </p:sp>
       <p:sp>
         <p:nvSpPr>
-          <p:cNvPr id="390" name="Google Shape;390;g5613bd00b5_1_13:notes"/>
+          <p:cNvPr id="386" name="Google Shape;386;g56989218d0_1_59:notes"/>
           <p:cNvSpPr txBox="1"/>
           <p:nvPr>
             <p:ph idx="1" type="body"/>
@@ -4128,7 +4137,7 @@
   <p:cSld>
     <p:spTree>
       <p:nvGrpSpPr>
-        <p:cNvPr id="396" name="Shape 396"/>
+        <p:cNvPr id="391" name="Shape 391"/>
         <p:cNvGrpSpPr/>
         <p:nvPr/>
       </p:nvGrpSpPr>
@@ -4142,7 +4151,7 @@
       </p:grpSpPr>
       <p:sp>
         <p:nvSpPr>
-          <p:cNvPr id="397" name="Google Shape;397;g5661f7ed06_0_11:notes"/>
+          <p:cNvPr id="392" name="Google Shape;392;g57f4906dad_0_12:notes"/>
           <p:cNvSpPr/>
           <p:nvPr>
             <p:ph idx="2" type="sldImg"/>
@@ -4177,7 +4186,7 @@
       </p:sp>
       <p:sp>
         <p:nvSpPr>
-          <p:cNvPr id="398" name="Google Shape;398;g5661f7ed06_0_11:notes"/>
+          <p:cNvPr id="393" name="Google Shape;393;g57f4906dad_0_12:notes"/>
           <p:cNvSpPr txBox="1"/>
           <p:nvPr>
             <p:ph idx="1" type="body"/>
@@ -4227,7 +4236,7 @@
   <p:cSld>
     <p:spTree>
       <p:nvGrpSpPr>
-        <p:cNvPr id="403" name="Shape 403"/>
+        <p:cNvPr id="398" name="Shape 398"/>
         <p:cNvGrpSpPr/>
         <p:nvPr/>
       </p:nvGrpSpPr>
@@ -4241,7 +4250,7 @@
       </p:grpSpPr>
       <p:sp>
         <p:nvSpPr>
-          <p:cNvPr id="404" name="Google Shape;404;g5661f7ed06_2_0:notes"/>
+          <p:cNvPr id="399" name="Google Shape;399;g568d696ea1_0_22:notes"/>
           <p:cNvSpPr/>
           <p:nvPr>
             <p:ph idx="2" type="sldImg"/>
@@ -4276,7 +4285,7 @@
       </p:sp>
       <p:sp>
         <p:nvSpPr>
-          <p:cNvPr id="405" name="Google Shape;405;g5661f7ed06_2_0:notes"/>
+          <p:cNvPr id="400" name="Google Shape;400;g568d696ea1_0_22:notes"/>
           <p:cNvSpPr txBox="1"/>
           <p:nvPr>
             <p:ph idx="1" type="body"/>
@@ -4326,7 +4335,7 @@
   <p:cSld>
     <p:spTree>
       <p:nvGrpSpPr>
-        <p:cNvPr id="410" name="Shape 410"/>
+        <p:cNvPr id="405" name="Shape 405"/>
         <p:cNvGrpSpPr/>
         <p:nvPr/>
       </p:nvGrpSpPr>
@@ -4340,7 +4349,7 @@
       </p:grpSpPr>
       <p:sp>
         <p:nvSpPr>
-          <p:cNvPr id="411" name="Google Shape;411;g57fb6f31e1_0_2:notes"/>
+          <p:cNvPr id="406" name="Google Shape;406;g56989218d0_1_52:notes"/>
           <p:cNvSpPr/>
           <p:nvPr>
             <p:ph idx="2" type="sldImg"/>
@@ -4375,7 +4384,7 @@
       </p:sp>
       <p:sp>
         <p:nvSpPr>
-          <p:cNvPr id="412" name="Google Shape;412;g57fb6f31e1_0_2:notes"/>
+          <p:cNvPr id="407" name="Google Shape;407;g56989218d0_1_52:notes"/>
           <p:cNvSpPr txBox="1"/>
           <p:nvPr>
             <p:ph idx="1" type="body"/>
@@ -4425,7 +4434,7 @@
   <p:cSld>
     <p:spTree>
       <p:nvGrpSpPr>
-        <p:cNvPr id="417" name="Shape 417"/>
+        <p:cNvPr id="412" name="Shape 412"/>
         <p:cNvGrpSpPr/>
         <p:nvPr/>
       </p:nvGrpSpPr>
@@ -4439,7 +4448,7 @@
       </p:grpSpPr>
       <p:sp>
         <p:nvSpPr>
-          <p:cNvPr id="418" name="Google Shape;418;g568d696ea1_0_36:notes"/>
+          <p:cNvPr id="413" name="Google Shape;413;g5613bd00b5_1_13:notes"/>
           <p:cNvSpPr/>
           <p:nvPr>
             <p:ph idx="2" type="sldImg"/>
@@ -4474,7 +4483,7 @@
       </p:sp>
       <p:sp>
         <p:nvSpPr>
-          <p:cNvPr id="419" name="Google Shape;419;g568d696ea1_0_36:notes"/>
+          <p:cNvPr id="414" name="Google Shape;414;g5613bd00b5_1_13:notes"/>
           <p:cNvSpPr txBox="1"/>
           <p:nvPr>
             <p:ph idx="1" type="body"/>
@@ -4524,7 +4533,7 @@
   <p:cSld>
     <p:spTree>
       <p:nvGrpSpPr>
-        <p:cNvPr id="424" name="Shape 424"/>
+        <p:cNvPr id="419" name="Shape 419"/>
         <p:cNvGrpSpPr/>
         <p:nvPr/>
       </p:nvGrpSpPr>
@@ -4538,7 +4547,7 @@
       </p:grpSpPr>
       <p:sp>
         <p:nvSpPr>
-          <p:cNvPr id="425" name="Google Shape;425;g57fb6f31e1_0_8:notes"/>
+          <p:cNvPr id="420" name="Google Shape;420;g5661f7ed06_0_11:notes"/>
           <p:cNvSpPr/>
           <p:nvPr>
             <p:ph idx="2" type="sldImg"/>
@@ -4573,7 +4582,7 @@
       </p:sp>
       <p:sp>
         <p:nvSpPr>
-          <p:cNvPr id="426" name="Google Shape;426;g57fb6f31e1_0_8:notes"/>
+          <p:cNvPr id="421" name="Google Shape;421;g5661f7ed06_0_11:notes"/>
           <p:cNvSpPr txBox="1"/>
           <p:nvPr>
             <p:ph idx="1" type="body"/>
@@ -4623,7 +4632,7 @@
   <p:cSld>
     <p:spTree>
       <p:nvGrpSpPr>
-        <p:cNvPr id="431" name="Shape 431"/>
+        <p:cNvPr id="426" name="Shape 426"/>
         <p:cNvGrpSpPr/>
         <p:nvPr/>
       </p:nvGrpSpPr>
@@ -4637,7 +4646,7 @@
       </p:grpSpPr>
       <p:sp>
         <p:nvSpPr>
-          <p:cNvPr id="432" name="Google Shape;432;g568d696ea1_0_44:notes"/>
+          <p:cNvPr id="427" name="Google Shape;427;g56989218d0_1_45:notes"/>
           <p:cNvSpPr/>
           <p:nvPr>
             <p:ph idx="2" type="sldImg"/>
@@ -4672,7 +4681,7 @@
       </p:sp>
       <p:sp>
         <p:nvSpPr>
-          <p:cNvPr id="433" name="Google Shape;433;g568d696ea1_0_44:notes"/>
+          <p:cNvPr id="428" name="Google Shape;428;g56989218d0_1_45:notes"/>
           <p:cNvSpPr txBox="1"/>
           <p:nvPr>
             <p:ph idx="1" type="body"/>
@@ -4722,7 +4731,7 @@
   <p:cSld>
     <p:spTree>
       <p:nvGrpSpPr>
-        <p:cNvPr id="438" name="Shape 438"/>
+        <p:cNvPr id="433" name="Shape 433"/>
         <p:cNvGrpSpPr/>
         <p:nvPr/>
       </p:nvGrpSpPr>
@@ -4736,7 +4745,7 @@
       </p:grpSpPr>
       <p:sp>
         <p:nvSpPr>
-          <p:cNvPr id="439" name="Google Shape;439;g5112d78020_0_1:notes"/>
+          <p:cNvPr id="434" name="Google Shape;434;g5661f7ed06_2_0:notes"/>
           <p:cNvSpPr/>
           <p:nvPr>
             <p:ph idx="2" type="sldImg"/>
@@ -4771,7 +4780,7 @@
       </p:sp>
       <p:sp>
         <p:nvSpPr>
-          <p:cNvPr id="440" name="Google Shape;440;g5112d78020_0_1:notes"/>
+          <p:cNvPr id="435" name="Google Shape;435;g5661f7ed06_2_0:notes"/>
           <p:cNvSpPr txBox="1"/>
           <p:nvPr>
             <p:ph idx="1" type="body"/>
@@ -4821,7 +4830,7 @@
   <p:cSld>
     <p:spTree>
       <p:nvGrpSpPr>
-        <p:cNvPr id="445" name="Shape 445"/>
+        <p:cNvPr id="440" name="Shape 440"/>
         <p:cNvGrpSpPr/>
         <p:nvPr/>
       </p:nvGrpSpPr>
@@ -4835,7 +4844,7 @@
       </p:grpSpPr>
       <p:sp>
         <p:nvSpPr>
-          <p:cNvPr id="446" name="Google Shape;446;g57fb6f31e1_0_14:notes"/>
+          <p:cNvPr id="441" name="Google Shape;441;g57fb6f31e1_0_2:notes"/>
           <p:cNvSpPr/>
           <p:nvPr>
             <p:ph idx="2" type="sldImg"/>
@@ -4870,7 +4879,7 @@
       </p:sp>
       <p:sp>
         <p:nvSpPr>
-          <p:cNvPr id="447" name="Google Shape;447;g57fb6f31e1_0_14:notes"/>
+          <p:cNvPr id="442" name="Google Shape;442;g57fb6f31e1_0_2:notes"/>
           <p:cNvSpPr txBox="1"/>
           <p:nvPr>
             <p:ph idx="1" type="body"/>
@@ -4920,7 +4929,7 @@
   <p:cSld>
     <p:spTree>
       <p:nvGrpSpPr>
-        <p:cNvPr id="452" name="Shape 452"/>
+        <p:cNvPr id="447" name="Shape 447"/>
         <p:cNvGrpSpPr/>
         <p:nvPr/>
       </p:nvGrpSpPr>
@@ -4934,7 +4943,7 @@
       </p:grpSpPr>
       <p:sp>
         <p:nvSpPr>
-          <p:cNvPr id="453" name="Google Shape;453;g568d696ea1_0_58:notes"/>
+          <p:cNvPr id="448" name="Google Shape;448;g568d696ea1_0_36:notes"/>
           <p:cNvSpPr/>
           <p:nvPr>
             <p:ph idx="2" type="sldImg"/>
@@ -4969,7 +4978,7 @@
       </p:sp>
       <p:sp>
         <p:nvSpPr>
-          <p:cNvPr id="454" name="Google Shape;454;g568d696ea1_0_58:notes"/>
+          <p:cNvPr id="449" name="Google Shape;449;g568d696ea1_0_36:notes"/>
           <p:cNvSpPr txBox="1"/>
           <p:nvPr>
             <p:ph idx="1" type="body"/>
@@ -5019,7 +5028,7 @@
   <p:cSld>
     <p:spTree>
       <p:nvGrpSpPr>
-        <p:cNvPr id="459" name="Shape 459"/>
+        <p:cNvPr id="454" name="Shape 454"/>
         <p:cNvGrpSpPr/>
         <p:nvPr/>
       </p:nvGrpSpPr>
@@ -5033,7 +5042,7 @@
       </p:grpSpPr>
       <p:sp>
         <p:nvSpPr>
-          <p:cNvPr id="460" name="Google Shape;460;g56504defc1_0_0:notes"/>
+          <p:cNvPr id="455" name="Google Shape;455;g56989218d0_1_38:notes"/>
           <p:cNvSpPr/>
           <p:nvPr>
             <p:ph idx="2" type="sldImg"/>
@@ -5068,7 +5077,7 @@
       </p:sp>
       <p:sp>
         <p:nvSpPr>
-          <p:cNvPr id="461" name="Google Shape;461;g56504defc1_0_0:notes"/>
+          <p:cNvPr id="456" name="Google Shape;456;g56989218d0_1_38:notes"/>
           <p:cNvSpPr txBox="1"/>
           <p:nvPr>
             <p:ph idx="1" type="body"/>
@@ -5217,7 +5226,7 @@
   <p:cSld>
     <p:spTree>
       <p:nvGrpSpPr>
-        <p:cNvPr id="467" name="Shape 467"/>
+        <p:cNvPr id="461" name="Shape 461"/>
         <p:cNvGrpSpPr/>
         <p:nvPr/>
       </p:nvGrpSpPr>
@@ -5231,7 +5240,7 @@
       </p:grpSpPr>
       <p:sp>
         <p:nvSpPr>
-          <p:cNvPr id="468" name="Google Shape;468;g56504defc1_0_9:notes"/>
+          <p:cNvPr id="462" name="Google Shape;462;g57fb6f31e1_0_8:notes"/>
           <p:cNvSpPr/>
           <p:nvPr>
             <p:ph idx="2" type="sldImg"/>
@@ -5266,7 +5275,7 @@
       </p:sp>
       <p:sp>
         <p:nvSpPr>
-          <p:cNvPr id="469" name="Google Shape;469;g56504defc1_0_9:notes"/>
+          <p:cNvPr id="463" name="Google Shape;463;g57fb6f31e1_0_8:notes"/>
           <p:cNvSpPr txBox="1"/>
           <p:nvPr>
             <p:ph idx="1" type="body"/>
@@ -5316,7 +5325,7 @@
   <p:cSld>
     <p:spTree>
       <p:nvGrpSpPr>
-        <p:cNvPr id="476" name="Shape 476"/>
+        <p:cNvPr id="468" name="Shape 468"/>
         <p:cNvGrpSpPr/>
         <p:nvPr/>
       </p:nvGrpSpPr>
@@ -5330,7 +5339,7 @@
       </p:grpSpPr>
       <p:sp>
         <p:nvSpPr>
-          <p:cNvPr id="477" name="Google Shape;477;g56504defc1_0_20:notes"/>
+          <p:cNvPr id="469" name="Google Shape;469;g56989218d0_1_31:notes"/>
           <p:cNvSpPr/>
           <p:nvPr>
             <p:ph idx="2" type="sldImg"/>
@@ -5365,7 +5374,7 @@
       </p:sp>
       <p:sp>
         <p:nvSpPr>
-          <p:cNvPr id="478" name="Google Shape;478;g56504defc1_0_20:notes"/>
+          <p:cNvPr id="470" name="Google Shape;470;g56989218d0_1_31:notes"/>
           <p:cNvSpPr txBox="1"/>
           <p:nvPr>
             <p:ph idx="1" type="body"/>
@@ -5415,7 +5424,7 @@
   <p:cSld>
     <p:spTree>
       <p:nvGrpSpPr>
-        <p:cNvPr id="485" name="Shape 485"/>
+        <p:cNvPr id="475" name="Shape 475"/>
         <p:cNvGrpSpPr/>
         <p:nvPr/>
       </p:nvGrpSpPr>
@@ -5429,7 +5438,7 @@
       </p:grpSpPr>
       <p:sp>
         <p:nvSpPr>
-          <p:cNvPr id="486" name="Google Shape;486;g560fcce37b_0_50:notes"/>
+          <p:cNvPr id="476" name="Google Shape;476;g568d696ea1_0_44:notes"/>
           <p:cNvSpPr/>
           <p:nvPr>
             <p:ph idx="2" type="sldImg"/>
@@ -5464,7 +5473,7 @@
       </p:sp>
       <p:sp>
         <p:nvSpPr>
-          <p:cNvPr id="487" name="Google Shape;487;g560fcce37b_0_50:notes"/>
+          <p:cNvPr id="477" name="Google Shape;477;g568d696ea1_0_44:notes"/>
           <p:cNvSpPr txBox="1"/>
           <p:nvPr>
             <p:ph idx="1" type="body"/>
@@ -5514,7 +5523,7 @@
   <p:cSld>
     <p:spTree>
       <p:nvGrpSpPr>
-        <p:cNvPr id="492" name="Shape 492"/>
+        <p:cNvPr id="482" name="Shape 482"/>
         <p:cNvGrpSpPr/>
         <p:nvPr/>
       </p:nvGrpSpPr>
@@ -5528,7 +5537,7 @@
       </p:grpSpPr>
       <p:sp>
         <p:nvSpPr>
-          <p:cNvPr id="493" name="Google Shape;493;g56504defc1_0_36:notes"/>
+          <p:cNvPr id="483" name="Google Shape;483;g5112d78020_0_1:notes"/>
           <p:cNvSpPr/>
           <p:nvPr>
             <p:ph idx="2" type="sldImg"/>
@@ -5563,7 +5572,601 @@
       </p:sp>
       <p:sp>
         <p:nvSpPr>
-          <p:cNvPr id="494" name="Google Shape;494;g56504defc1_0_36:notes"/>
+          <p:cNvPr id="484" name="Google Shape;484;g5112d78020_0_1:notes"/>
+          <p:cNvSpPr txBox="1"/>
+          <p:nvPr>
+            <p:ph idx="1" type="body"/>
+          </p:nvPr>
+        </p:nvSpPr>
+        <p:spPr>
+          <a:xfrm>
+            <a:off x="685800" y="4343400"/>
+            <a:ext cx="5486400" cy="4114800"/>
+          </a:xfrm>
+          <a:prstGeom prst="rect">
+            <a:avLst/>
+          </a:prstGeom>
+        </p:spPr>
+        <p:txBody>
+          <a:bodyPr anchorCtr="0" anchor="t" bIns="91425" lIns="91425" spcFirstLastPara="1" rIns="91425" wrap="square" tIns="91425">
+            <a:noAutofit/>
+          </a:bodyPr>
+          <a:lstStyle/>
+          <a:p>
+            <a:pPr indent="0" lvl="0" marL="0" rtl="0" algn="l">
+              <a:spcBef>
+                <a:spcPts val="0"/>
+              </a:spcBef>
+              <a:spcAft>
+                <a:spcPts val="0"/>
+              </a:spcAft>
+              <a:buNone/>
+            </a:pPr>
+            <a:r>
+              <a:t/>
+            </a:r>
+            <a:endParaRPr/>
+          </a:p>
+        </p:txBody>
+      </p:sp>
+    </p:spTree>
+  </p:cSld>
+  <p:clrMapOvr>
+    <a:masterClrMapping/>
+  </p:clrMapOvr>
+</p:notes>
+</file>
+
+<file path=ppt/notesSlides/notesSlide54.xml><?xml version="1.0" encoding="utf-8"?>
+<p:notes xmlns:a="http://schemas.openxmlformats.org/drawingml/2006/main" xmlns:r="http://schemas.openxmlformats.org/officeDocument/2006/relationships" xmlns:mc="http://schemas.openxmlformats.org/markup-compatibility/2006" xmlns:mv="urn:schemas-microsoft-com:mac:vml" xmlns:p="http://schemas.openxmlformats.org/presentationml/2006/main" xmlns:c="http://schemas.openxmlformats.org/drawingml/2006/chart" xmlns:dgm="http://schemas.openxmlformats.org/drawingml/2006/diagram" xmlns:o="urn:schemas-microsoft-com:office:office" xmlns:v="urn:schemas-microsoft-com:vml" xmlns:pvml="urn:schemas-microsoft-com:office:powerpoint" xmlns:com="http://schemas.openxmlformats.org/drawingml/2006/compatibility" xmlns:p14="http://schemas.microsoft.com/office/powerpoint/2010/main" xmlns:p15="http://schemas.microsoft.com/office/powerpoint/2012/main" showMasterPhAnim="0" showMasterSp="0">
+  <p:cSld>
+    <p:spTree>
+      <p:nvGrpSpPr>
+        <p:cNvPr id="489" name="Shape 489"/>
+        <p:cNvGrpSpPr/>
+        <p:nvPr/>
+      </p:nvGrpSpPr>
+      <p:grpSpPr>
+        <a:xfrm>
+          <a:off x="0" y="0"/>
+          <a:ext cx="0" cy="0"/>
+          <a:chOff x="0" y="0"/>
+          <a:chExt cx="0" cy="0"/>
+        </a:xfrm>
+      </p:grpSpPr>
+      <p:sp>
+        <p:nvSpPr>
+          <p:cNvPr id="490" name="Google Shape;490;g56989218d0_1_24:notes"/>
+          <p:cNvSpPr/>
+          <p:nvPr>
+            <p:ph idx="2" type="sldImg"/>
+          </p:nvPr>
+        </p:nvSpPr>
+        <p:spPr>
+          <a:xfrm>
+            <a:off x="381300" y="685800"/>
+            <a:ext cx="6096000" cy="3429000"/>
+          </a:xfrm>
+          <a:custGeom>
+            <a:rect b="b" l="l" r="r" t="t"/>
+            <a:pathLst>
+              <a:path extrusionOk="0" h="120000" w="120000">
+                <a:moveTo>
+                  <a:pt x="0" y="0"/>
+                </a:moveTo>
+                <a:lnTo>
+                  <a:pt x="120000" y="0"/>
+                </a:lnTo>
+                <a:lnTo>
+                  <a:pt x="120000" y="120000"/>
+                </a:lnTo>
+                <a:lnTo>
+                  <a:pt x="0" y="120000"/>
+                </a:lnTo>
+                <a:close/>
+              </a:path>
+            </a:pathLst>
+          </a:custGeom>
+        </p:spPr>
+      </p:sp>
+      <p:sp>
+        <p:nvSpPr>
+          <p:cNvPr id="491" name="Google Shape;491;g56989218d0_1_24:notes"/>
+          <p:cNvSpPr txBox="1"/>
+          <p:nvPr>
+            <p:ph idx="1" type="body"/>
+          </p:nvPr>
+        </p:nvSpPr>
+        <p:spPr>
+          <a:xfrm>
+            <a:off x="685800" y="4343400"/>
+            <a:ext cx="5486400" cy="4114800"/>
+          </a:xfrm>
+          <a:prstGeom prst="rect">
+            <a:avLst/>
+          </a:prstGeom>
+        </p:spPr>
+        <p:txBody>
+          <a:bodyPr anchorCtr="0" anchor="t" bIns="91425" lIns="91425" spcFirstLastPara="1" rIns="91425" wrap="square" tIns="91425">
+            <a:noAutofit/>
+          </a:bodyPr>
+          <a:lstStyle/>
+          <a:p>
+            <a:pPr indent="0" lvl="0" marL="0" rtl="0" algn="l">
+              <a:spcBef>
+                <a:spcPts val="0"/>
+              </a:spcBef>
+              <a:spcAft>
+                <a:spcPts val="0"/>
+              </a:spcAft>
+              <a:buNone/>
+            </a:pPr>
+            <a:r>
+              <a:t/>
+            </a:r>
+            <a:endParaRPr/>
+          </a:p>
+        </p:txBody>
+      </p:sp>
+    </p:spTree>
+  </p:cSld>
+  <p:clrMapOvr>
+    <a:masterClrMapping/>
+  </p:clrMapOvr>
+</p:notes>
+</file>
+
+<file path=ppt/notesSlides/notesSlide55.xml><?xml version="1.0" encoding="utf-8"?>
+<p:notes xmlns:a="http://schemas.openxmlformats.org/drawingml/2006/main" xmlns:r="http://schemas.openxmlformats.org/officeDocument/2006/relationships" xmlns:mc="http://schemas.openxmlformats.org/markup-compatibility/2006" xmlns:mv="urn:schemas-microsoft-com:mac:vml" xmlns:p="http://schemas.openxmlformats.org/presentationml/2006/main" xmlns:c="http://schemas.openxmlformats.org/drawingml/2006/chart" xmlns:dgm="http://schemas.openxmlformats.org/drawingml/2006/diagram" xmlns:o="urn:schemas-microsoft-com:office:office" xmlns:v="urn:schemas-microsoft-com:vml" xmlns:pvml="urn:schemas-microsoft-com:office:powerpoint" xmlns:com="http://schemas.openxmlformats.org/drawingml/2006/compatibility" xmlns:p14="http://schemas.microsoft.com/office/powerpoint/2010/main" xmlns:p15="http://schemas.microsoft.com/office/powerpoint/2012/main" showMasterPhAnim="0" showMasterSp="0">
+  <p:cSld>
+    <p:spTree>
+      <p:nvGrpSpPr>
+        <p:cNvPr id="496" name="Shape 496"/>
+        <p:cNvGrpSpPr/>
+        <p:nvPr/>
+      </p:nvGrpSpPr>
+      <p:grpSpPr>
+        <a:xfrm>
+          <a:off x="0" y="0"/>
+          <a:ext cx="0" cy="0"/>
+          <a:chOff x="0" y="0"/>
+          <a:chExt cx="0" cy="0"/>
+        </a:xfrm>
+      </p:grpSpPr>
+      <p:sp>
+        <p:nvSpPr>
+          <p:cNvPr id="497" name="Google Shape;497;g57fb6f31e1_0_14:notes"/>
+          <p:cNvSpPr/>
+          <p:nvPr>
+            <p:ph idx="2" type="sldImg"/>
+          </p:nvPr>
+        </p:nvSpPr>
+        <p:spPr>
+          <a:xfrm>
+            <a:off x="381300" y="685800"/>
+            <a:ext cx="6096000" cy="3429000"/>
+          </a:xfrm>
+          <a:custGeom>
+            <a:rect b="b" l="l" r="r" t="t"/>
+            <a:pathLst>
+              <a:path extrusionOk="0" h="120000" w="120000">
+                <a:moveTo>
+                  <a:pt x="0" y="0"/>
+                </a:moveTo>
+                <a:lnTo>
+                  <a:pt x="120000" y="0"/>
+                </a:lnTo>
+                <a:lnTo>
+                  <a:pt x="120000" y="120000"/>
+                </a:lnTo>
+                <a:lnTo>
+                  <a:pt x="0" y="120000"/>
+                </a:lnTo>
+                <a:close/>
+              </a:path>
+            </a:pathLst>
+          </a:custGeom>
+        </p:spPr>
+      </p:sp>
+      <p:sp>
+        <p:nvSpPr>
+          <p:cNvPr id="498" name="Google Shape;498;g57fb6f31e1_0_14:notes"/>
+          <p:cNvSpPr txBox="1"/>
+          <p:nvPr>
+            <p:ph idx="1" type="body"/>
+          </p:nvPr>
+        </p:nvSpPr>
+        <p:spPr>
+          <a:xfrm>
+            <a:off x="685800" y="4343400"/>
+            <a:ext cx="5486400" cy="4114800"/>
+          </a:xfrm>
+          <a:prstGeom prst="rect">
+            <a:avLst/>
+          </a:prstGeom>
+        </p:spPr>
+        <p:txBody>
+          <a:bodyPr anchorCtr="0" anchor="t" bIns="91425" lIns="91425" spcFirstLastPara="1" rIns="91425" wrap="square" tIns="91425">
+            <a:noAutofit/>
+          </a:bodyPr>
+          <a:lstStyle/>
+          <a:p>
+            <a:pPr indent="0" lvl="0" marL="0" rtl="0" algn="l">
+              <a:spcBef>
+                <a:spcPts val="0"/>
+              </a:spcBef>
+              <a:spcAft>
+                <a:spcPts val="0"/>
+              </a:spcAft>
+              <a:buNone/>
+            </a:pPr>
+            <a:r>
+              <a:t/>
+            </a:r>
+            <a:endParaRPr/>
+          </a:p>
+        </p:txBody>
+      </p:sp>
+    </p:spTree>
+  </p:cSld>
+  <p:clrMapOvr>
+    <a:masterClrMapping/>
+  </p:clrMapOvr>
+</p:notes>
+</file>
+
+<file path=ppt/notesSlides/notesSlide56.xml><?xml version="1.0" encoding="utf-8"?>
+<p:notes xmlns:a="http://schemas.openxmlformats.org/drawingml/2006/main" xmlns:r="http://schemas.openxmlformats.org/officeDocument/2006/relationships" xmlns:mc="http://schemas.openxmlformats.org/markup-compatibility/2006" xmlns:mv="urn:schemas-microsoft-com:mac:vml" xmlns:p="http://schemas.openxmlformats.org/presentationml/2006/main" xmlns:c="http://schemas.openxmlformats.org/drawingml/2006/chart" xmlns:dgm="http://schemas.openxmlformats.org/drawingml/2006/diagram" xmlns:o="urn:schemas-microsoft-com:office:office" xmlns:v="urn:schemas-microsoft-com:vml" xmlns:pvml="urn:schemas-microsoft-com:office:powerpoint" xmlns:com="http://schemas.openxmlformats.org/drawingml/2006/compatibility" xmlns:p14="http://schemas.microsoft.com/office/powerpoint/2010/main" xmlns:p15="http://schemas.microsoft.com/office/powerpoint/2012/main" showMasterPhAnim="0" showMasterSp="0">
+  <p:cSld>
+    <p:spTree>
+      <p:nvGrpSpPr>
+        <p:cNvPr id="503" name="Shape 503"/>
+        <p:cNvGrpSpPr/>
+        <p:nvPr/>
+      </p:nvGrpSpPr>
+      <p:grpSpPr>
+        <a:xfrm>
+          <a:off x="0" y="0"/>
+          <a:ext cx="0" cy="0"/>
+          <a:chOff x="0" y="0"/>
+          <a:chExt cx="0" cy="0"/>
+        </a:xfrm>
+      </p:grpSpPr>
+      <p:sp>
+        <p:nvSpPr>
+          <p:cNvPr id="504" name="Google Shape;504;g568d696ea1_0_58:notes"/>
+          <p:cNvSpPr/>
+          <p:nvPr>
+            <p:ph idx="2" type="sldImg"/>
+          </p:nvPr>
+        </p:nvSpPr>
+        <p:spPr>
+          <a:xfrm>
+            <a:off x="381300" y="685800"/>
+            <a:ext cx="6096000" cy="3429000"/>
+          </a:xfrm>
+          <a:custGeom>
+            <a:rect b="b" l="l" r="r" t="t"/>
+            <a:pathLst>
+              <a:path extrusionOk="0" h="120000" w="120000">
+                <a:moveTo>
+                  <a:pt x="0" y="0"/>
+                </a:moveTo>
+                <a:lnTo>
+                  <a:pt x="120000" y="0"/>
+                </a:lnTo>
+                <a:lnTo>
+                  <a:pt x="120000" y="120000"/>
+                </a:lnTo>
+                <a:lnTo>
+                  <a:pt x="0" y="120000"/>
+                </a:lnTo>
+                <a:close/>
+              </a:path>
+            </a:pathLst>
+          </a:custGeom>
+        </p:spPr>
+      </p:sp>
+      <p:sp>
+        <p:nvSpPr>
+          <p:cNvPr id="505" name="Google Shape;505;g568d696ea1_0_58:notes"/>
+          <p:cNvSpPr txBox="1"/>
+          <p:nvPr>
+            <p:ph idx="1" type="body"/>
+          </p:nvPr>
+        </p:nvSpPr>
+        <p:spPr>
+          <a:xfrm>
+            <a:off x="685800" y="4343400"/>
+            <a:ext cx="5486400" cy="4114800"/>
+          </a:xfrm>
+          <a:prstGeom prst="rect">
+            <a:avLst/>
+          </a:prstGeom>
+        </p:spPr>
+        <p:txBody>
+          <a:bodyPr anchorCtr="0" anchor="t" bIns="91425" lIns="91425" spcFirstLastPara="1" rIns="91425" wrap="square" tIns="91425">
+            <a:noAutofit/>
+          </a:bodyPr>
+          <a:lstStyle/>
+          <a:p>
+            <a:pPr indent="0" lvl="0" marL="0" rtl="0" algn="l">
+              <a:spcBef>
+                <a:spcPts val="0"/>
+              </a:spcBef>
+              <a:spcAft>
+                <a:spcPts val="0"/>
+              </a:spcAft>
+              <a:buNone/>
+            </a:pPr>
+            <a:r>
+              <a:t/>
+            </a:r>
+            <a:endParaRPr/>
+          </a:p>
+        </p:txBody>
+      </p:sp>
+    </p:spTree>
+  </p:cSld>
+  <p:clrMapOvr>
+    <a:masterClrMapping/>
+  </p:clrMapOvr>
+</p:notes>
+</file>
+
+<file path=ppt/notesSlides/notesSlide57.xml><?xml version="1.0" encoding="utf-8"?>
+<p:notes xmlns:a="http://schemas.openxmlformats.org/drawingml/2006/main" xmlns:r="http://schemas.openxmlformats.org/officeDocument/2006/relationships" xmlns:mc="http://schemas.openxmlformats.org/markup-compatibility/2006" xmlns:mv="urn:schemas-microsoft-com:mac:vml" xmlns:p="http://schemas.openxmlformats.org/presentationml/2006/main" xmlns:c="http://schemas.openxmlformats.org/drawingml/2006/chart" xmlns:dgm="http://schemas.openxmlformats.org/drawingml/2006/diagram" xmlns:o="urn:schemas-microsoft-com:office:office" xmlns:v="urn:schemas-microsoft-com:vml" xmlns:pvml="urn:schemas-microsoft-com:office:powerpoint" xmlns:com="http://schemas.openxmlformats.org/drawingml/2006/compatibility" xmlns:p14="http://schemas.microsoft.com/office/powerpoint/2010/main" xmlns:p15="http://schemas.microsoft.com/office/powerpoint/2012/main" showMasterPhAnim="0" showMasterSp="0">
+  <p:cSld>
+    <p:spTree>
+      <p:nvGrpSpPr>
+        <p:cNvPr id="510" name="Shape 510"/>
+        <p:cNvGrpSpPr/>
+        <p:nvPr/>
+      </p:nvGrpSpPr>
+      <p:grpSpPr>
+        <a:xfrm>
+          <a:off x="0" y="0"/>
+          <a:ext cx="0" cy="0"/>
+          <a:chOff x="0" y="0"/>
+          <a:chExt cx="0" cy="0"/>
+        </a:xfrm>
+      </p:grpSpPr>
+      <p:sp>
+        <p:nvSpPr>
+          <p:cNvPr id="511" name="Google Shape;511;g56989218d0_1_17:notes"/>
+          <p:cNvSpPr/>
+          <p:nvPr>
+            <p:ph idx="2" type="sldImg"/>
+          </p:nvPr>
+        </p:nvSpPr>
+        <p:spPr>
+          <a:xfrm>
+            <a:off x="381300" y="685800"/>
+            <a:ext cx="6096000" cy="3429000"/>
+          </a:xfrm>
+          <a:custGeom>
+            <a:rect b="b" l="l" r="r" t="t"/>
+            <a:pathLst>
+              <a:path extrusionOk="0" h="120000" w="120000">
+                <a:moveTo>
+                  <a:pt x="0" y="0"/>
+                </a:moveTo>
+                <a:lnTo>
+                  <a:pt x="120000" y="0"/>
+                </a:lnTo>
+                <a:lnTo>
+                  <a:pt x="120000" y="120000"/>
+                </a:lnTo>
+                <a:lnTo>
+                  <a:pt x="0" y="120000"/>
+                </a:lnTo>
+                <a:close/>
+              </a:path>
+            </a:pathLst>
+          </a:custGeom>
+        </p:spPr>
+      </p:sp>
+      <p:sp>
+        <p:nvSpPr>
+          <p:cNvPr id="512" name="Google Shape;512;g56989218d0_1_17:notes"/>
+          <p:cNvSpPr txBox="1"/>
+          <p:nvPr>
+            <p:ph idx="1" type="body"/>
+          </p:nvPr>
+        </p:nvSpPr>
+        <p:spPr>
+          <a:xfrm>
+            <a:off x="685800" y="4343400"/>
+            <a:ext cx="5486400" cy="4114800"/>
+          </a:xfrm>
+          <a:prstGeom prst="rect">
+            <a:avLst/>
+          </a:prstGeom>
+        </p:spPr>
+        <p:txBody>
+          <a:bodyPr anchorCtr="0" anchor="t" bIns="91425" lIns="91425" spcFirstLastPara="1" rIns="91425" wrap="square" tIns="91425">
+            <a:noAutofit/>
+          </a:bodyPr>
+          <a:lstStyle/>
+          <a:p>
+            <a:pPr indent="0" lvl="0" marL="0" rtl="0" algn="l">
+              <a:spcBef>
+                <a:spcPts val="0"/>
+              </a:spcBef>
+              <a:spcAft>
+                <a:spcPts val="0"/>
+              </a:spcAft>
+              <a:buNone/>
+            </a:pPr>
+            <a:r>
+              <a:t/>
+            </a:r>
+            <a:endParaRPr/>
+          </a:p>
+        </p:txBody>
+      </p:sp>
+    </p:spTree>
+  </p:cSld>
+  <p:clrMapOvr>
+    <a:masterClrMapping/>
+  </p:clrMapOvr>
+</p:notes>
+</file>
+
+<file path=ppt/notesSlides/notesSlide58.xml><?xml version="1.0" encoding="utf-8"?>
+<p:notes xmlns:a="http://schemas.openxmlformats.org/drawingml/2006/main" xmlns:r="http://schemas.openxmlformats.org/officeDocument/2006/relationships" xmlns:mc="http://schemas.openxmlformats.org/markup-compatibility/2006" xmlns:mv="urn:schemas-microsoft-com:mac:vml" xmlns:p="http://schemas.openxmlformats.org/presentationml/2006/main" xmlns:c="http://schemas.openxmlformats.org/drawingml/2006/chart" xmlns:dgm="http://schemas.openxmlformats.org/drawingml/2006/diagram" xmlns:o="urn:schemas-microsoft-com:office:office" xmlns:v="urn:schemas-microsoft-com:vml" xmlns:pvml="urn:schemas-microsoft-com:office:powerpoint" xmlns:com="http://schemas.openxmlformats.org/drawingml/2006/compatibility" xmlns:p14="http://schemas.microsoft.com/office/powerpoint/2010/main" xmlns:p15="http://schemas.microsoft.com/office/powerpoint/2012/main" showMasterPhAnim="0" showMasterSp="0">
+  <p:cSld>
+    <p:spTree>
+      <p:nvGrpSpPr>
+        <p:cNvPr id="517" name="Shape 517"/>
+        <p:cNvGrpSpPr/>
+        <p:nvPr/>
+      </p:nvGrpSpPr>
+      <p:grpSpPr>
+        <a:xfrm>
+          <a:off x="0" y="0"/>
+          <a:ext cx="0" cy="0"/>
+          <a:chOff x="0" y="0"/>
+          <a:chExt cx="0" cy="0"/>
+        </a:xfrm>
+      </p:grpSpPr>
+      <p:sp>
+        <p:nvSpPr>
+          <p:cNvPr id="518" name="Google Shape;518;g56504defc1_0_0:notes"/>
+          <p:cNvSpPr/>
+          <p:nvPr>
+            <p:ph idx="2" type="sldImg"/>
+          </p:nvPr>
+        </p:nvSpPr>
+        <p:spPr>
+          <a:xfrm>
+            <a:off x="381300" y="685800"/>
+            <a:ext cx="6096000" cy="3429000"/>
+          </a:xfrm>
+          <a:custGeom>
+            <a:rect b="b" l="l" r="r" t="t"/>
+            <a:pathLst>
+              <a:path extrusionOk="0" h="120000" w="120000">
+                <a:moveTo>
+                  <a:pt x="0" y="0"/>
+                </a:moveTo>
+                <a:lnTo>
+                  <a:pt x="120000" y="0"/>
+                </a:lnTo>
+                <a:lnTo>
+                  <a:pt x="120000" y="120000"/>
+                </a:lnTo>
+                <a:lnTo>
+                  <a:pt x="0" y="120000"/>
+                </a:lnTo>
+                <a:close/>
+              </a:path>
+            </a:pathLst>
+          </a:custGeom>
+        </p:spPr>
+      </p:sp>
+      <p:sp>
+        <p:nvSpPr>
+          <p:cNvPr id="519" name="Google Shape;519;g56504defc1_0_0:notes"/>
+          <p:cNvSpPr txBox="1"/>
+          <p:nvPr>
+            <p:ph idx="1" type="body"/>
+          </p:nvPr>
+        </p:nvSpPr>
+        <p:spPr>
+          <a:xfrm>
+            <a:off x="685800" y="4343400"/>
+            <a:ext cx="5486400" cy="4114800"/>
+          </a:xfrm>
+          <a:prstGeom prst="rect">
+            <a:avLst/>
+          </a:prstGeom>
+        </p:spPr>
+        <p:txBody>
+          <a:bodyPr anchorCtr="0" anchor="t" bIns="91425" lIns="91425" spcFirstLastPara="1" rIns="91425" wrap="square" tIns="91425">
+            <a:noAutofit/>
+          </a:bodyPr>
+          <a:lstStyle/>
+          <a:p>
+            <a:pPr indent="0" lvl="0" marL="0" rtl="0" algn="l">
+              <a:spcBef>
+                <a:spcPts val="0"/>
+              </a:spcBef>
+              <a:spcAft>
+                <a:spcPts val="0"/>
+              </a:spcAft>
+              <a:buNone/>
+            </a:pPr>
+            <a:r>
+              <a:t/>
+            </a:r>
+            <a:endParaRPr/>
+          </a:p>
+        </p:txBody>
+      </p:sp>
+    </p:spTree>
+  </p:cSld>
+  <p:clrMapOvr>
+    <a:masterClrMapping/>
+  </p:clrMapOvr>
+</p:notes>
+</file>
+
+<file path=ppt/notesSlides/notesSlide59.xml><?xml version="1.0" encoding="utf-8"?>
+<p:notes xmlns:a="http://schemas.openxmlformats.org/drawingml/2006/main" xmlns:r="http://schemas.openxmlformats.org/officeDocument/2006/relationships" xmlns:mc="http://schemas.openxmlformats.org/markup-compatibility/2006" xmlns:mv="urn:schemas-microsoft-com:mac:vml" xmlns:p="http://schemas.openxmlformats.org/presentationml/2006/main" xmlns:c="http://schemas.openxmlformats.org/drawingml/2006/chart" xmlns:dgm="http://schemas.openxmlformats.org/drawingml/2006/diagram" xmlns:o="urn:schemas-microsoft-com:office:office" xmlns:v="urn:schemas-microsoft-com:vml" xmlns:pvml="urn:schemas-microsoft-com:office:powerpoint" xmlns:com="http://schemas.openxmlformats.org/drawingml/2006/compatibility" xmlns:p14="http://schemas.microsoft.com/office/powerpoint/2010/main" xmlns:p15="http://schemas.microsoft.com/office/powerpoint/2012/main" showMasterPhAnim="0" showMasterSp="0">
+  <p:cSld>
+    <p:spTree>
+      <p:nvGrpSpPr>
+        <p:cNvPr id="525" name="Shape 525"/>
+        <p:cNvGrpSpPr/>
+        <p:nvPr/>
+      </p:nvGrpSpPr>
+      <p:grpSpPr>
+        <a:xfrm>
+          <a:off x="0" y="0"/>
+          <a:ext cx="0" cy="0"/>
+          <a:chOff x="0" y="0"/>
+          <a:chExt cx="0" cy="0"/>
+        </a:xfrm>
+      </p:grpSpPr>
+      <p:sp>
+        <p:nvSpPr>
+          <p:cNvPr id="526" name="Google Shape;526;g56504defc1_0_9:notes"/>
+          <p:cNvSpPr/>
+          <p:nvPr>
+            <p:ph idx="2" type="sldImg"/>
+          </p:nvPr>
+        </p:nvSpPr>
+        <p:spPr>
+          <a:xfrm>
+            <a:off x="381300" y="685800"/>
+            <a:ext cx="6096000" cy="3429000"/>
+          </a:xfrm>
+          <a:custGeom>
+            <a:rect b="b" l="l" r="r" t="t"/>
+            <a:pathLst>
+              <a:path extrusionOk="0" h="120000" w="120000">
+                <a:moveTo>
+                  <a:pt x="0" y="0"/>
+                </a:moveTo>
+                <a:lnTo>
+                  <a:pt x="120000" y="0"/>
+                </a:lnTo>
+                <a:lnTo>
+                  <a:pt x="120000" y="120000"/>
+                </a:lnTo>
+                <a:lnTo>
+                  <a:pt x="0" y="120000"/>
+                </a:lnTo>
+                <a:close/>
+              </a:path>
+            </a:pathLst>
+          </a:custGeom>
+        </p:spPr>
+      </p:sp>
+      <p:sp>
+        <p:nvSpPr>
+          <p:cNvPr id="527" name="Google Shape;527;g56504defc1_0_9:notes"/>
           <p:cNvSpPr txBox="1"/>
           <p:nvPr>
             <p:ph idx="1" type="body"/>
@@ -5663,6 +6266,303 @@
       <p:sp>
         <p:nvSpPr>
           <p:cNvPr id="107" name="Google Shape;107;g5605b3aefc_0_36:notes"/>
+          <p:cNvSpPr txBox="1"/>
+          <p:nvPr>
+            <p:ph idx="1" type="body"/>
+          </p:nvPr>
+        </p:nvSpPr>
+        <p:spPr>
+          <a:xfrm>
+            <a:off x="685800" y="4343400"/>
+            <a:ext cx="5486400" cy="4114800"/>
+          </a:xfrm>
+          <a:prstGeom prst="rect">
+            <a:avLst/>
+          </a:prstGeom>
+        </p:spPr>
+        <p:txBody>
+          <a:bodyPr anchorCtr="0" anchor="t" bIns="91425" lIns="91425" spcFirstLastPara="1" rIns="91425" wrap="square" tIns="91425">
+            <a:noAutofit/>
+          </a:bodyPr>
+          <a:lstStyle/>
+          <a:p>
+            <a:pPr indent="0" lvl="0" marL="0" rtl="0" algn="l">
+              <a:spcBef>
+                <a:spcPts val="0"/>
+              </a:spcBef>
+              <a:spcAft>
+                <a:spcPts val="0"/>
+              </a:spcAft>
+              <a:buNone/>
+            </a:pPr>
+            <a:r>
+              <a:t/>
+            </a:r>
+            <a:endParaRPr/>
+          </a:p>
+        </p:txBody>
+      </p:sp>
+    </p:spTree>
+  </p:cSld>
+  <p:clrMapOvr>
+    <a:masterClrMapping/>
+  </p:clrMapOvr>
+</p:notes>
+</file>
+
+<file path=ppt/notesSlides/notesSlide60.xml><?xml version="1.0" encoding="utf-8"?>
+<p:notes xmlns:a="http://schemas.openxmlformats.org/drawingml/2006/main" xmlns:r="http://schemas.openxmlformats.org/officeDocument/2006/relationships" xmlns:mc="http://schemas.openxmlformats.org/markup-compatibility/2006" xmlns:mv="urn:schemas-microsoft-com:mac:vml" xmlns:p="http://schemas.openxmlformats.org/presentationml/2006/main" xmlns:c="http://schemas.openxmlformats.org/drawingml/2006/chart" xmlns:dgm="http://schemas.openxmlformats.org/drawingml/2006/diagram" xmlns:o="urn:schemas-microsoft-com:office:office" xmlns:v="urn:schemas-microsoft-com:vml" xmlns:pvml="urn:schemas-microsoft-com:office:powerpoint" xmlns:com="http://schemas.openxmlformats.org/drawingml/2006/compatibility" xmlns:p14="http://schemas.microsoft.com/office/powerpoint/2010/main" xmlns:p15="http://schemas.microsoft.com/office/powerpoint/2012/main" showMasterPhAnim="0" showMasterSp="0">
+  <p:cSld>
+    <p:spTree>
+      <p:nvGrpSpPr>
+        <p:cNvPr id="534" name="Shape 534"/>
+        <p:cNvGrpSpPr/>
+        <p:nvPr/>
+      </p:nvGrpSpPr>
+      <p:grpSpPr>
+        <a:xfrm>
+          <a:off x="0" y="0"/>
+          <a:ext cx="0" cy="0"/>
+          <a:chOff x="0" y="0"/>
+          <a:chExt cx="0" cy="0"/>
+        </a:xfrm>
+      </p:grpSpPr>
+      <p:sp>
+        <p:nvSpPr>
+          <p:cNvPr id="535" name="Google Shape;535;g56504defc1_0_20:notes"/>
+          <p:cNvSpPr/>
+          <p:nvPr>
+            <p:ph idx="2" type="sldImg"/>
+          </p:nvPr>
+        </p:nvSpPr>
+        <p:spPr>
+          <a:xfrm>
+            <a:off x="381300" y="685800"/>
+            <a:ext cx="6096000" cy="3429000"/>
+          </a:xfrm>
+          <a:custGeom>
+            <a:rect b="b" l="l" r="r" t="t"/>
+            <a:pathLst>
+              <a:path extrusionOk="0" h="120000" w="120000">
+                <a:moveTo>
+                  <a:pt x="0" y="0"/>
+                </a:moveTo>
+                <a:lnTo>
+                  <a:pt x="120000" y="0"/>
+                </a:lnTo>
+                <a:lnTo>
+                  <a:pt x="120000" y="120000"/>
+                </a:lnTo>
+                <a:lnTo>
+                  <a:pt x="0" y="120000"/>
+                </a:lnTo>
+                <a:close/>
+              </a:path>
+            </a:pathLst>
+          </a:custGeom>
+        </p:spPr>
+      </p:sp>
+      <p:sp>
+        <p:nvSpPr>
+          <p:cNvPr id="536" name="Google Shape;536;g56504defc1_0_20:notes"/>
+          <p:cNvSpPr txBox="1"/>
+          <p:nvPr>
+            <p:ph idx="1" type="body"/>
+          </p:nvPr>
+        </p:nvSpPr>
+        <p:spPr>
+          <a:xfrm>
+            <a:off x="685800" y="4343400"/>
+            <a:ext cx="5486400" cy="4114800"/>
+          </a:xfrm>
+          <a:prstGeom prst="rect">
+            <a:avLst/>
+          </a:prstGeom>
+        </p:spPr>
+        <p:txBody>
+          <a:bodyPr anchorCtr="0" anchor="t" bIns="91425" lIns="91425" spcFirstLastPara="1" rIns="91425" wrap="square" tIns="91425">
+            <a:noAutofit/>
+          </a:bodyPr>
+          <a:lstStyle/>
+          <a:p>
+            <a:pPr indent="0" lvl="0" marL="0" rtl="0" algn="l">
+              <a:spcBef>
+                <a:spcPts val="0"/>
+              </a:spcBef>
+              <a:spcAft>
+                <a:spcPts val="0"/>
+              </a:spcAft>
+              <a:buNone/>
+            </a:pPr>
+            <a:r>
+              <a:t/>
+            </a:r>
+            <a:endParaRPr/>
+          </a:p>
+        </p:txBody>
+      </p:sp>
+    </p:spTree>
+  </p:cSld>
+  <p:clrMapOvr>
+    <a:masterClrMapping/>
+  </p:clrMapOvr>
+</p:notes>
+</file>
+
+<file path=ppt/notesSlides/notesSlide61.xml><?xml version="1.0" encoding="utf-8"?>
+<p:notes xmlns:a="http://schemas.openxmlformats.org/drawingml/2006/main" xmlns:r="http://schemas.openxmlformats.org/officeDocument/2006/relationships" xmlns:mc="http://schemas.openxmlformats.org/markup-compatibility/2006" xmlns:mv="urn:schemas-microsoft-com:mac:vml" xmlns:p="http://schemas.openxmlformats.org/presentationml/2006/main" xmlns:c="http://schemas.openxmlformats.org/drawingml/2006/chart" xmlns:dgm="http://schemas.openxmlformats.org/drawingml/2006/diagram" xmlns:o="urn:schemas-microsoft-com:office:office" xmlns:v="urn:schemas-microsoft-com:vml" xmlns:pvml="urn:schemas-microsoft-com:office:powerpoint" xmlns:com="http://schemas.openxmlformats.org/drawingml/2006/compatibility" xmlns:p14="http://schemas.microsoft.com/office/powerpoint/2010/main" xmlns:p15="http://schemas.microsoft.com/office/powerpoint/2012/main" showMasterPhAnim="0" showMasterSp="0">
+  <p:cSld>
+    <p:spTree>
+      <p:nvGrpSpPr>
+        <p:cNvPr id="543" name="Shape 543"/>
+        <p:cNvGrpSpPr/>
+        <p:nvPr/>
+      </p:nvGrpSpPr>
+      <p:grpSpPr>
+        <a:xfrm>
+          <a:off x="0" y="0"/>
+          <a:ext cx="0" cy="0"/>
+          <a:chOff x="0" y="0"/>
+          <a:chExt cx="0" cy="0"/>
+        </a:xfrm>
+      </p:grpSpPr>
+      <p:sp>
+        <p:nvSpPr>
+          <p:cNvPr id="544" name="Google Shape;544;g560fcce37b_0_50:notes"/>
+          <p:cNvSpPr/>
+          <p:nvPr>
+            <p:ph idx="2" type="sldImg"/>
+          </p:nvPr>
+        </p:nvSpPr>
+        <p:spPr>
+          <a:xfrm>
+            <a:off x="381300" y="685800"/>
+            <a:ext cx="6096000" cy="3429000"/>
+          </a:xfrm>
+          <a:custGeom>
+            <a:rect b="b" l="l" r="r" t="t"/>
+            <a:pathLst>
+              <a:path extrusionOk="0" h="120000" w="120000">
+                <a:moveTo>
+                  <a:pt x="0" y="0"/>
+                </a:moveTo>
+                <a:lnTo>
+                  <a:pt x="120000" y="0"/>
+                </a:lnTo>
+                <a:lnTo>
+                  <a:pt x="120000" y="120000"/>
+                </a:lnTo>
+                <a:lnTo>
+                  <a:pt x="0" y="120000"/>
+                </a:lnTo>
+                <a:close/>
+              </a:path>
+            </a:pathLst>
+          </a:custGeom>
+        </p:spPr>
+      </p:sp>
+      <p:sp>
+        <p:nvSpPr>
+          <p:cNvPr id="545" name="Google Shape;545;g560fcce37b_0_50:notes"/>
+          <p:cNvSpPr txBox="1"/>
+          <p:nvPr>
+            <p:ph idx="1" type="body"/>
+          </p:nvPr>
+        </p:nvSpPr>
+        <p:spPr>
+          <a:xfrm>
+            <a:off x="685800" y="4343400"/>
+            <a:ext cx="5486400" cy="4114800"/>
+          </a:xfrm>
+          <a:prstGeom prst="rect">
+            <a:avLst/>
+          </a:prstGeom>
+        </p:spPr>
+        <p:txBody>
+          <a:bodyPr anchorCtr="0" anchor="t" bIns="91425" lIns="91425" spcFirstLastPara="1" rIns="91425" wrap="square" tIns="91425">
+            <a:noAutofit/>
+          </a:bodyPr>
+          <a:lstStyle/>
+          <a:p>
+            <a:pPr indent="0" lvl="0" marL="0" rtl="0" algn="l">
+              <a:spcBef>
+                <a:spcPts val="0"/>
+              </a:spcBef>
+              <a:spcAft>
+                <a:spcPts val="0"/>
+              </a:spcAft>
+              <a:buNone/>
+            </a:pPr>
+            <a:r>
+              <a:t/>
+            </a:r>
+            <a:endParaRPr/>
+          </a:p>
+        </p:txBody>
+      </p:sp>
+    </p:spTree>
+  </p:cSld>
+  <p:clrMapOvr>
+    <a:masterClrMapping/>
+  </p:clrMapOvr>
+</p:notes>
+</file>
+
+<file path=ppt/notesSlides/notesSlide62.xml><?xml version="1.0" encoding="utf-8"?>
+<p:notes xmlns:a="http://schemas.openxmlformats.org/drawingml/2006/main" xmlns:r="http://schemas.openxmlformats.org/officeDocument/2006/relationships" xmlns:mc="http://schemas.openxmlformats.org/markup-compatibility/2006" xmlns:mv="urn:schemas-microsoft-com:mac:vml" xmlns:p="http://schemas.openxmlformats.org/presentationml/2006/main" xmlns:c="http://schemas.openxmlformats.org/drawingml/2006/chart" xmlns:dgm="http://schemas.openxmlformats.org/drawingml/2006/diagram" xmlns:o="urn:schemas-microsoft-com:office:office" xmlns:v="urn:schemas-microsoft-com:vml" xmlns:pvml="urn:schemas-microsoft-com:office:powerpoint" xmlns:com="http://schemas.openxmlformats.org/drawingml/2006/compatibility" xmlns:p14="http://schemas.microsoft.com/office/powerpoint/2010/main" xmlns:p15="http://schemas.microsoft.com/office/powerpoint/2012/main" showMasterPhAnim="0" showMasterSp="0">
+  <p:cSld>
+    <p:spTree>
+      <p:nvGrpSpPr>
+        <p:cNvPr id="550" name="Shape 550"/>
+        <p:cNvGrpSpPr/>
+        <p:nvPr/>
+      </p:nvGrpSpPr>
+      <p:grpSpPr>
+        <a:xfrm>
+          <a:off x="0" y="0"/>
+          <a:ext cx="0" cy="0"/>
+          <a:chOff x="0" y="0"/>
+          <a:chExt cx="0" cy="0"/>
+        </a:xfrm>
+      </p:grpSpPr>
+      <p:sp>
+        <p:nvSpPr>
+          <p:cNvPr id="551" name="Google Shape;551;g56504defc1_0_36:notes"/>
+          <p:cNvSpPr/>
+          <p:nvPr>
+            <p:ph idx="2" type="sldImg"/>
+          </p:nvPr>
+        </p:nvSpPr>
+        <p:spPr>
+          <a:xfrm>
+            <a:off x="381300" y="685800"/>
+            <a:ext cx="6096000" cy="3429000"/>
+          </a:xfrm>
+          <a:custGeom>
+            <a:rect b="b" l="l" r="r" t="t"/>
+            <a:pathLst>
+              <a:path extrusionOk="0" h="120000" w="120000">
+                <a:moveTo>
+                  <a:pt x="0" y="0"/>
+                </a:moveTo>
+                <a:lnTo>
+                  <a:pt x="120000" y="0"/>
+                </a:lnTo>
+                <a:lnTo>
+                  <a:pt x="120000" y="120000"/>
+                </a:lnTo>
+                <a:lnTo>
+                  <a:pt x="0" y="120000"/>
+                </a:lnTo>
+                <a:close/>
+              </a:path>
+            </a:pathLst>
+          </a:custGeom>
+        </p:spPr>
+      </p:sp>
+      <p:sp>
+        <p:nvSpPr>
+          <p:cNvPr id="552" name="Google Shape;552;g56504defc1_0_36:notes"/>
           <p:cNvSpPr txBox="1"/>
           <p:nvPr>
             <p:ph idx="1" type="body"/>
@@ -22160,34 +23060,6 @@
           </a:p>
         </p:txBody>
       </p:sp>
-      <p:pic>
-        <p:nvPicPr>
-          <p:cNvPr id="342" name="Google Shape;342;p44"/>
-          <p:cNvPicPr preferRelativeResize="0"/>
-          <p:nvPr/>
-        </p:nvPicPr>
-        <p:blipFill>
-          <a:blip r:embed="rId5">
-            <a:alphaModFix/>
-          </a:blip>
-          <a:stretch>
-            <a:fillRect/>
-          </a:stretch>
-        </p:blipFill>
-        <p:spPr>
-          <a:xfrm>
-            <a:off x="1643125" y="1192063"/>
-            <a:ext cx="4294766" cy="3544225"/>
-          </a:xfrm>
-          <a:prstGeom prst="rect">
-            <a:avLst/>
-          </a:prstGeom>
-          <a:noFill/>
-          <a:ln>
-            <a:noFill/>
-          </a:ln>
-        </p:spPr>
-      </p:pic>
     </p:spTree>
   </p:cSld>
   <p:clrMapOvr>
@@ -22201,7 +23073,7 @@
   <p:cSld>
     <p:spTree>
       <p:nvGrpSpPr>
-        <p:cNvPr id="346" name="Shape 346"/>
+        <p:cNvPr id="345" name="Shape 345"/>
         <p:cNvGrpSpPr/>
         <p:nvPr/>
       </p:nvGrpSpPr>
@@ -22215,7 +23087,7 @@
       </p:grpSpPr>
       <p:sp>
         <p:nvSpPr>
-          <p:cNvPr id="347" name="Google Shape;347;p45"/>
+          <p:cNvPr id="346" name="Google Shape;346;p45"/>
           <p:cNvSpPr txBox="1"/>
           <p:nvPr>
             <p:ph type="title"/>
@@ -22255,7 +23127,7 @@
       </p:sp>
       <p:pic>
         <p:nvPicPr>
-          <p:cNvPr id="348" name="Google Shape;348;p45"/>
+          <p:cNvPr id="347" name="Google Shape;347;p45"/>
           <p:cNvPicPr preferRelativeResize="0"/>
           <p:nvPr/>
         </p:nvPicPr>
@@ -22283,7 +23155,7 @@
       </p:pic>
       <p:pic>
         <p:nvPicPr>
-          <p:cNvPr id="349" name="Google Shape;349;p45"/>
+          <p:cNvPr id="348" name="Google Shape;348;p45"/>
           <p:cNvPicPr preferRelativeResize="0"/>
           <p:nvPr/>
         </p:nvPicPr>
@@ -22322,7 +23194,7 @@
   <p:cSld>
     <p:spTree>
       <p:nvGrpSpPr>
-        <p:cNvPr id="353" name="Shape 353"/>
+        <p:cNvPr id="352" name="Shape 352"/>
         <p:cNvGrpSpPr/>
         <p:nvPr/>
       </p:nvGrpSpPr>
@@ -22336,7 +23208,7 @@
       </p:grpSpPr>
       <p:sp>
         <p:nvSpPr>
-          <p:cNvPr id="354" name="Google Shape;354;p46"/>
+          <p:cNvPr id="353" name="Google Shape;353;p46"/>
           <p:cNvSpPr txBox="1"/>
           <p:nvPr>
             <p:ph type="title"/>
@@ -22368,7 +23240,7 @@
             </a:pPr>
             <a:r>
               <a:rPr lang="es"/>
-              <a:t>5.5 Facade</a:t>
+              <a:t>5.2.1 Adapter</a:t>
             </a:r>
             <a:endParaRPr/>
           </a:p>
@@ -22376,7 +23248,7 @@
       </p:sp>
       <p:pic>
         <p:nvPicPr>
-          <p:cNvPr id="355" name="Google Shape;355;p46"/>
+          <p:cNvPr id="354" name="Google Shape;354;p46"/>
           <p:cNvPicPr preferRelativeResize="0"/>
           <p:nvPr/>
         </p:nvPicPr>
@@ -22402,318 +23274,9 @@
           </a:ln>
         </p:spPr>
       </p:pic>
-      <p:sp>
-        <p:nvSpPr>
-          <p:cNvPr id="356" name="Google Shape;356;p46"/>
-          <p:cNvSpPr txBox="1"/>
-          <p:nvPr/>
-        </p:nvSpPr>
-        <p:spPr>
-          <a:xfrm>
-            <a:off x="2218350" y="1431625"/>
-            <a:ext cx="6298200" cy="3065100"/>
-          </a:xfrm>
-          <a:prstGeom prst="rect">
-            <a:avLst/>
-          </a:prstGeom>
-          <a:noFill/>
-          <a:ln>
-            <a:noFill/>
-          </a:ln>
-        </p:spPr>
-        <p:txBody>
-          <a:bodyPr anchorCtr="0" anchor="t" bIns="91425" lIns="91425" spcFirstLastPara="1" rIns="91425" wrap="square" tIns="91425">
-            <a:noAutofit/>
-          </a:bodyPr>
-          <a:lstStyle/>
-          <a:p>
-            <a:pPr indent="-317500" lvl="0" marL="457200" rtl="0" algn="l">
-              <a:spcBef>
-                <a:spcPts val="0"/>
-              </a:spcBef>
-              <a:spcAft>
-                <a:spcPts val="0"/>
-              </a:spcAft>
-              <a:buClr>
-                <a:schemeClr val="dk2"/>
-              </a:buClr>
-              <a:buSzPts val="1400"/>
-              <a:buFont typeface="Lato"/>
-              <a:buChar char="●"/>
-            </a:pPr>
-            <a:r>
-              <a:rPr lang="es">
-                <a:solidFill>
-                  <a:schemeClr val="dk2"/>
-                </a:solidFill>
-                <a:latin typeface="Lato"/>
-                <a:ea typeface="Lato"/>
-                <a:cs typeface="Lato"/>
-                <a:sym typeface="Lato"/>
-              </a:rPr>
-              <a:t>Provide a unified interface to a set of interfaces in a subsystem. Facade Pattern defines a higher-level interface that makes the subsystem easier to use.</a:t>
-            </a:r>
-            <a:endParaRPr>
-              <a:solidFill>
-                <a:schemeClr val="dk2"/>
-              </a:solidFill>
-              <a:latin typeface="Lato"/>
-              <a:ea typeface="Lato"/>
-              <a:cs typeface="Lato"/>
-              <a:sym typeface="Lato"/>
-            </a:endParaRPr>
-          </a:p>
-          <a:p>
-            <a:pPr indent="0" lvl="0" marL="457200" rtl="0" algn="l">
-              <a:spcBef>
-                <a:spcPts val="0"/>
-              </a:spcBef>
-              <a:spcAft>
-                <a:spcPts val="0"/>
-              </a:spcAft>
-              <a:buNone/>
-            </a:pPr>
-            <a:r>
-              <a:t/>
-            </a:r>
-            <a:endParaRPr>
-              <a:solidFill>
-                <a:schemeClr val="dk2"/>
-              </a:solidFill>
-              <a:latin typeface="Lato"/>
-              <a:ea typeface="Lato"/>
-              <a:cs typeface="Lato"/>
-              <a:sym typeface="Lato"/>
-            </a:endParaRPr>
-          </a:p>
-          <a:p>
-            <a:pPr indent="-317500" lvl="0" marL="457200" rtl="0" algn="l">
-              <a:spcBef>
-                <a:spcPts val="0"/>
-              </a:spcBef>
-              <a:spcAft>
-                <a:spcPts val="0"/>
-              </a:spcAft>
-              <a:buClr>
-                <a:schemeClr val="dk2"/>
-              </a:buClr>
-              <a:buSzPts val="1400"/>
-              <a:buFont typeface="Lato"/>
-              <a:buChar char="●"/>
-            </a:pPr>
-            <a:r>
-              <a:rPr lang="es">
-                <a:solidFill>
-                  <a:schemeClr val="dk2"/>
-                </a:solidFill>
-                <a:latin typeface="Lato"/>
-                <a:ea typeface="Lato"/>
-                <a:cs typeface="Lato"/>
-                <a:sym typeface="Lato"/>
-              </a:rPr>
-              <a:t>So we will have different set of interfaces to work with different types of database. Now a client application can use these interfaces to get the required database connection and generate reports.</a:t>
-            </a:r>
-            <a:endParaRPr>
-              <a:solidFill>
-                <a:schemeClr val="dk2"/>
-              </a:solidFill>
-              <a:latin typeface="Lato"/>
-              <a:ea typeface="Lato"/>
-              <a:cs typeface="Lato"/>
-              <a:sym typeface="Lato"/>
-            </a:endParaRPr>
-          </a:p>
-          <a:p>
-            <a:pPr indent="0" lvl="0" marL="457200" rtl="0" algn="l">
-              <a:spcBef>
-                <a:spcPts val="0"/>
-              </a:spcBef>
-              <a:spcAft>
-                <a:spcPts val="0"/>
-              </a:spcAft>
-              <a:buNone/>
-            </a:pPr>
-            <a:r>
-              <a:t/>
-            </a:r>
-            <a:endParaRPr>
-              <a:solidFill>
-                <a:schemeClr val="dk2"/>
-              </a:solidFill>
-              <a:latin typeface="Lato"/>
-              <a:ea typeface="Lato"/>
-              <a:cs typeface="Lato"/>
-              <a:sym typeface="Lato"/>
-            </a:endParaRPr>
-          </a:p>
-          <a:p>
-            <a:pPr indent="-317500" lvl="0" marL="457200" rtl="0" algn="l">
-              <a:spcBef>
-                <a:spcPts val="0"/>
-              </a:spcBef>
-              <a:spcAft>
-                <a:spcPts val="0"/>
-              </a:spcAft>
-              <a:buClr>
-                <a:schemeClr val="dk2"/>
-              </a:buClr>
-              <a:buSzPts val="1400"/>
-              <a:buFont typeface="Lato"/>
-              <a:buChar char="●"/>
-            </a:pPr>
-            <a:r>
-              <a:rPr lang="es">
-                <a:solidFill>
-                  <a:schemeClr val="dk2"/>
-                </a:solidFill>
-                <a:latin typeface="Lato"/>
-                <a:ea typeface="Lato"/>
-                <a:cs typeface="Lato"/>
-                <a:sym typeface="Lato"/>
-              </a:rPr>
-              <a:t>But when the complexity increases or the interface behavior names are confusing, client application will find it difficult to manage it.</a:t>
-            </a:r>
-            <a:endParaRPr>
-              <a:solidFill>
-                <a:schemeClr val="dk2"/>
-              </a:solidFill>
-              <a:latin typeface="Lato"/>
-              <a:ea typeface="Lato"/>
-              <a:cs typeface="Lato"/>
-              <a:sym typeface="Lato"/>
-            </a:endParaRPr>
-          </a:p>
-          <a:p>
-            <a:pPr indent="0" lvl="0" marL="457200" rtl="0" algn="l">
-              <a:spcBef>
-                <a:spcPts val="0"/>
-              </a:spcBef>
-              <a:spcAft>
-                <a:spcPts val="0"/>
-              </a:spcAft>
-              <a:buNone/>
-            </a:pPr>
-            <a:r>
-              <a:t/>
-            </a:r>
-            <a:endParaRPr>
-              <a:solidFill>
-                <a:schemeClr val="dk2"/>
-              </a:solidFill>
-              <a:latin typeface="Lato"/>
-              <a:ea typeface="Lato"/>
-              <a:cs typeface="Lato"/>
-              <a:sym typeface="Lato"/>
-            </a:endParaRPr>
-          </a:p>
-          <a:p>
-            <a:pPr indent="-317500" lvl="0" marL="457200" rtl="0" algn="l">
-              <a:spcBef>
-                <a:spcPts val="0"/>
-              </a:spcBef>
-              <a:spcAft>
-                <a:spcPts val="0"/>
-              </a:spcAft>
-              <a:buClr>
-                <a:schemeClr val="dk2"/>
-              </a:buClr>
-              <a:buSzPts val="1400"/>
-              <a:buFont typeface="Lato"/>
-              <a:buChar char="●"/>
-            </a:pPr>
-            <a:r>
-              <a:rPr lang="es">
-                <a:solidFill>
-                  <a:schemeClr val="dk2"/>
-                </a:solidFill>
-                <a:latin typeface="Lato"/>
-                <a:ea typeface="Lato"/>
-                <a:cs typeface="Lato"/>
-                <a:sym typeface="Lato"/>
-              </a:rPr>
-              <a:t>Provides a wrapper interface on top of the existing interface to help client application.</a:t>
-            </a:r>
-            <a:endParaRPr>
-              <a:solidFill>
-                <a:schemeClr val="dk2"/>
-              </a:solidFill>
-              <a:latin typeface="Lato"/>
-              <a:ea typeface="Lato"/>
-              <a:cs typeface="Lato"/>
-              <a:sym typeface="Lato"/>
-            </a:endParaRPr>
-          </a:p>
-          <a:p>
-            <a:pPr indent="0" lvl="0" marL="0" rtl="0" algn="l">
-              <a:spcBef>
-                <a:spcPts val="0"/>
-              </a:spcBef>
-              <a:spcAft>
-                <a:spcPts val="0"/>
-              </a:spcAft>
-              <a:buNone/>
-            </a:pPr>
-            <a:r>
-              <a:t/>
-            </a:r>
-            <a:endParaRPr>
-              <a:solidFill>
-                <a:schemeClr val="dk2"/>
-              </a:solidFill>
-              <a:latin typeface="Lato"/>
-              <a:ea typeface="Lato"/>
-              <a:cs typeface="Lato"/>
-              <a:sym typeface="Lato"/>
-            </a:endParaRPr>
-          </a:p>
-          <a:p>
-            <a:pPr indent="0" lvl="0" marL="457200" rtl="0" algn="l">
-              <a:spcBef>
-                <a:spcPts val="0"/>
-              </a:spcBef>
-              <a:spcAft>
-                <a:spcPts val="0"/>
-              </a:spcAft>
-              <a:buNone/>
-            </a:pPr>
-            <a:r>
-              <a:t/>
-            </a:r>
-            <a:endParaRPr>
-              <a:solidFill>
-                <a:schemeClr val="dk2"/>
-              </a:solidFill>
-              <a:latin typeface="Lato"/>
-              <a:ea typeface="Lato"/>
-              <a:cs typeface="Lato"/>
-              <a:sym typeface="Lato"/>
-            </a:endParaRPr>
-          </a:p>
-          <a:p>
-            <a:pPr indent="0" lvl="0" marL="0" rtl="0" algn="l">
-              <a:spcBef>
-                <a:spcPts val="0"/>
-              </a:spcBef>
-              <a:spcAft>
-                <a:spcPts val="0"/>
-              </a:spcAft>
-              <a:buNone/>
-            </a:pPr>
-            <a:r>
-              <a:t/>
-            </a:r>
-            <a:endParaRPr>
-              <a:latin typeface="Lato"/>
-              <a:ea typeface="Lato"/>
-              <a:cs typeface="Lato"/>
-              <a:sym typeface="Lato"/>
-            </a:endParaRPr>
-          </a:p>
-        </p:txBody>
-      </p:sp>
       <p:pic>
         <p:nvPicPr>
-          <p:cNvPr id="357" name="Google Shape;357;p46"/>
+          <p:cNvPr id="355" name="Google Shape;355;p46"/>
           <p:cNvPicPr preferRelativeResize="0"/>
           <p:nvPr/>
         </p:nvPicPr>
@@ -22727,8 +23290,8 @@
         </p:blipFill>
         <p:spPr>
           <a:xfrm>
-            <a:off x="2514600" y="1262063"/>
-            <a:ext cx="4114800" cy="2619375"/>
+            <a:off x="1888725" y="452000"/>
+            <a:ext cx="5366575" cy="4428700"/>
           </a:xfrm>
           <a:prstGeom prst="rect">
             <a:avLst/>
@@ -22752,7 +23315,7 @@
   <p:cSld>
     <p:spTree>
       <p:nvGrpSpPr>
-        <p:cNvPr id="361" name="Shape 361"/>
+        <p:cNvPr id="359" name="Shape 359"/>
         <p:cNvGrpSpPr/>
         <p:nvPr/>
       </p:nvGrpSpPr>
@@ -22766,7 +23329,7 @@
       </p:grpSpPr>
       <p:sp>
         <p:nvSpPr>
-          <p:cNvPr id="362" name="Google Shape;362;p47"/>
+          <p:cNvPr id="360" name="Google Shape;360;p47"/>
           <p:cNvSpPr txBox="1"/>
           <p:nvPr>
             <p:ph type="title"/>
@@ -22798,7 +23361,7 @@
             </a:pPr>
             <a:r>
               <a:rPr lang="es"/>
-              <a:t>5.5 Facade</a:t>
+              <a:t>5.2.2 Facade</a:t>
             </a:r>
             <a:endParaRPr/>
           </a:p>
@@ -22806,7 +23369,7 @@
       </p:sp>
       <p:pic>
         <p:nvPicPr>
-          <p:cNvPr id="363" name="Google Shape;363;p47"/>
+          <p:cNvPr id="361" name="Google Shape;361;p47"/>
           <p:cNvPicPr preferRelativeResize="0"/>
           <p:nvPr/>
         </p:nvPicPr>
@@ -22832,24 +23395,16 @@
           </a:ln>
         </p:spPr>
       </p:pic>
-      <p:pic>
-        <p:nvPicPr>
-          <p:cNvPr id="364" name="Google Shape;364;p47"/>
-          <p:cNvPicPr preferRelativeResize="0"/>
+      <p:sp>
+        <p:nvSpPr>
+          <p:cNvPr id="362" name="Google Shape;362;p47"/>
+          <p:cNvSpPr txBox="1"/>
           <p:nvPr/>
-        </p:nvPicPr>
-        <p:blipFill>
-          <a:blip r:embed="rId4">
-            <a:alphaModFix/>
-          </a:blip>
-          <a:stretch>
-            <a:fillRect/>
-          </a:stretch>
-        </p:blipFill>
-        <p:spPr>
-          <a:xfrm>
-            <a:off x="2453475" y="1074600"/>
-            <a:ext cx="4860648" cy="3627349"/>
+        </p:nvSpPr>
+        <p:spPr>
+          <a:xfrm>
+            <a:off x="2218350" y="1431625"/>
+            <a:ext cx="6298200" cy="3065100"/>
           </a:xfrm>
           <a:prstGeom prst="rect">
             <a:avLst/>
@@ -22859,7 +23414,296 @@
             <a:noFill/>
           </a:ln>
         </p:spPr>
-      </p:pic>
+        <p:txBody>
+          <a:bodyPr anchorCtr="0" anchor="t" bIns="91425" lIns="91425" spcFirstLastPara="1" rIns="91425" wrap="square" tIns="91425">
+            <a:noAutofit/>
+          </a:bodyPr>
+          <a:lstStyle/>
+          <a:p>
+            <a:pPr indent="-317500" lvl="0" marL="457200" rtl="0" algn="l">
+              <a:spcBef>
+                <a:spcPts val="0"/>
+              </a:spcBef>
+              <a:spcAft>
+                <a:spcPts val="0"/>
+              </a:spcAft>
+              <a:buClr>
+                <a:schemeClr val="dk2"/>
+              </a:buClr>
+              <a:buSzPts val="1400"/>
+              <a:buFont typeface="Lato"/>
+              <a:buChar char="●"/>
+            </a:pPr>
+            <a:r>
+              <a:rPr lang="es">
+                <a:solidFill>
+                  <a:schemeClr val="dk2"/>
+                </a:solidFill>
+                <a:latin typeface="Lato"/>
+                <a:ea typeface="Lato"/>
+                <a:cs typeface="Lato"/>
+                <a:sym typeface="Lato"/>
+              </a:rPr>
+              <a:t>Provide a unified interface to a set of interfaces in a subsystem. Facade Pattern defines a higher-level interface that makes the subsystem easier to use.</a:t>
+            </a:r>
+            <a:endParaRPr>
+              <a:solidFill>
+                <a:schemeClr val="dk2"/>
+              </a:solidFill>
+              <a:latin typeface="Lato"/>
+              <a:ea typeface="Lato"/>
+              <a:cs typeface="Lato"/>
+              <a:sym typeface="Lato"/>
+            </a:endParaRPr>
+          </a:p>
+          <a:p>
+            <a:pPr indent="0" lvl="0" marL="457200" rtl="0" algn="l">
+              <a:spcBef>
+                <a:spcPts val="0"/>
+              </a:spcBef>
+              <a:spcAft>
+                <a:spcPts val="0"/>
+              </a:spcAft>
+              <a:buNone/>
+            </a:pPr>
+            <a:r>
+              <a:t/>
+            </a:r>
+            <a:endParaRPr>
+              <a:solidFill>
+                <a:schemeClr val="dk2"/>
+              </a:solidFill>
+              <a:latin typeface="Lato"/>
+              <a:ea typeface="Lato"/>
+              <a:cs typeface="Lato"/>
+              <a:sym typeface="Lato"/>
+            </a:endParaRPr>
+          </a:p>
+          <a:p>
+            <a:pPr indent="-317500" lvl="0" marL="457200" rtl="0" algn="l">
+              <a:spcBef>
+                <a:spcPts val="0"/>
+              </a:spcBef>
+              <a:spcAft>
+                <a:spcPts val="0"/>
+              </a:spcAft>
+              <a:buClr>
+                <a:schemeClr val="dk2"/>
+              </a:buClr>
+              <a:buSzPts val="1400"/>
+              <a:buFont typeface="Lato"/>
+              <a:buChar char="●"/>
+            </a:pPr>
+            <a:r>
+              <a:rPr lang="es">
+                <a:solidFill>
+                  <a:schemeClr val="dk2"/>
+                </a:solidFill>
+                <a:latin typeface="Lato"/>
+                <a:ea typeface="Lato"/>
+                <a:cs typeface="Lato"/>
+                <a:sym typeface="Lato"/>
+              </a:rPr>
+              <a:t>So we will have different set of interfaces to work with different types of database. Now a client application can use these interfaces to get the required database connection and generate reports.</a:t>
+            </a:r>
+            <a:endParaRPr>
+              <a:solidFill>
+                <a:schemeClr val="dk2"/>
+              </a:solidFill>
+              <a:latin typeface="Lato"/>
+              <a:ea typeface="Lato"/>
+              <a:cs typeface="Lato"/>
+              <a:sym typeface="Lato"/>
+            </a:endParaRPr>
+          </a:p>
+          <a:p>
+            <a:pPr indent="0" lvl="0" marL="457200" rtl="0" algn="l">
+              <a:spcBef>
+                <a:spcPts val="0"/>
+              </a:spcBef>
+              <a:spcAft>
+                <a:spcPts val="0"/>
+              </a:spcAft>
+              <a:buNone/>
+            </a:pPr>
+            <a:r>
+              <a:t/>
+            </a:r>
+            <a:endParaRPr>
+              <a:solidFill>
+                <a:schemeClr val="dk2"/>
+              </a:solidFill>
+              <a:latin typeface="Lato"/>
+              <a:ea typeface="Lato"/>
+              <a:cs typeface="Lato"/>
+              <a:sym typeface="Lato"/>
+            </a:endParaRPr>
+          </a:p>
+          <a:p>
+            <a:pPr indent="-317500" lvl="0" marL="457200" rtl="0" algn="l">
+              <a:spcBef>
+                <a:spcPts val="0"/>
+              </a:spcBef>
+              <a:spcAft>
+                <a:spcPts val="0"/>
+              </a:spcAft>
+              <a:buClr>
+                <a:schemeClr val="dk2"/>
+              </a:buClr>
+              <a:buSzPts val="1400"/>
+              <a:buFont typeface="Lato"/>
+              <a:buChar char="●"/>
+            </a:pPr>
+            <a:r>
+              <a:rPr lang="es">
+                <a:solidFill>
+                  <a:schemeClr val="dk2"/>
+                </a:solidFill>
+                <a:latin typeface="Lato"/>
+                <a:ea typeface="Lato"/>
+                <a:cs typeface="Lato"/>
+                <a:sym typeface="Lato"/>
+              </a:rPr>
+              <a:t>But when the complexity increases or the interface behavior names are confusing, client application will find it difficult to manage it.</a:t>
+            </a:r>
+            <a:endParaRPr>
+              <a:solidFill>
+                <a:schemeClr val="dk2"/>
+              </a:solidFill>
+              <a:latin typeface="Lato"/>
+              <a:ea typeface="Lato"/>
+              <a:cs typeface="Lato"/>
+              <a:sym typeface="Lato"/>
+            </a:endParaRPr>
+          </a:p>
+          <a:p>
+            <a:pPr indent="0" lvl="0" marL="457200" rtl="0" algn="l">
+              <a:spcBef>
+                <a:spcPts val="0"/>
+              </a:spcBef>
+              <a:spcAft>
+                <a:spcPts val="0"/>
+              </a:spcAft>
+              <a:buNone/>
+            </a:pPr>
+            <a:r>
+              <a:t/>
+            </a:r>
+            <a:endParaRPr>
+              <a:solidFill>
+                <a:schemeClr val="dk2"/>
+              </a:solidFill>
+              <a:latin typeface="Lato"/>
+              <a:ea typeface="Lato"/>
+              <a:cs typeface="Lato"/>
+              <a:sym typeface="Lato"/>
+            </a:endParaRPr>
+          </a:p>
+          <a:p>
+            <a:pPr indent="-317500" lvl="0" marL="457200" rtl="0" algn="l">
+              <a:spcBef>
+                <a:spcPts val="0"/>
+              </a:spcBef>
+              <a:spcAft>
+                <a:spcPts val="0"/>
+              </a:spcAft>
+              <a:buClr>
+                <a:schemeClr val="dk2"/>
+              </a:buClr>
+              <a:buSzPts val="1400"/>
+              <a:buFont typeface="Lato"/>
+              <a:buChar char="●"/>
+            </a:pPr>
+            <a:r>
+              <a:rPr lang="es">
+                <a:solidFill>
+                  <a:schemeClr val="dk2"/>
+                </a:solidFill>
+                <a:latin typeface="Lato"/>
+                <a:ea typeface="Lato"/>
+                <a:cs typeface="Lato"/>
+                <a:sym typeface="Lato"/>
+              </a:rPr>
+              <a:t>Provides a wrapper interface on top of the existing interface to help client application.</a:t>
+            </a:r>
+            <a:endParaRPr>
+              <a:solidFill>
+                <a:schemeClr val="dk2"/>
+              </a:solidFill>
+              <a:latin typeface="Lato"/>
+              <a:ea typeface="Lato"/>
+              <a:cs typeface="Lato"/>
+              <a:sym typeface="Lato"/>
+            </a:endParaRPr>
+          </a:p>
+          <a:p>
+            <a:pPr indent="0" lvl="0" marL="0" rtl="0" algn="l">
+              <a:spcBef>
+                <a:spcPts val="0"/>
+              </a:spcBef>
+              <a:spcAft>
+                <a:spcPts val="0"/>
+              </a:spcAft>
+              <a:buNone/>
+            </a:pPr>
+            <a:r>
+              <a:t/>
+            </a:r>
+            <a:endParaRPr>
+              <a:solidFill>
+                <a:schemeClr val="dk2"/>
+              </a:solidFill>
+              <a:latin typeface="Lato"/>
+              <a:ea typeface="Lato"/>
+              <a:cs typeface="Lato"/>
+              <a:sym typeface="Lato"/>
+            </a:endParaRPr>
+          </a:p>
+          <a:p>
+            <a:pPr indent="0" lvl="0" marL="457200" rtl="0" algn="l">
+              <a:spcBef>
+                <a:spcPts val="0"/>
+              </a:spcBef>
+              <a:spcAft>
+                <a:spcPts val="0"/>
+              </a:spcAft>
+              <a:buNone/>
+            </a:pPr>
+            <a:r>
+              <a:t/>
+            </a:r>
+            <a:endParaRPr>
+              <a:solidFill>
+                <a:schemeClr val="dk2"/>
+              </a:solidFill>
+              <a:latin typeface="Lato"/>
+              <a:ea typeface="Lato"/>
+              <a:cs typeface="Lato"/>
+              <a:sym typeface="Lato"/>
+            </a:endParaRPr>
+          </a:p>
+          <a:p>
+            <a:pPr indent="0" lvl="0" marL="0" rtl="0" algn="l">
+              <a:spcBef>
+                <a:spcPts val="0"/>
+              </a:spcBef>
+              <a:spcAft>
+                <a:spcPts val="0"/>
+              </a:spcAft>
+              <a:buNone/>
+            </a:pPr>
+            <a:r>
+              <a:t/>
+            </a:r>
+            <a:endParaRPr>
+              <a:latin typeface="Lato"/>
+              <a:ea typeface="Lato"/>
+              <a:cs typeface="Lato"/>
+              <a:sym typeface="Lato"/>
+            </a:endParaRPr>
+          </a:p>
+        </p:txBody>
+      </p:sp>
     </p:spTree>
   </p:cSld>
   <p:clrMapOvr>
@@ -22873,7 +23717,7 @@
   <p:cSld>
     <p:spTree>
       <p:nvGrpSpPr>
-        <p:cNvPr id="368" name="Shape 368"/>
+        <p:cNvPr id="366" name="Shape 366"/>
         <p:cNvGrpSpPr/>
         <p:nvPr/>
       </p:nvGrpSpPr>
@@ -22887,7 +23731,7 @@
       </p:grpSpPr>
       <p:sp>
         <p:nvSpPr>
-          <p:cNvPr id="369" name="Google Shape;369;p48"/>
+          <p:cNvPr id="367" name="Google Shape;367;p48"/>
           <p:cNvSpPr txBox="1"/>
           <p:nvPr>
             <p:ph type="title"/>
@@ -22919,7 +23763,7 @@
             </a:pPr>
             <a:r>
               <a:rPr lang="es"/>
-              <a:t>5.4 Bridge</a:t>
+              <a:t>5.2.2 Facade</a:t>
             </a:r>
             <a:endParaRPr/>
           </a:p>
@@ -22927,7 +23771,7 @@
       </p:sp>
       <p:pic>
         <p:nvPicPr>
-          <p:cNvPr id="370" name="Google Shape;370;p48"/>
+          <p:cNvPr id="368" name="Google Shape;368;p48"/>
           <p:cNvPicPr preferRelativeResize="0"/>
           <p:nvPr/>
         </p:nvPicPr>
@@ -22953,235 +23797,9 @@
           </a:ln>
         </p:spPr>
       </p:pic>
-      <p:sp>
-        <p:nvSpPr>
-          <p:cNvPr id="371" name="Google Shape;371;p48"/>
-          <p:cNvSpPr txBox="1"/>
-          <p:nvPr/>
-        </p:nvSpPr>
-        <p:spPr>
-          <a:xfrm>
-            <a:off x="2218350" y="1431625"/>
-            <a:ext cx="6298200" cy="3065100"/>
-          </a:xfrm>
-          <a:prstGeom prst="rect">
-            <a:avLst/>
-          </a:prstGeom>
-          <a:noFill/>
-          <a:ln>
-            <a:noFill/>
-          </a:ln>
-        </p:spPr>
-        <p:txBody>
-          <a:bodyPr anchorCtr="0" anchor="t" bIns="91425" lIns="91425" spcFirstLastPara="1" rIns="91425" wrap="square" tIns="91425">
-            <a:noAutofit/>
-          </a:bodyPr>
-          <a:lstStyle/>
-          <a:p>
-            <a:pPr indent="-317500" lvl="0" marL="457200" rtl="0" algn="l">
-              <a:spcBef>
-                <a:spcPts val="0"/>
-              </a:spcBef>
-              <a:spcAft>
-                <a:spcPts val="0"/>
-              </a:spcAft>
-              <a:buClr>
-                <a:schemeClr val="dk2"/>
-              </a:buClr>
-              <a:buSzPts val="1400"/>
-              <a:buFont typeface="Lato"/>
-              <a:buChar char="●"/>
-            </a:pPr>
-            <a:r>
-              <a:rPr lang="es">
-                <a:solidFill>
-                  <a:schemeClr val="dk2"/>
-                </a:solidFill>
-                <a:latin typeface="Lato"/>
-                <a:ea typeface="Lato"/>
-                <a:cs typeface="Lato"/>
-                <a:sym typeface="Lato"/>
-              </a:rPr>
-              <a:t>Adapter makes things work after they're designed; Bridge makes them work before they are.</a:t>
-            </a:r>
-            <a:endParaRPr>
-              <a:solidFill>
-                <a:schemeClr val="dk2"/>
-              </a:solidFill>
-              <a:latin typeface="Lato"/>
-              <a:ea typeface="Lato"/>
-              <a:cs typeface="Lato"/>
-              <a:sym typeface="Lato"/>
-            </a:endParaRPr>
-          </a:p>
-          <a:p>
-            <a:pPr indent="0" lvl="0" marL="457200" rtl="0" algn="l">
-              <a:spcBef>
-                <a:spcPts val="0"/>
-              </a:spcBef>
-              <a:spcAft>
-                <a:spcPts val="0"/>
-              </a:spcAft>
-              <a:buNone/>
-            </a:pPr>
-            <a:r>
-              <a:t/>
-            </a:r>
-            <a:endParaRPr>
-              <a:solidFill>
-                <a:schemeClr val="dk2"/>
-              </a:solidFill>
-              <a:latin typeface="Lato"/>
-              <a:ea typeface="Lato"/>
-              <a:cs typeface="Lato"/>
-              <a:sym typeface="Lato"/>
-            </a:endParaRPr>
-          </a:p>
-          <a:p>
-            <a:pPr indent="-317500" lvl="0" marL="457200" rtl="0" algn="l">
-              <a:spcBef>
-                <a:spcPts val="0"/>
-              </a:spcBef>
-              <a:spcAft>
-                <a:spcPts val="0"/>
-              </a:spcAft>
-              <a:buClr>
-                <a:schemeClr val="dk2"/>
-              </a:buClr>
-              <a:buSzPts val="1400"/>
-              <a:buFont typeface="Lato"/>
-              <a:buChar char="●"/>
-            </a:pPr>
-            <a:r>
-              <a:rPr lang="es">
-                <a:solidFill>
-                  <a:schemeClr val="dk2"/>
-                </a:solidFill>
-                <a:latin typeface="Lato"/>
-                <a:ea typeface="Lato"/>
-                <a:cs typeface="Lato"/>
-                <a:sym typeface="Lato"/>
-              </a:rPr>
-              <a:t>Bridge is designed up-front to let the abstraction and the implementation vary independently. Adapter is retrofitted to make unrelated classes work together.</a:t>
-            </a:r>
-            <a:endParaRPr>
-              <a:solidFill>
-                <a:schemeClr val="dk2"/>
-              </a:solidFill>
-              <a:latin typeface="Lato"/>
-              <a:ea typeface="Lato"/>
-              <a:cs typeface="Lato"/>
-              <a:sym typeface="Lato"/>
-            </a:endParaRPr>
-          </a:p>
-          <a:p>
-            <a:pPr indent="0" lvl="0" marL="457200" rtl="0" algn="l">
-              <a:spcBef>
-                <a:spcPts val="0"/>
-              </a:spcBef>
-              <a:spcAft>
-                <a:spcPts val="0"/>
-              </a:spcAft>
-              <a:buNone/>
-            </a:pPr>
-            <a:r>
-              <a:t/>
-            </a:r>
-            <a:endParaRPr>
-              <a:solidFill>
-                <a:schemeClr val="dk2"/>
-              </a:solidFill>
-              <a:latin typeface="Lato"/>
-              <a:ea typeface="Lato"/>
-              <a:cs typeface="Lato"/>
-              <a:sym typeface="Lato"/>
-            </a:endParaRPr>
-          </a:p>
-          <a:p>
-            <a:pPr indent="-317500" lvl="0" marL="457200" rtl="0" algn="l">
-              <a:spcBef>
-                <a:spcPts val="0"/>
-              </a:spcBef>
-              <a:spcAft>
-                <a:spcPts val="0"/>
-              </a:spcAft>
-              <a:buClr>
-                <a:schemeClr val="dk2"/>
-              </a:buClr>
-              <a:buSzPts val="1400"/>
-              <a:buFont typeface="Lato"/>
-              <a:buChar char="●"/>
-            </a:pPr>
-            <a:r>
-              <a:rPr lang="es">
-                <a:solidFill>
-                  <a:schemeClr val="dk2"/>
-                </a:solidFill>
-                <a:latin typeface="Lato"/>
-                <a:ea typeface="Lato"/>
-                <a:cs typeface="Lato"/>
-                <a:sym typeface="Lato"/>
-              </a:rPr>
-              <a:t>State, Strategy, Bridge (and to some degree Adapter) have similar solution structures. They all share elements of the "handle/body" idiom. They differ in intent - that is, they solve different problems.</a:t>
-            </a:r>
-            <a:endParaRPr>
-              <a:solidFill>
-                <a:schemeClr val="dk2"/>
-              </a:solidFill>
-              <a:latin typeface="Lato"/>
-              <a:ea typeface="Lato"/>
-              <a:cs typeface="Lato"/>
-              <a:sym typeface="Lato"/>
-            </a:endParaRPr>
-          </a:p>
-          <a:p>
-            <a:pPr indent="0" lvl="0" marL="457200" rtl="0" algn="l">
-              <a:spcBef>
-                <a:spcPts val="0"/>
-              </a:spcBef>
-              <a:spcAft>
-                <a:spcPts val="0"/>
-              </a:spcAft>
-              <a:buNone/>
-            </a:pPr>
-            <a:r>
-              <a:t/>
-            </a:r>
-            <a:endParaRPr>
-              <a:solidFill>
-                <a:schemeClr val="dk2"/>
-              </a:solidFill>
-              <a:latin typeface="Lato"/>
-              <a:ea typeface="Lato"/>
-              <a:cs typeface="Lato"/>
-              <a:sym typeface="Lato"/>
-            </a:endParaRPr>
-          </a:p>
-          <a:p>
-            <a:pPr indent="0" lvl="0" marL="0" rtl="0" algn="l">
-              <a:spcBef>
-                <a:spcPts val="0"/>
-              </a:spcBef>
-              <a:spcAft>
-                <a:spcPts val="0"/>
-              </a:spcAft>
-              <a:buNone/>
-            </a:pPr>
-            <a:r>
-              <a:t/>
-            </a:r>
-            <a:endParaRPr>
-              <a:latin typeface="Lato"/>
-              <a:ea typeface="Lato"/>
-              <a:cs typeface="Lato"/>
-              <a:sym typeface="Lato"/>
-            </a:endParaRPr>
-          </a:p>
-        </p:txBody>
-      </p:sp>
       <p:pic>
         <p:nvPicPr>
-          <p:cNvPr id="372" name="Google Shape;372;p48"/>
+          <p:cNvPr id="369" name="Google Shape;369;p48"/>
           <p:cNvPicPr preferRelativeResize="0"/>
           <p:nvPr/>
         </p:nvPicPr>
@@ -23195,8 +23813,8 @@
         </p:blipFill>
         <p:spPr>
           <a:xfrm>
-            <a:off x="2347913" y="1023938"/>
-            <a:ext cx="4448175" cy="3095625"/>
+            <a:off x="2453475" y="1074600"/>
+            <a:ext cx="4860648" cy="3627349"/>
           </a:xfrm>
           <a:prstGeom prst="rect">
             <a:avLst/>
@@ -23220,7 +23838,7 @@
   <p:cSld>
     <p:spTree>
       <p:nvGrpSpPr>
-        <p:cNvPr id="376" name="Shape 376"/>
+        <p:cNvPr id="373" name="Shape 373"/>
         <p:cNvGrpSpPr/>
         <p:nvPr/>
       </p:nvGrpSpPr>
@@ -23234,7 +23852,7 @@
       </p:grpSpPr>
       <p:sp>
         <p:nvSpPr>
-          <p:cNvPr id="377" name="Google Shape;377;p49"/>
+          <p:cNvPr id="374" name="Google Shape;374;p49"/>
           <p:cNvSpPr txBox="1"/>
           <p:nvPr>
             <p:ph type="title"/>
@@ -23266,7 +23884,7 @@
             </a:pPr>
             <a:r>
               <a:rPr lang="es"/>
-              <a:t>5.4 Decorator</a:t>
+              <a:t>5.2.2 Facade</a:t>
             </a:r>
             <a:endParaRPr/>
           </a:p>
@@ -23274,7 +23892,7 @@
       </p:sp>
       <p:pic>
         <p:nvPicPr>
-          <p:cNvPr id="378" name="Google Shape;378;p49"/>
+          <p:cNvPr id="375" name="Google Shape;375;p49"/>
           <p:cNvPicPr preferRelativeResize="0"/>
           <p:nvPr/>
         </p:nvPicPr>
@@ -23300,231 +23918,9 @@
           </a:ln>
         </p:spPr>
       </p:pic>
-      <p:sp>
-        <p:nvSpPr>
-          <p:cNvPr id="379" name="Google Shape;379;p49"/>
-          <p:cNvSpPr txBox="1"/>
-          <p:nvPr/>
-        </p:nvSpPr>
-        <p:spPr>
-          <a:xfrm>
-            <a:off x="2400250" y="1340650"/>
-            <a:ext cx="6298200" cy="3065100"/>
-          </a:xfrm>
-          <a:prstGeom prst="rect">
-            <a:avLst/>
-          </a:prstGeom>
-          <a:noFill/>
-          <a:ln>
-            <a:noFill/>
-          </a:ln>
-        </p:spPr>
-        <p:txBody>
-          <a:bodyPr anchorCtr="0" anchor="t" bIns="91425" lIns="91425" spcFirstLastPara="1" rIns="91425" wrap="square" tIns="91425">
-            <a:noAutofit/>
-          </a:bodyPr>
-          <a:lstStyle/>
-          <a:p>
-            <a:pPr indent="0" lvl="0" marL="0" rtl="0" algn="l">
-              <a:spcBef>
-                <a:spcPts val="0"/>
-              </a:spcBef>
-              <a:spcAft>
-                <a:spcPts val="0"/>
-              </a:spcAft>
-              <a:buNone/>
-            </a:pPr>
-            <a:r>
-              <a:rPr lang="es">
-                <a:solidFill>
-                  <a:schemeClr val="dk2"/>
-                </a:solidFill>
-                <a:latin typeface="Lato"/>
-                <a:ea typeface="Lato"/>
-                <a:cs typeface="Lato"/>
-                <a:sym typeface="Lato"/>
-              </a:rPr>
-              <a:t>We use inheritance or composition to extend the behavior of an object but this is done at compile time and its applicable to all the instances of the class, in order to implement this we will need:</a:t>
-            </a:r>
-            <a:endParaRPr>
-              <a:solidFill>
-                <a:schemeClr val="dk2"/>
-              </a:solidFill>
-              <a:latin typeface="Lato"/>
-              <a:ea typeface="Lato"/>
-              <a:cs typeface="Lato"/>
-              <a:sym typeface="Lato"/>
-            </a:endParaRPr>
-          </a:p>
-          <a:p>
-            <a:pPr indent="0" lvl="0" marL="0" rtl="0" algn="l">
-              <a:spcBef>
-                <a:spcPts val="0"/>
-              </a:spcBef>
-              <a:spcAft>
-                <a:spcPts val="0"/>
-              </a:spcAft>
-              <a:buNone/>
-            </a:pPr>
-            <a:r>
-              <a:t/>
-            </a:r>
-            <a:endParaRPr>
-              <a:solidFill>
-                <a:schemeClr val="dk2"/>
-              </a:solidFill>
-              <a:latin typeface="Lato"/>
-              <a:ea typeface="Lato"/>
-              <a:cs typeface="Lato"/>
-              <a:sym typeface="Lato"/>
-            </a:endParaRPr>
-          </a:p>
-          <a:p>
-            <a:pPr indent="-317500" lvl="0" marL="457200" rtl="0" algn="l">
-              <a:spcBef>
-                <a:spcPts val="0"/>
-              </a:spcBef>
-              <a:spcAft>
-                <a:spcPts val="0"/>
-              </a:spcAft>
-              <a:buClr>
-                <a:schemeClr val="dk2"/>
-              </a:buClr>
-              <a:buSzPts val="1400"/>
-              <a:buFont typeface="Lato"/>
-              <a:buAutoNum type="arabicPeriod"/>
-            </a:pPr>
-            <a:r>
-              <a:rPr lang="es">
-                <a:solidFill>
-                  <a:schemeClr val="dk2"/>
-                </a:solidFill>
-                <a:latin typeface="Lato"/>
-                <a:ea typeface="Lato"/>
-                <a:cs typeface="Lato"/>
-                <a:sym typeface="Lato"/>
-              </a:rPr>
-              <a:t>Component Interface – The interface or abstract class defining the methods that will be implemented.</a:t>
-            </a:r>
-            <a:endParaRPr>
-              <a:solidFill>
-                <a:schemeClr val="dk2"/>
-              </a:solidFill>
-              <a:latin typeface="Lato"/>
-              <a:ea typeface="Lato"/>
-              <a:cs typeface="Lato"/>
-              <a:sym typeface="Lato"/>
-            </a:endParaRPr>
-          </a:p>
-          <a:p>
-            <a:pPr indent="-317500" lvl="0" marL="457200" rtl="0" algn="l">
-              <a:spcBef>
-                <a:spcPts val="0"/>
-              </a:spcBef>
-              <a:spcAft>
-                <a:spcPts val="0"/>
-              </a:spcAft>
-              <a:buSzPts val="1400"/>
-              <a:buFont typeface="Lato"/>
-              <a:buAutoNum type="arabicPeriod"/>
-            </a:pPr>
-            <a:r>
-              <a:rPr lang="es">
-                <a:latin typeface="Lato"/>
-                <a:ea typeface="Lato"/>
-                <a:cs typeface="Lato"/>
-                <a:sym typeface="Lato"/>
-              </a:rPr>
-              <a:t>Component Implementation – The basic implementation of the component interface.</a:t>
-            </a:r>
-            <a:endParaRPr>
-              <a:latin typeface="Lato"/>
-              <a:ea typeface="Lato"/>
-              <a:cs typeface="Lato"/>
-              <a:sym typeface="Lato"/>
-            </a:endParaRPr>
-          </a:p>
-          <a:p>
-            <a:pPr indent="-317500" lvl="0" marL="457200" rtl="0" algn="l">
-              <a:spcBef>
-                <a:spcPts val="0"/>
-              </a:spcBef>
-              <a:spcAft>
-                <a:spcPts val="0"/>
-              </a:spcAft>
-              <a:buSzPts val="1400"/>
-              <a:buFont typeface="Lato"/>
-              <a:buAutoNum type="arabicPeriod"/>
-            </a:pPr>
-            <a:r>
-              <a:rPr lang="es">
-                <a:latin typeface="Lato"/>
-                <a:ea typeface="Lato"/>
-                <a:cs typeface="Lato"/>
-                <a:sym typeface="Lato"/>
-              </a:rPr>
-              <a:t>Decorator – Decorator class implements the component interface and it has a HAS-A relationship with the component interface.</a:t>
-            </a:r>
-            <a:endParaRPr>
-              <a:latin typeface="Lato"/>
-              <a:ea typeface="Lato"/>
-              <a:cs typeface="Lato"/>
-              <a:sym typeface="Lato"/>
-            </a:endParaRPr>
-          </a:p>
-          <a:p>
-            <a:pPr indent="-317500" lvl="0" marL="457200" rtl="0" algn="l">
-              <a:spcBef>
-                <a:spcPts val="0"/>
-              </a:spcBef>
-              <a:spcAft>
-                <a:spcPts val="0"/>
-              </a:spcAft>
-              <a:buSzPts val="1400"/>
-              <a:buFont typeface="Lato"/>
-              <a:buAutoNum type="arabicPeriod"/>
-            </a:pPr>
-            <a:r>
-              <a:rPr lang="es">
-                <a:latin typeface="Lato"/>
-                <a:ea typeface="Lato"/>
-                <a:cs typeface="Lato"/>
-                <a:sym typeface="Lato"/>
-              </a:rPr>
-              <a:t>Concrete Decorators – Extending the base decorator functionality and modifying the component behavior accordingly.</a:t>
-            </a:r>
-            <a:endParaRPr>
-              <a:latin typeface="Lato"/>
-              <a:ea typeface="Lato"/>
-              <a:cs typeface="Lato"/>
-              <a:sym typeface="Lato"/>
-            </a:endParaRPr>
-          </a:p>
-          <a:p>
-            <a:pPr indent="0" lvl="0" marL="0" rtl="0" algn="l">
-              <a:spcBef>
-                <a:spcPts val="0"/>
-              </a:spcBef>
-              <a:spcAft>
-                <a:spcPts val="0"/>
-              </a:spcAft>
-              <a:buNone/>
-            </a:pPr>
-            <a:r>
-              <a:t/>
-            </a:r>
-            <a:endParaRPr>
-              <a:latin typeface="Lato"/>
-              <a:ea typeface="Lato"/>
-              <a:cs typeface="Lato"/>
-              <a:sym typeface="Lato"/>
-            </a:endParaRPr>
-          </a:p>
-        </p:txBody>
-      </p:sp>
       <p:pic>
         <p:nvPicPr>
-          <p:cNvPr id="380" name="Google Shape;380;p49"/>
+          <p:cNvPr id="376" name="Google Shape;376;p49"/>
           <p:cNvPicPr preferRelativeResize="0"/>
           <p:nvPr/>
         </p:nvPicPr>
@@ -23538,8 +23934,8 @@
         </p:blipFill>
         <p:spPr>
           <a:xfrm>
-            <a:off x="982800" y="1515575"/>
-            <a:ext cx="2095450" cy="2112349"/>
+            <a:off x="2218500" y="1211350"/>
+            <a:ext cx="5526350" cy="3517925"/>
           </a:xfrm>
           <a:prstGeom prst="rect">
             <a:avLst/>
@@ -23563,7 +23959,7 @@
   <p:cSld>
     <p:spTree>
       <p:nvGrpSpPr>
-        <p:cNvPr id="384" name="Shape 384"/>
+        <p:cNvPr id="380" name="Shape 380"/>
         <p:cNvGrpSpPr/>
         <p:nvPr/>
       </p:nvGrpSpPr>
@@ -23577,7 +23973,7 @@
       </p:grpSpPr>
       <p:sp>
         <p:nvSpPr>
-          <p:cNvPr id="385" name="Google Shape;385;p50"/>
+          <p:cNvPr id="381" name="Google Shape;381;p50"/>
           <p:cNvSpPr txBox="1"/>
           <p:nvPr>
             <p:ph type="title"/>
@@ -23609,7 +24005,7 @@
             </a:pPr>
             <a:r>
               <a:rPr lang="es"/>
-              <a:t>5.4 Decorator</a:t>
+              <a:t>5.2.3 Bridge</a:t>
             </a:r>
             <a:endParaRPr/>
           </a:p>
@@ -23617,7 +24013,7 @@
       </p:sp>
       <p:pic>
         <p:nvPicPr>
-          <p:cNvPr id="386" name="Google Shape;386;p50"/>
+          <p:cNvPr id="382" name="Google Shape;382;p50"/>
           <p:cNvPicPr preferRelativeResize="0"/>
           <p:nvPr/>
         </p:nvPicPr>
@@ -23643,24 +24039,16 @@
           </a:ln>
         </p:spPr>
       </p:pic>
-      <p:pic>
-        <p:nvPicPr>
-          <p:cNvPr id="387" name="Google Shape;387;p50"/>
-          <p:cNvPicPr preferRelativeResize="0"/>
+      <p:sp>
+        <p:nvSpPr>
+          <p:cNvPr id="383" name="Google Shape;383;p50"/>
+          <p:cNvSpPr txBox="1"/>
           <p:nvPr/>
-        </p:nvPicPr>
-        <p:blipFill>
-          <a:blip r:embed="rId4">
-            <a:alphaModFix/>
-          </a:blip>
-          <a:stretch>
-            <a:fillRect/>
-          </a:stretch>
-        </p:blipFill>
-        <p:spPr>
-          <a:xfrm>
-            <a:off x="1076275" y="1363750"/>
-            <a:ext cx="7915324" cy="3041537"/>
+        </p:nvSpPr>
+        <p:spPr>
+          <a:xfrm>
+            <a:off x="2218350" y="1431625"/>
+            <a:ext cx="6298200" cy="3065100"/>
           </a:xfrm>
           <a:prstGeom prst="rect">
             <a:avLst/>
@@ -23670,7 +24058,213 @@
             <a:noFill/>
           </a:ln>
         </p:spPr>
-      </p:pic>
+        <p:txBody>
+          <a:bodyPr anchorCtr="0" anchor="t" bIns="91425" lIns="91425" spcFirstLastPara="1" rIns="91425" wrap="square" tIns="91425">
+            <a:noAutofit/>
+          </a:bodyPr>
+          <a:lstStyle/>
+          <a:p>
+            <a:pPr indent="-317500" lvl="0" marL="457200" rtl="0" algn="l">
+              <a:spcBef>
+                <a:spcPts val="0"/>
+              </a:spcBef>
+              <a:spcAft>
+                <a:spcPts val="0"/>
+              </a:spcAft>
+              <a:buClr>
+                <a:schemeClr val="dk2"/>
+              </a:buClr>
+              <a:buSzPts val="1400"/>
+              <a:buFont typeface="Lato"/>
+              <a:buChar char="●"/>
+            </a:pPr>
+            <a:r>
+              <a:rPr lang="es">
+                <a:solidFill>
+                  <a:schemeClr val="dk2"/>
+                </a:solidFill>
+                <a:latin typeface="Lato"/>
+                <a:ea typeface="Lato"/>
+                <a:cs typeface="Lato"/>
+                <a:sym typeface="Lato"/>
+              </a:rPr>
+              <a:t>Adapter makes things work after they're designed; Bridge makes them work before they are.</a:t>
+            </a:r>
+            <a:endParaRPr>
+              <a:solidFill>
+                <a:schemeClr val="dk2"/>
+              </a:solidFill>
+              <a:latin typeface="Lato"/>
+              <a:ea typeface="Lato"/>
+              <a:cs typeface="Lato"/>
+              <a:sym typeface="Lato"/>
+            </a:endParaRPr>
+          </a:p>
+          <a:p>
+            <a:pPr indent="0" lvl="0" marL="457200" rtl="0" algn="l">
+              <a:spcBef>
+                <a:spcPts val="0"/>
+              </a:spcBef>
+              <a:spcAft>
+                <a:spcPts val="0"/>
+              </a:spcAft>
+              <a:buNone/>
+            </a:pPr>
+            <a:r>
+              <a:t/>
+            </a:r>
+            <a:endParaRPr>
+              <a:solidFill>
+                <a:schemeClr val="dk2"/>
+              </a:solidFill>
+              <a:latin typeface="Lato"/>
+              <a:ea typeface="Lato"/>
+              <a:cs typeface="Lato"/>
+              <a:sym typeface="Lato"/>
+            </a:endParaRPr>
+          </a:p>
+          <a:p>
+            <a:pPr indent="-317500" lvl="0" marL="457200" rtl="0" algn="l">
+              <a:spcBef>
+                <a:spcPts val="0"/>
+              </a:spcBef>
+              <a:spcAft>
+                <a:spcPts val="0"/>
+              </a:spcAft>
+              <a:buClr>
+                <a:schemeClr val="dk2"/>
+              </a:buClr>
+              <a:buSzPts val="1400"/>
+              <a:buFont typeface="Lato"/>
+              <a:buChar char="●"/>
+            </a:pPr>
+            <a:r>
+              <a:rPr lang="es">
+                <a:solidFill>
+                  <a:schemeClr val="dk2"/>
+                </a:solidFill>
+                <a:latin typeface="Lato"/>
+                <a:ea typeface="Lato"/>
+                <a:cs typeface="Lato"/>
+                <a:sym typeface="Lato"/>
+              </a:rPr>
+              <a:t>Bridge is designed up-front to let the abstraction and the implementation vary independently. Adapter is retrofitted to make unrelated classes work together.</a:t>
+            </a:r>
+            <a:endParaRPr>
+              <a:solidFill>
+                <a:schemeClr val="dk2"/>
+              </a:solidFill>
+              <a:latin typeface="Lato"/>
+              <a:ea typeface="Lato"/>
+              <a:cs typeface="Lato"/>
+              <a:sym typeface="Lato"/>
+            </a:endParaRPr>
+          </a:p>
+          <a:p>
+            <a:pPr indent="0" lvl="0" marL="457200" rtl="0" algn="l">
+              <a:spcBef>
+                <a:spcPts val="0"/>
+              </a:spcBef>
+              <a:spcAft>
+                <a:spcPts val="0"/>
+              </a:spcAft>
+              <a:buNone/>
+            </a:pPr>
+            <a:r>
+              <a:t/>
+            </a:r>
+            <a:endParaRPr>
+              <a:solidFill>
+                <a:schemeClr val="dk2"/>
+              </a:solidFill>
+              <a:latin typeface="Lato"/>
+              <a:ea typeface="Lato"/>
+              <a:cs typeface="Lato"/>
+              <a:sym typeface="Lato"/>
+            </a:endParaRPr>
+          </a:p>
+          <a:p>
+            <a:pPr indent="-317500" lvl="0" marL="457200" rtl="0" algn="l">
+              <a:spcBef>
+                <a:spcPts val="0"/>
+              </a:spcBef>
+              <a:spcAft>
+                <a:spcPts val="0"/>
+              </a:spcAft>
+              <a:buClr>
+                <a:schemeClr val="dk2"/>
+              </a:buClr>
+              <a:buSzPts val="1400"/>
+              <a:buFont typeface="Lato"/>
+              <a:buChar char="●"/>
+            </a:pPr>
+            <a:r>
+              <a:rPr lang="es">
+                <a:solidFill>
+                  <a:schemeClr val="dk2"/>
+                </a:solidFill>
+                <a:latin typeface="Lato"/>
+                <a:ea typeface="Lato"/>
+                <a:cs typeface="Lato"/>
+                <a:sym typeface="Lato"/>
+              </a:rPr>
+              <a:t>State, Strategy, Bridge (and to some degree Adapter) have similar solution structures. They all share elements of the "handle/body" idiom. They differ in intent - that is, they solve different problems.</a:t>
+            </a:r>
+            <a:endParaRPr>
+              <a:solidFill>
+                <a:schemeClr val="dk2"/>
+              </a:solidFill>
+              <a:latin typeface="Lato"/>
+              <a:ea typeface="Lato"/>
+              <a:cs typeface="Lato"/>
+              <a:sym typeface="Lato"/>
+            </a:endParaRPr>
+          </a:p>
+          <a:p>
+            <a:pPr indent="0" lvl="0" marL="457200" rtl="0" algn="l">
+              <a:spcBef>
+                <a:spcPts val="0"/>
+              </a:spcBef>
+              <a:spcAft>
+                <a:spcPts val="0"/>
+              </a:spcAft>
+              <a:buNone/>
+            </a:pPr>
+            <a:r>
+              <a:t/>
+            </a:r>
+            <a:endParaRPr>
+              <a:solidFill>
+                <a:schemeClr val="dk2"/>
+              </a:solidFill>
+              <a:latin typeface="Lato"/>
+              <a:ea typeface="Lato"/>
+              <a:cs typeface="Lato"/>
+              <a:sym typeface="Lato"/>
+            </a:endParaRPr>
+          </a:p>
+          <a:p>
+            <a:pPr indent="0" lvl="0" marL="0" rtl="0" algn="l">
+              <a:spcBef>
+                <a:spcPts val="0"/>
+              </a:spcBef>
+              <a:spcAft>
+                <a:spcPts val="0"/>
+              </a:spcAft>
+              <a:buNone/>
+            </a:pPr>
+            <a:r>
+              <a:t/>
+            </a:r>
+            <a:endParaRPr>
+              <a:latin typeface="Lato"/>
+              <a:ea typeface="Lato"/>
+              <a:cs typeface="Lato"/>
+              <a:sym typeface="Lato"/>
+            </a:endParaRPr>
+          </a:p>
+        </p:txBody>
+      </p:sp>
     </p:spTree>
   </p:cSld>
   <p:clrMapOvr>
@@ -23684,7 +24278,7 @@
   <p:cSld>
     <p:spTree>
       <p:nvGrpSpPr>
-        <p:cNvPr id="391" name="Shape 391"/>
+        <p:cNvPr id="387" name="Shape 387"/>
         <p:cNvGrpSpPr/>
         <p:nvPr/>
       </p:nvGrpSpPr>
@@ -23698,7 +24292,7 @@
       </p:grpSpPr>
       <p:sp>
         <p:nvSpPr>
-          <p:cNvPr id="392" name="Google Shape;392;p51"/>
+          <p:cNvPr id="388" name="Google Shape;388;p51"/>
           <p:cNvSpPr txBox="1"/>
           <p:nvPr>
             <p:ph type="title"/>
@@ -23730,7 +24324,7 @@
             </a:pPr>
             <a:r>
               <a:rPr lang="es"/>
-              <a:t>5.4 FlyWeight</a:t>
+              <a:t>5.2.3 Bridge</a:t>
             </a:r>
             <a:endParaRPr/>
           </a:p>
@@ -23738,7 +24332,7 @@
       </p:sp>
       <p:pic>
         <p:nvPicPr>
-          <p:cNvPr id="393" name="Google Shape;393;p51"/>
+          <p:cNvPr id="389" name="Google Shape;389;p51"/>
           <p:cNvPicPr preferRelativeResize="0"/>
           <p:nvPr/>
         </p:nvPicPr>
@@ -23764,235 +24358,9 @@
           </a:ln>
         </p:spPr>
       </p:pic>
-      <p:sp>
-        <p:nvSpPr>
-          <p:cNvPr id="394" name="Google Shape;394;p51"/>
-          <p:cNvSpPr txBox="1"/>
-          <p:nvPr/>
-        </p:nvSpPr>
-        <p:spPr>
-          <a:xfrm>
-            <a:off x="2218350" y="1431625"/>
-            <a:ext cx="6298200" cy="3065100"/>
-          </a:xfrm>
-          <a:prstGeom prst="rect">
-            <a:avLst/>
-          </a:prstGeom>
-          <a:noFill/>
-          <a:ln>
-            <a:noFill/>
-          </a:ln>
-        </p:spPr>
-        <p:txBody>
-          <a:bodyPr anchorCtr="0" anchor="t" bIns="91425" lIns="91425" spcFirstLastPara="1" rIns="91425" wrap="square" tIns="91425">
-            <a:noAutofit/>
-          </a:bodyPr>
-          <a:lstStyle/>
-          <a:p>
-            <a:pPr indent="-317500" lvl="0" marL="457200" rtl="0" algn="l">
-              <a:spcBef>
-                <a:spcPts val="0"/>
-              </a:spcBef>
-              <a:spcAft>
-                <a:spcPts val="0"/>
-              </a:spcAft>
-              <a:buClr>
-                <a:schemeClr val="dk2"/>
-              </a:buClr>
-              <a:buSzPts val="1400"/>
-              <a:buFont typeface="Lato"/>
-              <a:buChar char="●"/>
-            </a:pPr>
-            <a:r>
-              <a:rPr lang="es">
-                <a:solidFill>
-                  <a:schemeClr val="dk2"/>
-                </a:solidFill>
-                <a:latin typeface="Lato"/>
-                <a:ea typeface="Lato"/>
-                <a:cs typeface="Lato"/>
-                <a:sym typeface="Lato"/>
-              </a:rPr>
-              <a:t>The number of Objects to be created by application should be huge.</a:t>
-            </a:r>
-            <a:endParaRPr>
-              <a:solidFill>
-                <a:schemeClr val="dk2"/>
-              </a:solidFill>
-              <a:latin typeface="Lato"/>
-              <a:ea typeface="Lato"/>
-              <a:cs typeface="Lato"/>
-              <a:sym typeface="Lato"/>
-            </a:endParaRPr>
-          </a:p>
-          <a:p>
-            <a:pPr indent="0" lvl="0" marL="457200" rtl="0" algn="l">
-              <a:spcBef>
-                <a:spcPts val="0"/>
-              </a:spcBef>
-              <a:spcAft>
-                <a:spcPts val="0"/>
-              </a:spcAft>
-              <a:buNone/>
-            </a:pPr>
-            <a:r>
-              <a:t/>
-            </a:r>
-            <a:endParaRPr>
-              <a:solidFill>
-                <a:schemeClr val="dk2"/>
-              </a:solidFill>
-              <a:latin typeface="Lato"/>
-              <a:ea typeface="Lato"/>
-              <a:cs typeface="Lato"/>
-              <a:sym typeface="Lato"/>
-            </a:endParaRPr>
-          </a:p>
-          <a:p>
-            <a:pPr indent="-317500" lvl="0" marL="457200" rtl="0" algn="l">
-              <a:spcBef>
-                <a:spcPts val="0"/>
-              </a:spcBef>
-              <a:spcAft>
-                <a:spcPts val="0"/>
-              </a:spcAft>
-              <a:buClr>
-                <a:schemeClr val="dk2"/>
-              </a:buClr>
-              <a:buSzPts val="1400"/>
-              <a:buFont typeface="Lato"/>
-              <a:buChar char="●"/>
-            </a:pPr>
-            <a:r>
-              <a:rPr lang="es">
-                <a:solidFill>
-                  <a:schemeClr val="dk2"/>
-                </a:solidFill>
-                <a:latin typeface="Lato"/>
-                <a:ea typeface="Lato"/>
-                <a:cs typeface="Lato"/>
-                <a:sym typeface="Lato"/>
-              </a:rPr>
-              <a:t>The object creation is heavy on memory and it can be time consuming too.</a:t>
-            </a:r>
-            <a:endParaRPr>
-              <a:solidFill>
-                <a:schemeClr val="dk2"/>
-              </a:solidFill>
-              <a:latin typeface="Lato"/>
-              <a:ea typeface="Lato"/>
-              <a:cs typeface="Lato"/>
-              <a:sym typeface="Lato"/>
-            </a:endParaRPr>
-          </a:p>
-          <a:p>
-            <a:pPr indent="0" lvl="0" marL="457200" rtl="0" algn="l">
-              <a:spcBef>
-                <a:spcPts val="0"/>
-              </a:spcBef>
-              <a:spcAft>
-                <a:spcPts val="0"/>
-              </a:spcAft>
-              <a:buNone/>
-            </a:pPr>
-            <a:r>
-              <a:t/>
-            </a:r>
-            <a:endParaRPr>
-              <a:solidFill>
-                <a:schemeClr val="dk2"/>
-              </a:solidFill>
-              <a:latin typeface="Lato"/>
-              <a:ea typeface="Lato"/>
-              <a:cs typeface="Lato"/>
-              <a:sym typeface="Lato"/>
-            </a:endParaRPr>
-          </a:p>
-          <a:p>
-            <a:pPr indent="-317500" lvl="0" marL="457200" rtl="0" algn="l">
-              <a:spcBef>
-                <a:spcPts val="0"/>
-              </a:spcBef>
-              <a:spcAft>
-                <a:spcPts val="0"/>
-              </a:spcAft>
-              <a:buClr>
-                <a:schemeClr val="dk2"/>
-              </a:buClr>
-              <a:buSzPts val="1400"/>
-              <a:buFont typeface="Lato"/>
-              <a:buChar char="●"/>
-            </a:pPr>
-            <a:r>
-              <a:rPr lang="es">
-                <a:solidFill>
-                  <a:schemeClr val="dk2"/>
-                </a:solidFill>
-                <a:latin typeface="Lato"/>
-                <a:ea typeface="Lato"/>
-                <a:cs typeface="Lato"/>
-                <a:sym typeface="Lato"/>
-              </a:rPr>
-              <a:t>The object properties can be divided into intrinsic and extrinsic properties, extrinsic properties of an Object should be defined by the client program.</a:t>
-            </a:r>
-            <a:endParaRPr>
-              <a:solidFill>
-                <a:schemeClr val="dk2"/>
-              </a:solidFill>
-              <a:latin typeface="Lato"/>
-              <a:ea typeface="Lato"/>
-              <a:cs typeface="Lato"/>
-              <a:sym typeface="Lato"/>
-            </a:endParaRPr>
-          </a:p>
-          <a:p>
-            <a:pPr indent="0" lvl="0" marL="457200" rtl="0" algn="l">
-              <a:spcBef>
-                <a:spcPts val="0"/>
-              </a:spcBef>
-              <a:spcAft>
-                <a:spcPts val="0"/>
-              </a:spcAft>
-              <a:buNone/>
-            </a:pPr>
-            <a:r>
-              <a:t/>
-            </a:r>
-            <a:endParaRPr>
-              <a:solidFill>
-                <a:schemeClr val="dk2"/>
-              </a:solidFill>
-              <a:latin typeface="Lato"/>
-              <a:ea typeface="Lato"/>
-              <a:cs typeface="Lato"/>
-              <a:sym typeface="Lato"/>
-            </a:endParaRPr>
-          </a:p>
-          <a:p>
-            <a:pPr indent="0" lvl="0" marL="0" rtl="0" algn="l">
-              <a:spcBef>
-                <a:spcPts val="0"/>
-              </a:spcBef>
-              <a:spcAft>
-                <a:spcPts val="0"/>
-              </a:spcAft>
-              <a:buNone/>
-            </a:pPr>
-            <a:r>
-              <a:t/>
-            </a:r>
-            <a:endParaRPr>
-              <a:latin typeface="Lato"/>
-              <a:ea typeface="Lato"/>
-              <a:cs typeface="Lato"/>
-              <a:sym typeface="Lato"/>
-            </a:endParaRPr>
-          </a:p>
-        </p:txBody>
-      </p:sp>
       <p:pic>
         <p:nvPicPr>
-          <p:cNvPr id="395" name="Google Shape;395;p51"/>
+          <p:cNvPr id="390" name="Google Shape;390;p51"/>
           <p:cNvPicPr preferRelativeResize="0"/>
           <p:nvPr/>
         </p:nvPicPr>
@@ -24006,8 +24374,8 @@
         </p:blipFill>
         <p:spPr>
           <a:xfrm>
-            <a:off x="372400" y="1135875"/>
-            <a:ext cx="6773871" cy="3065100"/>
+            <a:off x="4387475" y="665988"/>
+            <a:ext cx="4627150" cy="3811525"/>
           </a:xfrm>
           <a:prstGeom prst="rect">
             <a:avLst/>
@@ -24185,7 +24553,7 @@
   <p:cSld>
     <p:spTree>
       <p:nvGrpSpPr>
-        <p:cNvPr id="399" name="Shape 399"/>
+        <p:cNvPr id="394" name="Shape 394"/>
         <p:cNvGrpSpPr/>
         <p:nvPr/>
       </p:nvGrpSpPr>
@@ -24199,7 +24567,7 @@
       </p:grpSpPr>
       <p:sp>
         <p:nvSpPr>
-          <p:cNvPr id="400" name="Google Shape;400;p52"/>
+          <p:cNvPr id="395" name="Google Shape;395;p52"/>
           <p:cNvSpPr txBox="1"/>
           <p:nvPr>
             <p:ph type="title"/>
@@ -24231,7 +24599,7 @@
             </a:pPr>
             <a:r>
               <a:rPr lang="es"/>
-              <a:t>5.4 FlyWeight</a:t>
+              <a:t>5.4 Decorator</a:t>
             </a:r>
             <a:endParaRPr/>
           </a:p>
@@ -24239,7 +24607,7 @@
       </p:sp>
       <p:pic>
         <p:nvPicPr>
-          <p:cNvPr id="401" name="Google Shape;401;p52"/>
+          <p:cNvPr id="396" name="Google Shape;396;p52"/>
           <p:cNvPicPr preferRelativeResize="0"/>
           <p:nvPr/>
         </p:nvPicPr>
@@ -24265,23 +24633,16 @@
           </a:ln>
         </p:spPr>
       </p:pic>
-      <p:pic>
-        <p:nvPicPr>
-          <p:cNvPr id="402" name="Google Shape;402;p52"/>
-          <p:cNvPicPr preferRelativeResize="0"/>
+      <p:sp>
+        <p:nvSpPr>
+          <p:cNvPr id="397" name="Google Shape;397;p52"/>
+          <p:cNvSpPr txBox="1"/>
           <p:nvPr/>
-        </p:nvPicPr>
-        <p:blipFill rotWithShape="1">
-          <a:blip r:embed="rId4">
-            <a:alphaModFix/>
-          </a:blip>
-          <a:srcRect b="26183" l="18661" r="18986" t="26269"/>
-          <a:stretch/>
-        </p:blipFill>
-        <p:spPr>
-          <a:xfrm>
-            <a:off x="1596050" y="1211350"/>
-            <a:ext cx="7406626" cy="3483124"/>
+        </p:nvSpPr>
+        <p:spPr>
+          <a:xfrm>
+            <a:off x="2400250" y="1340650"/>
+            <a:ext cx="6298200" cy="3065100"/>
           </a:xfrm>
           <a:prstGeom prst="rect">
             <a:avLst/>
@@ -24291,7 +24652,209 @@
             <a:noFill/>
           </a:ln>
         </p:spPr>
-      </p:pic>
+        <p:txBody>
+          <a:bodyPr anchorCtr="0" anchor="t" bIns="91425" lIns="91425" spcFirstLastPara="1" rIns="91425" wrap="square" tIns="91425">
+            <a:noAutofit/>
+          </a:bodyPr>
+          <a:lstStyle/>
+          <a:p>
+            <a:pPr indent="0" lvl="0" marL="0" rtl="0" algn="l">
+              <a:spcBef>
+                <a:spcPts val="0"/>
+              </a:spcBef>
+              <a:spcAft>
+                <a:spcPts val="0"/>
+              </a:spcAft>
+              <a:buNone/>
+            </a:pPr>
+            <a:r>
+              <a:rPr lang="es">
+                <a:solidFill>
+                  <a:schemeClr val="dk2"/>
+                </a:solidFill>
+                <a:latin typeface="Lato"/>
+                <a:ea typeface="Lato"/>
+                <a:cs typeface="Lato"/>
+                <a:sym typeface="Lato"/>
+              </a:rPr>
+              <a:t>We use inheritance or composition to extend the behavior of an object but this is done at compile time and its applicable to all the instances of the class, in order to implement this we will need:</a:t>
+            </a:r>
+            <a:endParaRPr>
+              <a:solidFill>
+                <a:schemeClr val="dk2"/>
+              </a:solidFill>
+              <a:latin typeface="Lato"/>
+              <a:ea typeface="Lato"/>
+              <a:cs typeface="Lato"/>
+              <a:sym typeface="Lato"/>
+            </a:endParaRPr>
+          </a:p>
+          <a:p>
+            <a:pPr indent="0" lvl="0" marL="0" rtl="0" algn="l">
+              <a:spcBef>
+                <a:spcPts val="0"/>
+              </a:spcBef>
+              <a:spcAft>
+                <a:spcPts val="0"/>
+              </a:spcAft>
+              <a:buNone/>
+            </a:pPr>
+            <a:r>
+              <a:t/>
+            </a:r>
+            <a:endParaRPr>
+              <a:solidFill>
+                <a:schemeClr val="dk2"/>
+              </a:solidFill>
+              <a:latin typeface="Lato"/>
+              <a:ea typeface="Lato"/>
+              <a:cs typeface="Lato"/>
+              <a:sym typeface="Lato"/>
+            </a:endParaRPr>
+          </a:p>
+          <a:p>
+            <a:pPr indent="-317500" lvl="0" marL="457200" rtl="0" algn="l">
+              <a:spcBef>
+                <a:spcPts val="0"/>
+              </a:spcBef>
+              <a:spcAft>
+                <a:spcPts val="0"/>
+              </a:spcAft>
+              <a:buClr>
+                <a:schemeClr val="dk2"/>
+              </a:buClr>
+              <a:buSzPts val="1400"/>
+              <a:buFont typeface="Lato"/>
+              <a:buAutoNum type="arabicPeriod"/>
+            </a:pPr>
+            <a:r>
+              <a:rPr lang="es">
+                <a:solidFill>
+                  <a:schemeClr val="dk2"/>
+                </a:solidFill>
+                <a:latin typeface="Lato"/>
+                <a:ea typeface="Lato"/>
+                <a:cs typeface="Lato"/>
+                <a:sym typeface="Lato"/>
+              </a:rPr>
+              <a:t>Component Interface – The interface or abstract class defining the methods that will be implemented.</a:t>
+            </a:r>
+            <a:endParaRPr>
+              <a:solidFill>
+                <a:schemeClr val="dk2"/>
+              </a:solidFill>
+              <a:latin typeface="Lato"/>
+              <a:ea typeface="Lato"/>
+              <a:cs typeface="Lato"/>
+              <a:sym typeface="Lato"/>
+            </a:endParaRPr>
+          </a:p>
+          <a:p>
+            <a:pPr indent="-317500" lvl="0" marL="457200" rtl="0" algn="l">
+              <a:spcBef>
+                <a:spcPts val="0"/>
+              </a:spcBef>
+              <a:spcAft>
+                <a:spcPts val="0"/>
+              </a:spcAft>
+              <a:buSzPts val="1400"/>
+              <a:buFont typeface="Lato"/>
+              <a:buAutoNum type="arabicPeriod"/>
+            </a:pPr>
+            <a:r>
+              <a:rPr lang="es">
+                <a:latin typeface="Lato"/>
+                <a:ea typeface="Lato"/>
+                <a:cs typeface="Lato"/>
+                <a:sym typeface="Lato"/>
+              </a:rPr>
+              <a:t>Component Implementation – The basic implementation of the component interface.</a:t>
+            </a:r>
+            <a:endParaRPr>
+              <a:latin typeface="Lato"/>
+              <a:ea typeface="Lato"/>
+              <a:cs typeface="Lato"/>
+              <a:sym typeface="Lato"/>
+            </a:endParaRPr>
+          </a:p>
+          <a:p>
+            <a:pPr indent="-317500" lvl="0" marL="457200" rtl="0" algn="l">
+              <a:spcBef>
+                <a:spcPts val="0"/>
+              </a:spcBef>
+              <a:spcAft>
+                <a:spcPts val="0"/>
+              </a:spcAft>
+              <a:buSzPts val="1400"/>
+              <a:buFont typeface="Lato"/>
+              <a:buAutoNum type="arabicPeriod"/>
+            </a:pPr>
+            <a:r>
+              <a:rPr lang="es">
+                <a:latin typeface="Lato"/>
+                <a:ea typeface="Lato"/>
+                <a:cs typeface="Lato"/>
+                <a:sym typeface="Lato"/>
+              </a:rPr>
+              <a:t>Decorator – Decorator class implements the component interface and it has a HAS-A relationship with the component interface.</a:t>
+            </a:r>
+            <a:endParaRPr>
+              <a:latin typeface="Lato"/>
+              <a:ea typeface="Lato"/>
+              <a:cs typeface="Lato"/>
+              <a:sym typeface="Lato"/>
+            </a:endParaRPr>
+          </a:p>
+          <a:p>
+            <a:pPr indent="-317500" lvl="0" marL="457200" rtl="0" algn="l">
+              <a:spcBef>
+                <a:spcPts val="0"/>
+              </a:spcBef>
+              <a:spcAft>
+                <a:spcPts val="0"/>
+              </a:spcAft>
+              <a:buSzPts val="1400"/>
+              <a:buFont typeface="Lato"/>
+              <a:buAutoNum type="arabicPeriod"/>
+            </a:pPr>
+            <a:r>
+              <a:rPr lang="es">
+                <a:latin typeface="Lato"/>
+                <a:ea typeface="Lato"/>
+                <a:cs typeface="Lato"/>
+                <a:sym typeface="Lato"/>
+              </a:rPr>
+              <a:t>Concrete Decorators – Extending the base decorator functionality and modifying the component behavior accordingly.</a:t>
+            </a:r>
+            <a:endParaRPr>
+              <a:latin typeface="Lato"/>
+              <a:ea typeface="Lato"/>
+              <a:cs typeface="Lato"/>
+              <a:sym typeface="Lato"/>
+            </a:endParaRPr>
+          </a:p>
+          <a:p>
+            <a:pPr indent="0" lvl="0" marL="0" rtl="0" algn="l">
+              <a:spcBef>
+                <a:spcPts val="0"/>
+              </a:spcBef>
+              <a:spcAft>
+                <a:spcPts val="0"/>
+              </a:spcAft>
+              <a:buNone/>
+            </a:pPr>
+            <a:r>
+              <a:t/>
+            </a:r>
+            <a:endParaRPr>
+              <a:latin typeface="Lato"/>
+              <a:ea typeface="Lato"/>
+              <a:cs typeface="Lato"/>
+              <a:sym typeface="Lato"/>
+            </a:endParaRPr>
+          </a:p>
+        </p:txBody>
+      </p:sp>
     </p:spTree>
   </p:cSld>
   <p:clrMapOvr>
@@ -24305,7 +24868,7 @@
   <p:cSld>
     <p:spTree>
       <p:nvGrpSpPr>
-        <p:cNvPr id="406" name="Shape 406"/>
+        <p:cNvPr id="401" name="Shape 401"/>
         <p:cNvGrpSpPr/>
         <p:nvPr/>
       </p:nvGrpSpPr>
@@ -24319,7 +24882,7 @@
       </p:grpSpPr>
       <p:sp>
         <p:nvSpPr>
-          <p:cNvPr id="407" name="Google Shape;407;p53"/>
+          <p:cNvPr id="402" name="Google Shape;402;p53"/>
           <p:cNvSpPr txBox="1"/>
           <p:nvPr>
             <p:ph type="title"/>
@@ -24351,7 +24914,7 @@
             </a:pPr>
             <a:r>
               <a:rPr lang="es"/>
-              <a:t>5.5 Behavioral Design Patterns</a:t>
+              <a:t>5.4 Decorator</a:t>
             </a:r>
             <a:endParaRPr/>
           </a:p>
@@ -24359,7 +24922,7 @@
       </p:sp>
       <p:pic>
         <p:nvPicPr>
-          <p:cNvPr id="408" name="Google Shape;408;p53"/>
+          <p:cNvPr id="403" name="Google Shape;403;p53"/>
           <p:cNvPicPr preferRelativeResize="0"/>
           <p:nvPr/>
         </p:nvPicPr>
@@ -24385,16 +24948,24 @@
           </a:ln>
         </p:spPr>
       </p:pic>
-      <p:sp>
-        <p:nvSpPr>
-          <p:cNvPr id="409" name="Google Shape;409;p53"/>
-          <p:cNvSpPr txBox="1"/>
+      <p:pic>
+        <p:nvPicPr>
+          <p:cNvPr id="404" name="Google Shape;404;p53"/>
+          <p:cNvPicPr preferRelativeResize="0"/>
           <p:nvPr/>
-        </p:nvSpPr>
-        <p:spPr>
-          <a:xfrm>
-            <a:off x="1635100" y="1639225"/>
-            <a:ext cx="7264500" cy="2279700"/>
+        </p:nvPicPr>
+        <p:blipFill>
+          <a:blip r:embed="rId4">
+            <a:alphaModFix/>
+          </a:blip>
+          <a:stretch>
+            <a:fillRect/>
+          </a:stretch>
+        </p:blipFill>
+        <p:spPr>
+          <a:xfrm>
+            <a:off x="1076275" y="1363750"/>
+            <a:ext cx="7915324" cy="3041537"/>
           </a:xfrm>
           <a:prstGeom prst="rect">
             <a:avLst/>
@@ -24404,119 +24975,7 @@
             <a:noFill/>
           </a:ln>
         </p:spPr>
-        <p:txBody>
-          <a:bodyPr anchorCtr="0" anchor="t" bIns="91425" lIns="91425" spcFirstLastPara="1" rIns="91425" wrap="square" tIns="91425">
-            <a:noAutofit/>
-          </a:bodyPr>
-          <a:lstStyle/>
-          <a:p>
-            <a:pPr indent="-342900" lvl="0" marL="457200" marR="0" rtl="0" algn="l">
-              <a:lnSpc>
-                <a:spcPct val="100000"/>
-              </a:lnSpc>
-              <a:spcBef>
-                <a:spcPts val="0"/>
-              </a:spcBef>
-              <a:spcAft>
-                <a:spcPts val="0"/>
-              </a:spcAft>
-              <a:buClr>
-                <a:schemeClr val="dk2"/>
-              </a:buClr>
-              <a:buSzPts val="1800"/>
-              <a:buFont typeface="Lato"/>
-              <a:buChar char="●"/>
-            </a:pPr>
-            <a:r>
-              <a:rPr lang="es" sz="1800">
-                <a:solidFill>
-                  <a:schemeClr val="dk2"/>
-                </a:solidFill>
-                <a:latin typeface="Lato"/>
-                <a:ea typeface="Lato"/>
-                <a:cs typeface="Lato"/>
-                <a:sym typeface="Lato"/>
-              </a:rPr>
-              <a:t>These design patterns are all about Class's objects communication.</a:t>
-            </a:r>
-            <a:endParaRPr sz="1800">
-              <a:solidFill>
-                <a:schemeClr val="dk2"/>
-              </a:solidFill>
-              <a:latin typeface="Lato"/>
-              <a:ea typeface="Lato"/>
-              <a:cs typeface="Lato"/>
-              <a:sym typeface="Lato"/>
-            </a:endParaRPr>
-          </a:p>
-          <a:p>
-            <a:pPr indent="0" lvl="0" marL="457200" marR="0" rtl="0" algn="l">
-              <a:lnSpc>
-                <a:spcPct val="100000"/>
-              </a:lnSpc>
-              <a:spcBef>
-                <a:spcPts val="0"/>
-              </a:spcBef>
-              <a:spcAft>
-                <a:spcPts val="0"/>
-              </a:spcAft>
-              <a:buNone/>
-            </a:pPr>
-            <a:r>
-              <a:t/>
-            </a:r>
-            <a:endParaRPr sz="1800">
-              <a:solidFill>
-                <a:schemeClr val="dk2"/>
-              </a:solidFill>
-              <a:latin typeface="Lato"/>
-              <a:ea typeface="Lato"/>
-              <a:cs typeface="Lato"/>
-              <a:sym typeface="Lato"/>
-            </a:endParaRPr>
-          </a:p>
-          <a:p>
-            <a:pPr indent="-342900" lvl="0" marL="457200" marR="0" rtl="0" algn="l">
-              <a:lnSpc>
-                <a:spcPct val="100000"/>
-              </a:lnSpc>
-              <a:spcBef>
-                <a:spcPts val="0"/>
-              </a:spcBef>
-              <a:spcAft>
-                <a:spcPts val="0"/>
-              </a:spcAft>
-              <a:buClr>
-                <a:schemeClr val="dk2"/>
-              </a:buClr>
-              <a:buSzPts val="1800"/>
-              <a:buFont typeface="Lato"/>
-              <a:buChar char="●"/>
-            </a:pPr>
-            <a:r>
-              <a:rPr lang="es" sz="1800">
-                <a:solidFill>
-                  <a:schemeClr val="dk2"/>
-                </a:solidFill>
-                <a:latin typeface="Lato"/>
-                <a:ea typeface="Lato"/>
-                <a:cs typeface="Lato"/>
-                <a:sym typeface="Lato"/>
-              </a:rPr>
-              <a:t> Behavioral patterns are those patterns that are most specifically concerned with communication between objects.</a:t>
-            </a:r>
-            <a:endParaRPr sz="1800">
-              <a:solidFill>
-                <a:schemeClr val="dk2"/>
-              </a:solidFill>
-              <a:latin typeface="Lato"/>
-              <a:ea typeface="Lato"/>
-              <a:cs typeface="Lato"/>
-              <a:sym typeface="Lato"/>
-            </a:endParaRPr>
-          </a:p>
-        </p:txBody>
-      </p:sp>
+      </p:pic>
     </p:spTree>
   </p:cSld>
   <p:clrMapOvr>
@@ -24530,7 +24989,7 @@
   <p:cSld>
     <p:spTree>
       <p:nvGrpSpPr>
-        <p:cNvPr id="413" name="Shape 413"/>
+        <p:cNvPr id="408" name="Shape 408"/>
         <p:cNvGrpSpPr/>
         <p:nvPr/>
       </p:nvGrpSpPr>
@@ -24544,7 +25003,7 @@
       </p:grpSpPr>
       <p:sp>
         <p:nvSpPr>
-          <p:cNvPr id="414" name="Google Shape;414;p54"/>
+          <p:cNvPr id="409" name="Google Shape;409;p54"/>
           <p:cNvSpPr txBox="1"/>
           <p:nvPr>
             <p:ph type="title"/>
@@ -24576,7 +25035,7 @@
             </a:pPr>
             <a:r>
               <a:rPr lang="es"/>
-              <a:t>5.4 Observer</a:t>
+              <a:t>5.4 Decorator</a:t>
             </a:r>
             <a:endParaRPr/>
           </a:p>
@@ -24584,7 +25043,7 @@
       </p:sp>
       <p:pic>
         <p:nvPicPr>
-          <p:cNvPr id="415" name="Google Shape;415;p54"/>
+          <p:cNvPr id="410" name="Google Shape;410;p54"/>
           <p:cNvPicPr preferRelativeResize="0"/>
           <p:nvPr/>
         </p:nvPicPr>
@@ -24610,16 +25069,24 @@
           </a:ln>
         </p:spPr>
       </p:pic>
-      <p:sp>
-        <p:nvSpPr>
-          <p:cNvPr id="416" name="Google Shape;416;p54"/>
-          <p:cNvSpPr txBox="1"/>
+      <p:pic>
+        <p:nvPicPr>
+          <p:cNvPr id="411" name="Google Shape;411;p54"/>
+          <p:cNvPicPr preferRelativeResize="0"/>
           <p:nvPr/>
-        </p:nvSpPr>
-        <p:spPr>
-          <a:xfrm>
-            <a:off x="2218350" y="1431625"/>
-            <a:ext cx="6298200" cy="3065100"/>
+        </p:nvPicPr>
+        <p:blipFill>
+          <a:blip r:embed="rId4">
+            <a:alphaModFix/>
+          </a:blip>
+          <a:stretch>
+            <a:fillRect/>
+          </a:stretch>
+        </p:blipFill>
+        <p:spPr>
+          <a:xfrm>
+            <a:off x="4145875" y="414825"/>
+            <a:ext cx="4575974" cy="4270100"/>
           </a:xfrm>
           <a:prstGeom prst="rect">
             <a:avLst/>
@@ -24629,202 +25096,7 @@
             <a:noFill/>
           </a:ln>
         </p:spPr>
-        <p:txBody>
-          <a:bodyPr anchorCtr="0" anchor="t" bIns="91425" lIns="91425" spcFirstLastPara="1" rIns="91425" wrap="square" tIns="91425">
-            <a:noAutofit/>
-          </a:bodyPr>
-          <a:lstStyle/>
-          <a:p>
-            <a:pPr indent="-317500" lvl="0" marL="457200" rtl="0" algn="l">
-              <a:spcBef>
-                <a:spcPts val="0"/>
-              </a:spcBef>
-              <a:spcAft>
-                <a:spcPts val="0"/>
-              </a:spcAft>
-              <a:buClr>
-                <a:schemeClr val="dk2"/>
-              </a:buClr>
-              <a:buSzPts val="1400"/>
-              <a:buFont typeface="Lato"/>
-              <a:buChar char="●"/>
-            </a:pPr>
-            <a:r>
-              <a:rPr lang="es">
-                <a:solidFill>
-                  <a:schemeClr val="dk2"/>
-                </a:solidFill>
-                <a:latin typeface="Lato"/>
-                <a:ea typeface="Lato"/>
-                <a:cs typeface="Lato"/>
-                <a:sym typeface="Lato"/>
-              </a:rPr>
-              <a:t>D</a:t>
-            </a:r>
-            <a:r>
-              <a:rPr lang="es">
-                <a:solidFill>
-                  <a:schemeClr val="dk2"/>
-                </a:solidFill>
-                <a:latin typeface="Lato"/>
-                <a:ea typeface="Lato"/>
-                <a:cs typeface="Lato"/>
-                <a:sym typeface="Lato"/>
-              </a:rPr>
-              <a:t>efine a one-to-many dependency between objects so that when one object changes state, all its dependents are notified and updated automatically.</a:t>
-            </a:r>
-            <a:endParaRPr>
-              <a:solidFill>
-                <a:schemeClr val="dk2"/>
-              </a:solidFill>
-              <a:latin typeface="Lato"/>
-              <a:ea typeface="Lato"/>
-              <a:cs typeface="Lato"/>
-              <a:sym typeface="Lato"/>
-            </a:endParaRPr>
-          </a:p>
-          <a:p>
-            <a:pPr indent="0" lvl="0" marL="457200" rtl="0" algn="l">
-              <a:spcBef>
-                <a:spcPts val="0"/>
-              </a:spcBef>
-              <a:spcAft>
-                <a:spcPts val="0"/>
-              </a:spcAft>
-              <a:buNone/>
-            </a:pPr>
-            <a:r>
-              <a:t/>
-            </a:r>
-            <a:endParaRPr>
-              <a:solidFill>
-                <a:schemeClr val="dk2"/>
-              </a:solidFill>
-              <a:latin typeface="Lato"/>
-              <a:ea typeface="Lato"/>
-              <a:cs typeface="Lato"/>
-              <a:sym typeface="Lato"/>
-            </a:endParaRPr>
-          </a:p>
-          <a:p>
-            <a:pPr indent="-317500" lvl="0" marL="457200" rtl="0" algn="l">
-              <a:spcBef>
-                <a:spcPts val="0"/>
-              </a:spcBef>
-              <a:spcAft>
-                <a:spcPts val="0"/>
-              </a:spcAft>
-              <a:buClr>
-                <a:schemeClr val="dk2"/>
-              </a:buClr>
-              <a:buSzPts val="1400"/>
-              <a:buFont typeface="Lato"/>
-              <a:buChar char="●"/>
-            </a:pPr>
-            <a:r>
-              <a:rPr lang="es">
-                <a:solidFill>
-                  <a:schemeClr val="dk2"/>
-                </a:solidFill>
-                <a:latin typeface="Lato"/>
-                <a:ea typeface="Lato"/>
-                <a:cs typeface="Lato"/>
-                <a:sym typeface="Lato"/>
-              </a:rPr>
-              <a:t>Encapsulate the core (or common or engine) components in a Subject abstraction, and the variable (or optional or user interface) components in an Observer hierarchy.</a:t>
-            </a:r>
-            <a:endParaRPr>
-              <a:solidFill>
-                <a:schemeClr val="dk2"/>
-              </a:solidFill>
-              <a:latin typeface="Lato"/>
-              <a:ea typeface="Lato"/>
-              <a:cs typeface="Lato"/>
-              <a:sym typeface="Lato"/>
-            </a:endParaRPr>
-          </a:p>
-          <a:p>
-            <a:pPr indent="0" lvl="0" marL="457200" rtl="0" algn="l">
-              <a:spcBef>
-                <a:spcPts val="0"/>
-              </a:spcBef>
-              <a:spcAft>
-                <a:spcPts val="0"/>
-              </a:spcAft>
-              <a:buNone/>
-            </a:pPr>
-            <a:r>
-              <a:t/>
-            </a:r>
-            <a:endParaRPr>
-              <a:solidFill>
-                <a:schemeClr val="dk2"/>
-              </a:solidFill>
-              <a:latin typeface="Lato"/>
-              <a:ea typeface="Lato"/>
-              <a:cs typeface="Lato"/>
-              <a:sym typeface="Lato"/>
-            </a:endParaRPr>
-          </a:p>
-          <a:p>
-            <a:pPr indent="-317500" lvl="0" marL="457200" rtl="0" algn="l">
-              <a:spcBef>
-                <a:spcPts val="0"/>
-              </a:spcBef>
-              <a:spcAft>
-                <a:spcPts val="0"/>
-              </a:spcAft>
-              <a:buClr>
-                <a:schemeClr val="dk2"/>
-              </a:buClr>
-              <a:buSzPts val="1400"/>
-              <a:buFont typeface="Lato"/>
-              <a:buChar char="●"/>
-            </a:pPr>
-            <a:r>
-              <a:rPr lang="es">
-                <a:solidFill>
-                  <a:schemeClr val="dk2"/>
-                </a:solidFill>
-                <a:latin typeface="Lato"/>
-                <a:ea typeface="Lato"/>
-                <a:cs typeface="Lato"/>
-                <a:sym typeface="Lato"/>
-              </a:rPr>
-              <a:t>The "View" part of Model-View-Controller.</a:t>
-            </a:r>
-            <a:endParaRPr>
-              <a:solidFill>
-                <a:schemeClr val="dk2"/>
-              </a:solidFill>
-              <a:latin typeface="Lato"/>
-              <a:ea typeface="Lato"/>
-              <a:cs typeface="Lato"/>
-              <a:sym typeface="Lato"/>
-            </a:endParaRPr>
-          </a:p>
-          <a:p>
-            <a:pPr indent="0" lvl="0" marL="0" rtl="0" algn="l">
-              <a:spcBef>
-                <a:spcPts val="0"/>
-              </a:spcBef>
-              <a:spcAft>
-                <a:spcPts val="0"/>
-              </a:spcAft>
-              <a:buNone/>
-            </a:pPr>
-            <a:r>
-              <a:t/>
-            </a:r>
-            <a:endParaRPr>
-              <a:latin typeface="Lato"/>
-              <a:ea typeface="Lato"/>
-              <a:cs typeface="Lato"/>
-              <a:sym typeface="Lato"/>
-            </a:endParaRPr>
-          </a:p>
-        </p:txBody>
-      </p:sp>
+      </p:pic>
     </p:spTree>
   </p:cSld>
   <p:clrMapOvr>
@@ -24838,7 +25110,7 @@
   <p:cSld>
     <p:spTree>
       <p:nvGrpSpPr>
-        <p:cNvPr id="420" name="Shape 420"/>
+        <p:cNvPr id="415" name="Shape 415"/>
         <p:cNvGrpSpPr/>
         <p:nvPr/>
       </p:nvGrpSpPr>
@@ -24852,7 +25124,7 @@
       </p:grpSpPr>
       <p:sp>
         <p:nvSpPr>
-          <p:cNvPr id="421" name="Google Shape;421;p55"/>
+          <p:cNvPr id="416" name="Google Shape;416;p55"/>
           <p:cNvSpPr txBox="1"/>
           <p:nvPr>
             <p:ph type="title"/>
@@ -24884,7 +25156,7 @@
             </a:pPr>
             <a:r>
               <a:rPr lang="es"/>
-              <a:t>5.4 Observer</a:t>
+              <a:t>5.4 FlyWeight</a:t>
             </a:r>
             <a:endParaRPr/>
           </a:p>
@@ -24892,7 +25164,7 @@
       </p:sp>
       <p:pic>
         <p:nvPicPr>
-          <p:cNvPr id="422" name="Google Shape;422;p55"/>
+          <p:cNvPr id="417" name="Google Shape;417;p55"/>
           <p:cNvPicPr preferRelativeResize="0"/>
           <p:nvPr/>
         </p:nvPicPr>
@@ -24918,24 +25190,16 @@
           </a:ln>
         </p:spPr>
       </p:pic>
-      <p:pic>
-        <p:nvPicPr>
-          <p:cNvPr id="423" name="Google Shape;423;p55"/>
-          <p:cNvPicPr preferRelativeResize="0"/>
+      <p:sp>
+        <p:nvSpPr>
+          <p:cNvPr id="418" name="Google Shape;418;p55"/>
+          <p:cNvSpPr txBox="1"/>
           <p:nvPr/>
-        </p:nvPicPr>
-        <p:blipFill>
-          <a:blip r:embed="rId4">
-            <a:alphaModFix/>
-          </a:blip>
-          <a:stretch>
-            <a:fillRect/>
-          </a:stretch>
-        </p:blipFill>
-        <p:spPr>
-          <a:xfrm>
-            <a:off x="1576975" y="1174100"/>
-            <a:ext cx="6610350" cy="3514725"/>
+        </p:nvSpPr>
+        <p:spPr>
+          <a:xfrm>
+            <a:off x="2218350" y="1431625"/>
+            <a:ext cx="6298200" cy="3065100"/>
           </a:xfrm>
           <a:prstGeom prst="rect">
             <a:avLst/>
@@ -24945,7 +25209,213 @@
             <a:noFill/>
           </a:ln>
         </p:spPr>
-      </p:pic>
+        <p:txBody>
+          <a:bodyPr anchorCtr="0" anchor="t" bIns="91425" lIns="91425" spcFirstLastPara="1" rIns="91425" wrap="square" tIns="91425">
+            <a:noAutofit/>
+          </a:bodyPr>
+          <a:lstStyle/>
+          <a:p>
+            <a:pPr indent="-317500" lvl="0" marL="457200" rtl="0" algn="l">
+              <a:spcBef>
+                <a:spcPts val="0"/>
+              </a:spcBef>
+              <a:spcAft>
+                <a:spcPts val="0"/>
+              </a:spcAft>
+              <a:buClr>
+                <a:schemeClr val="dk2"/>
+              </a:buClr>
+              <a:buSzPts val="1400"/>
+              <a:buFont typeface="Lato"/>
+              <a:buChar char="●"/>
+            </a:pPr>
+            <a:r>
+              <a:rPr lang="es">
+                <a:solidFill>
+                  <a:schemeClr val="dk2"/>
+                </a:solidFill>
+                <a:latin typeface="Lato"/>
+                <a:ea typeface="Lato"/>
+                <a:cs typeface="Lato"/>
+                <a:sym typeface="Lato"/>
+              </a:rPr>
+              <a:t>The number of Objects to be created by application should be huge.</a:t>
+            </a:r>
+            <a:endParaRPr>
+              <a:solidFill>
+                <a:schemeClr val="dk2"/>
+              </a:solidFill>
+              <a:latin typeface="Lato"/>
+              <a:ea typeface="Lato"/>
+              <a:cs typeface="Lato"/>
+              <a:sym typeface="Lato"/>
+            </a:endParaRPr>
+          </a:p>
+          <a:p>
+            <a:pPr indent="0" lvl="0" marL="457200" rtl="0" algn="l">
+              <a:spcBef>
+                <a:spcPts val="0"/>
+              </a:spcBef>
+              <a:spcAft>
+                <a:spcPts val="0"/>
+              </a:spcAft>
+              <a:buNone/>
+            </a:pPr>
+            <a:r>
+              <a:t/>
+            </a:r>
+            <a:endParaRPr>
+              <a:solidFill>
+                <a:schemeClr val="dk2"/>
+              </a:solidFill>
+              <a:latin typeface="Lato"/>
+              <a:ea typeface="Lato"/>
+              <a:cs typeface="Lato"/>
+              <a:sym typeface="Lato"/>
+            </a:endParaRPr>
+          </a:p>
+          <a:p>
+            <a:pPr indent="-317500" lvl="0" marL="457200" rtl="0" algn="l">
+              <a:spcBef>
+                <a:spcPts val="0"/>
+              </a:spcBef>
+              <a:spcAft>
+                <a:spcPts val="0"/>
+              </a:spcAft>
+              <a:buClr>
+                <a:schemeClr val="dk2"/>
+              </a:buClr>
+              <a:buSzPts val="1400"/>
+              <a:buFont typeface="Lato"/>
+              <a:buChar char="●"/>
+            </a:pPr>
+            <a:r>
+              <a:rPr lang="es">
+                <a:solidFill>
+                  <a:schemeClr val="dk2"/>
+                </a:solidFill>
+                <a:latin typeface="Lato"/>
+                <a:ea typeface="Lato"/>
+                <a:cs typeface="Lato"/>
+                <a:sym typeface="Lato"/>
+              </a:rPr>
+              <a:t>The object creation is heavy on memory and it can be time consuming too.</a:t>
+            </a:r>
+            <a:endParaRPr>
+              <a:solidFill>
+                <a:schemeClr val="dk2"/>
+              </a:solidFill>
+              <a:latin typeface="Lato"/>
+              <a:ea typeface="Lato"/>
+              <a:cs typeface="Lato"/>
+              <a:sym typeface="Lato"/>
+            </a:endParaRPr>
+          </a:p>
+          <a:p>
+            <a:pPr indent="0" lvl="0" marL="457200" rtl="0" algn="l">
+              <a:spcBef>
+                <a:spcPts val="0"/>
+              </a:spcBef>
+              <a:spcAft>
+                <a:spcPts val="0"/>
+              </a:spcAft>
+              <a:buNone/>
+            </a:pPr>
+            <a:r>
+              <a:t/>
+            </a:r>
+            <a:endParaRPr>
+              <a:solidFill>
+                <a:schemeClr val="dk2"/>
+              </a:solidFill>
+              <a:latin typeface="Lato"/>
+              <a:ea typeface="Lato"/>
+              <a:cs typeface="Lato"/>
+              <a:sym typeface="Lato"/>
+            </a:endParaRPr>
+          </a:p>
+          <a:p>
+            <a:pPr indent="-317500" lvl="0" marL="457200" rtl="0" algn="l">
+              <a:spcBef>
+                <a:spcPts val="0"/>
+              </a:spcBef>
+              <a:spcAft>
+                <a:spcPts val="0"/>
+              </a:spcAft>
+              <a:buClr>
+                <a:schemeClr val="dk2"/>
+              </a:buClr>
+              <a:buSzPts val="1400"/>
+              <a:buFont typeface="Lato"/>
+              <a:buChar char="●"/>
+            </a:pPr>
+            <a:r>
+              <a:rPr lang="es">
+                <a:solidFill>
+                  <a:schemeClr val="dk2"/>
+                </a:solidFill>
+                <a:latin typeface="Lato"/>
+                <a:ea typeface="Lato"/>
+                <a:cs typeface="Lato"/>
+                <a:sym typeface="Lato"/>
+              </a:rPr>
+              <a:t>The object properties can be divided into intrinsic and extrinsic properties, extrinsic properties of an Object should be defined by the client program.</a:t>
+            </a:r>
+            <a:endParaRPr>
+              <a:solidFill>
+                <a:schemeClr val="dk2"/>
+              </a:solidFill>
+              <a:latin typeface="Lato"/>
+              <a:ea typeface="Lato"/>
+              <a:cs typeface="Lato"/>
+              <a:sym typeface="Lato"/>
+            </a:endParaRPr>
+          </a:p>
+          <a:p>
+            <a:pPr indent="0" lvl="0" marL="457200" rtl="0" algn="l">
+              <a:spcBef>
+                <a:spcPts val="0"/>
+              </a:spcBef>
+              <a:spcAft>
+                <a:spcPts val="0"/>
+              </a:spcAft>
+              <a:buNone/>
+            </a:pPr>
+            <a:r>
+              <a:t/>
+            </a:r>
+            <a:endParaRPr>
+              <a:solidFill>
+                <a:schemeClr val="dk2"/>
+              </a:solidFill>
+              <a:latin typeface="Lato"/>
+              <a:ea typeface="Lato"/>
+              <a:cs typeface="Lato"/>
+              <a:sym typeface="Lato"/>
+            </a:endParaRPr>
+          </a:p>
+          <a:p>
+            <a:pPr indent="0" lvl="0" marL="0" rtl="0" algn="l">
+              <a:spcBef>
+                <a:spcPts val="0"/>
+              </a:spcBef>
+              <a:spcAft>
+                <a:spcPts val="0"/>
+              </a:spcAft>
+              <a:buNone/>
+            </a:pPr>
+            <a:r>
+              <a:t/>
+            </a:r>
+            <a:endParaRPr>
+              <a:latin typeface="Lato"/>
+              <a:ea typeface="Lato"/>
+              <a:cs typeface="Lato"/>
+              <a:sym typeface="Lato"/>
+            </a:endParaRPr>
+          </a:p>
+        </p:txBody>
+      </p:sp>
     </p:spTree>
   </p:cSld>
   <p:clrMapOvr>
@@ -24959,7 +25429,7 @@
   <p:cSld>
     <p:spTree>
       <p:nvGrpSpPr>
-        <p:cNvPr id="427" name="Shape 427"/>
+        <p:cNvPr id="422" name="Shape 422"/>
         <p:cNvGrpSpPr/>
         <p:nvPr/>
       </p:nvGrpSpPr>
@@ -24973,7 +25443,7 @@
       </p:grpSpPr>
       <p:sp>
         <p:nvSpPr>
-          <p:cNvPr id="428" name="Google Shape;428;p56"/>
+          <p:cNvPr id="423" name="Google Shape;423;p56"/>
           <p:cNvSpPr txBox="1"/>
           <p:nvPr>
             <p:ph type="title"/>
@@ -25005,7 +25475,7 @@
             </a:pPr>
             <a:r>
               <a:rPr lang="es"/>
-              <a:t>5.4 Strategy</a:t>
+              <a:t>5.4 FlyWeight</a:t>
             </a:r>
             <a:endParaRPr/>
           </a:p>
@@ -25013,7 +25483,7 @@
       </p:sp>
       <p:pic>
         <p:nvPicPr>
-          <p:cNvPr id="429" name="Google Shape;429;p56"/>
+          <p:cNvPr id="424" name="Google Shape;424;p56"/>
           <p:cNvPicPr preferRelativeResize="0"/>
           <p:nvPr/>
         </p:nvPicPr>
@@ -25039,16 +25509,23 @@
           </a:ln>
         </p:spPr>
       </p:pic>
-      <p:sp>
-        <p:nvSpPr>
-          <p:cNvPr id="430" name="Google Shape;430;p56"/>
-          <p:cNvSpPr txBox="1"/>
+      <p:pic>
+        <p:nvPicPr>
+          <p:cNvPr id="425" name="Google Shape;425;p56"/>
+          <p:cNvPicPr preferRelativeResize="0"/>
           <p:nvPr/>
-        </p:nvSpPr>
-        <p:spPr>
-          <a:xfrm>
-            <a:off x="2218350" y="1431625"/>
-            <a:ext cx="6298200" cy="3065100"/>
+        </p:nvPicPr>
+        <p:blipFill rotWithShape="1">
+          <a:blip r:embed="rId4">
+            <a:alphaModFix/>
+          </a:blip>
+          <a:srcRect b="26183" l="18661" r="18986" t="26269"/>
+          <a:stretch/>
+        </p:blipFill>
+        <p:spPr>
+          <a:xfrm>
+            <a:off x="1596050" y="1211350"/>
+            <a:ext cx="7406626" cy="3483124"/>
           </a:xfrm>
           <a:prstGeom prst="rect">
             <a:avLst/>
@@ -25058,130 +25535,7 @@
             <a:noFill/>
           </a:ln>
         </p:spPr>
-        <p:txBody>
-          <a:bodyPr anchorCtr="0" anchor="t" bIns="91425" lIns="91425" spcFirstLastPara="1" rIns="91425" wrap="square" tIns="91425">
-            <a:noAutofit/>
-          </a:bodyPr>
-          <a:lstStyle/>
-          <a:p>
-            <a:pPr indent="-317500" lvl="0" marL="457200" rtl="0" algn="l">
-              <a:spcBef>
-                <a:spcPts val="0"/>
-              </a:spcBef>
-              <a:spcAft>
-                <a:spcPts val="0"/>
-              </a:spcAft>
-              <a:buClr>
-                <a:schemeClr val="dk2"/>
-              </a:buClr>
-              <a:buSzPts val="1400"/>
-              <a:buFont typeface="Lato"/>
-              <a:buChar char="●"/>
-            </a:pPr>
-            <a:r>
-              <a:rPr lang="es">
-                <a:solidFill>
-                  <a:schemeClr val="dk2"/>
-                </a:solidFill>
-                <a:latin typeface="Lato"/>
-                <a:ea typeface="Lato"/>
-                <a:cs typeface="Lato"/>
-                <a:sym typeface="Lato"/>
-              </a:rPr>
-              <a:t>Define a family of algorithms, encapsulate each one, and make them interchangeable. Strategy lets the algorithm vary independently from the clients that use it.</a:t>
-            </a:r>
-            <a:endParaRPr>
-              <a:solidFill>
-                <a:schemeClr val="dk2"/>
-              </a:solidFill>
-              <a:latin typeface="Lato"/>
-              <a:ea typeface="Lato"/>
-              <a:cs typeface="Lato"/>
-              <a:sym typeface="Lato"/>
-            </a:endParaRPr>
-          </a:p>
-          <a:p>
-            <a:pPr indent="0" lvl="0" marL="914400" rtl="0" algn="l">
-              <a:spcBef>
-                <a:spcPts val="0"/>
-              </a:spcBef>
-              <a:spcAft>
-                <a:spcPts val="0"/>
-              </a:spcAft>
-              <a:buNone/>
-            </a:pPr>
-            <a:r>
-              <a:t/>
-            </a:r>
-            <a:endParaRPr>
-              <a:solidFill>
-                <a:schemeClr val="dk2"/>
-              </a:solidFill>
-              <a:latin typeface="Lato"/>
-              <a:ea typeface="Lato"/>
-              <a:cs typeface="Lato"/>
-              <a:sym typeface="Lato"/>
-            </a:endParaRPr>
-          </a:p>
-          <a:p>
-            <a:pPr indent="-317500" lvl="0" marL="457200" rtl="0" algn="l">
-              <a:spcBef>
-                <a:spcPts val="0"/>
-              </a:spcBef>
-              <a:spcAft>
-                <a:spcPts val="0"/>
-              </a:spcAft>
-              <a:buClr>
-                <a:schemeClr val="dk2"/>
-              </a:buClr>
-              <a:buSzPts val="1400"/>
-              <a:buFont typeface="Lato"/>
-              <a:buChar char="●"/>
-            </a:pPr>
-            <a:r>
-              <a:rPr lang="es">
-                <a:solidFill>
-                  <a:schemeClr val="dk2"/>
-                </a:solidFill>
-                <a:latin typeface="Lato"/>
-                <a:ea typeface="Lato"/>
-                <a:cs typeface="Lato"/>
-                <a:sym typeface="Lato"/>
-              </a:rPr>
-              <a:t>Capture the abstraction in an interface, bury implementation details in derived classes.</a:t>
-            </a:r>
-            <a:endParaRPr>
-              <a:solidFill>
-                <a:schemeClr val="dk2"/>
-              </a:solidFill>
-              <a:latin typeface="Lato"/>
-              <a:ea typeface="Lato"/>
-              <a:cs typeface="Lato"/>
-              <a:sym typeface="Lato"/>
-            </a:endParaRPr>
-          </a:p>
-          <a:p>
-            <a:pPr indent="0" lvl="0" marL="0" rtl="0" algn="l">
-              <a:spcBef>
-                <a:spcPts val="0"/>
-              </a:spcBef>
-              <a:spcAft>
-                <a:spcPts val="0"/>
-              </a:spcAft>
-              <a:buNone/>
-            </a:pPr>
-            <a:r>
-              <a:t/>
-            </a:r>
-            <a:endParaRPr>
-              <a:latin typeface="Lato"/>
-              <a:ea typeface="Lato"/>
-              <a:cs typeface="Lato"/>
-              <a:sym typeface="Lato"/>
-            </a:endParaRPr>
-          </a:p>
-        </p:txBody>
-      </p:sp>
+      </p:pic>
     </p:spTree>
   </p:cSld>
   <p:clrMapOvr>
@@ -25195,7 +25549,7 @@
   <p:cSld>
     <p:spTree>
       <p:nvGrpSpPr>
-        <p:cNvPr id="434" name="Shape 434"/>
+        <p:cNvPr id="429" name="Shape 429"/>
         <p:cNvGrpSpPr/>
         <p:nvPr/>
       </p:nvGrpSpPr>
@@ -25209,7 +25563,7 @@
       </p:grpSpPr>
       <p:sp>
         <p:nvSpPr>
-          <p:cNvPr id="435" name="Google Shape;435;p57"/>
+          <p:cNvPr id="430" name="Google Shape;430;p57"/>
           <p:cNvSpPr txBox="1"/>
           <p:nvPr>
             <p:ph type="title"/>
@@ -25241,7 +25595,7 @@
             </a:pPr>
             <a:r>
               <a:rPr lang="es"/>
-              <a:t>5.4 Strategy</a:t>
+              <a:t>5.4 FlyWeight</a:t>
             </a:r>
             <a:endParaRPr/>
           </a:p>
@@ -25249,7 +25603,7 @@
       </p:sp>
       <p:pic>
         <p:nvPicPr>
-          <p:cNvPr id="436" name="Google Shape;436;p57"/>
+          <p:cNvPr id="431" name="Google Shape;431;p57"/>
           <p:cNvPicPr preferRelativeResize="0"/>
           <p:nvPr/>
         </p:nvPicPr>
@@ -25277,7 +25631,7 @@
       </p:pic>
       <p:pic>
         <p:nvPicPr>
-          <p:cNvPr id="437" name="Google Shape;437;p57"/>
+          <p:cNvPr id="432" name="Google Shape;432;p57"/>
           <p:cNvPicPr preferRelativeResize="0"/>
           <p:nvPr/>
         </p:nvPicPr>
@@ -25291,8 +25645,8 @@
         </p:blipFill>
         <p:spPr>
           <a:xfrm>
-            <a:off x="1789400" y="1211350"/>
-            <a:ext cx="6324600" cy="3162300"/>
+            <a:off x="1522375" y="1211350"/>
+            <a:ext cx="7074000" cy="3200900"/>
           </a:xfrm>
           <a:prstGeom prst="rect">
             <a:avLst/>
@@ -25316,7 +25670,7 @@
   <p:cSld>
     <p:spTree>
       <p:nvGrpSpPr>
-        <p:cNvPr id="441" name="Shape 441"/>
+        <p:cNvPr id="436" name="Shape 436"/>
         <p:cNvGrpSpPr/>
         <p:nvPr/>
       </p:nvGrpSpPr>
@@ -25330,7 +25684,7 @@
       </p:grpSpPr>
       <p:sp>
         <p:nvSpPr>
-          <p:cNvPr id="442" name="Google Shape;442;p58"/>
+          <p:cNvPr id="437" name="Google Shape;437;p58"/>
           <p:cNvSpPr txBox="1"/>
           <p:nvPr>
             <p:ph type="title"/>
@@ -25362,7 +25716,7 @@
             </a:pPr>
             <a:r>
               <a:rPr lang="es"/>
-              <a:t>5.4 Interpreter</a:t>
+              <a:t>5.5 Behavioral Design Patterns</a:t>
             </a:r>
             <a:endParaRPr/>
           </a:p>
@@ -25370,7 +25724,7 @@
       </p:sp>
       <p:pic>
         <p:nvPicPr>
-          <p:cNvPr id="443" name="Google Shape;443;p58"/>
+          <p:cNvPr id="438" name="Google Shape;438;p58"/>
           <p:cNvPicPr preferRelativeResize="0"/>
           <p:nvPr/>
         </p:nvPicPr>
@@ -25398,14 +25752,14 @@
       </p:pic>
       <p:sp>
         <p:nvSpPr>
-          <p:cNvPr id="444" name="Google Shape;444;p58"/>
+          <p:cNvPr id="439" name="Google Shape;439;p58"/>
           <p:cNvSpPr txBox="1"/>
           <p:nvPr/>
         </p:nvSpPr>
         <p:spPr>
           <a:xfrm>
-            <a:off x="2218350" y="1431625"/>
-            <a:ext cx="6298200" cy="3065100"/>
+            <a:off x="1635100" y="1639225"/>
+            <a:ext cx="7264500" cy="2279700"/>
           </a:xfrm>
           <a:prstGeom prst="rect">
             <a:avLst/>
@@ -25421,7 +25775,10 @@
           </a:bodyPr>
           <a:lstStyle/>
           <a:p>
-            <a:pPr indent="-317500" lvl="0" marL="457200" rtl="0" algn="l">
+            <a:pPr indent="-342900" lvl="0" marL="457200" marR="0" rtl="0" algn="l">
+              <a:lnSpc>
+                <a:spcPct val="100000"/>
+              </a:lnSpc>
               <a:spcBef>
                 <a:spcPts val="0"/>
               </a:spcBef>
@@ -25431,12 +25788,12 @@
               <a:buClr>
                 <a:schemeClr val="dk2"/>
               </a:buClr>
-              <a:buSzPts val="1400"/>
+              <a:buSzPts val="1800"/>
               <a:buFont typeface="Lato"/>
               <a:buChar char="●"/>
             </a:pPr>
             <a:r>
-              <a:rPr lang="es">
+              <a:rPr lang="es" sz="1800">
                 <a:solidFill>
                   <a:schemeClr val="dk2"/>
                 </a:solidFill>
@@ -25445,9 +25802,9 @@
                 <a:cs typeface="Lato"/>
                 <a:sym typeface="Lato"/>
               </a:rPr>
-              <a:t>Given a language, define a representation for its grammar along with an interpreter that uses the representation to interpret sentences in the language.</a:t>
-            </a:r>
-            <a:endParaRPr>
+              <a:t>These design patterns are all about Class's objects communication.</a:t>
+            </a:r>
+            <a:endParaRPr sz="1800">
               <a:solidFill>
                 <a:schemeClr val="dk2"/>
               </a:solidFill>
@@ -25458,7 +25815,10 @@
             </a:endParaRPr>
           </a:p>
           <a:p>
-            <a:pPr indent="0" lvl="0" marL="457200" rtl="0" algn="l">
+            <a:pPr indent="0" lvl="0" marL="457200" marR="0" rtl="0" algn="l">
+              <a:lnSpc>
+                <a:spcPct val="100000"/>
+              </a:lnSpc>
               <a:spcBef>
                 <a:spcPts val="0"/>
               </a:spcBef>
@@ -25470,7 +25830,7 @@
             <a:r>
               <a:t/>
             </a:r>
-            <a:endParaRPr>
+            <a:endParaRPr sz="1800">
               <a:solidFill>
                 <a:schemeClr val="dk2"/>
               </a:solidFill>
@@ -25481,7 +25841,10 @@
             </a:endParaRPr>
           </a:p>
           <a:p>
-            <a:pPr indent="-317500" lvl="0" marL="457200" rtl="0" algn="l">
+            <a:pPr indent="-342900" lvl="0" marL="457200" marR="0" rtl="0" algn="l">
+              <a:lnSpc>
+                <a:spcPct val="100000"/>
+              </a:lnSpc>
               <a:spcBef>
                 <a:spcPts val="0"/>
               </a:spcBef>
@@ -25491,12 +25854,12 @@
               <a:buClr>
                 <a:schemeClr val="dk2"/>
               </a:buClr>
-              <a:buSzPts val="1400"/>
+              <a:buSzPts val="1800"/>
               <a:buFont typeface="Lato"/>
               <a:buChar char="●"/>
             </a:pPr>
             <a:r>
-              <a:rPr lang="es">
+              <a:rPr lang="es" sz="1800">
                 <a:solidFill>
                   <a:schemeClr val="dk2"/>
                 </a:solidFill>
@@ -25505,55 +25868,12 @@
                 <a:cs typeface="Lato"/>
                 <a:sym typeface="Lato"/>
               </a:rPr>
-              <a:t>Map a domain to a language, the language to a grammar, and the grammar to a hierarchical object-oriented design.</a:t>
-            </a:r>
-            <a:endParaRPr>
+              <a:t> Behavioral patterns are those patterns that are most specifically concerned with communication between objects.</a:t>
+            </a:r>
+            <a:endParaRPr sz="1800">
               <a:solidFill>
                 <a:schemeClr val="dk2"/>
               </a:solidFill>
-              <a:latin typeface="Lato"/>
-              <a:ea typeface="Lato"/>
-              <a:cs typeface="Lato"/>
-              <a:sym typeface="Lato"/>
-            </a:endParaRPr>
-          </a:p>
-          <a:p>
-            <a:pPr indent="0" lvl="0" marL="457200" rtl="0" algn="l">
-              <a:spcBef>
-                <a:spcPts val="0"/>
-              </a:spcBef>
-              <a:spcAft>
-                <a:spcPts val="0"/>
-              </a:spcAft>
-              <a:buNone/>
-            </a:pPr>
-            <a:r>
-              <a:t/>
-            </a:r>
-            <a:endParaRPr>
-              <a:solidFill>
-                <a:schemeClr val="dk2"/>
-              </a:solidFill>
-              <a:latin typeface="Lato"/>
-              <a:ea typeface="Lato"/>
-              <a:cs typeface="Lato"/>
-              <a:sym typeface="Lato"/>
-            </a:endParaRPr>
-          </a:p>
-          <a:p>
-            <a:pPr indent="0" lvl="0" marL="0" rtl="0" algn="l">
-              <a:spcBef>
-                <a:spcPts val="0"/>
-              </a:spcBef>
-              <a:spcAft>
-                <a:spcPts val="0"/>
-              </a:spcAft>
-              <a:buNone/>
-            </a:pPr>
-            <a:r>
-              <a:t/>
-            </a:r>
-            <a:endParaRPr>
               <a:latin typeface="Lato"/>
               <a:ea typeface="Lato"/>
               <a:cs typeface="Lato"/>
@@ -25575,7 +25895,7 @@
   <p:cSld>
     <p:spTree>
       <p:nvGrpSpPr>
-        <p:cNvPr id="448" name="Shape 448"/>
+        <p:cNvPr id="443" name="Shape 443"/>
         <p:cNvGrpSpPr/>
         <p:nvPr/>
       </p:nvGrpSpPr>
@@ -25589,7 +25909,7 @@
       </p:grpSpPr>
       <p:sp>
         <p:nvSpPr>
-          <p:cNvPr id="449" name="Google Shape;449;p59"/>
+          <p:cNvPr id="444" name="Google Shape;444;p59"/>
           <p:cNvSpPr txBox="1"/>
           <p:nvPr>
             <p:ph type="title"/>
@@ -25621,7 +25941,7 @@
             </a:pPr>
             <a:r>
               <a:rPr lang="es"/>
-              <a:t>5.4 Iterator</a:t>
+              <a:t>5.4 Observer</a:t>
             </a:r>
             <a:endParaRPr/>
           </a:p>
@@ -25629,7 +25949,7 @@
       </p:sp>
       <p:pic>
         <p:nvPicPr>
-          <p:cNvPr id="450" name="Google Shape;450;p59"/>
+          <p:cNvPr id="445" name="Google Shape;445;p59"/>
           <p:cNvPicPr preferRelativeResize="0"/>
           <p:nvPr/>
         </p:nvPicPr>
@@ -25657,7 +25977,7 @@
       </p:pic>
       <p:sp>
         <p:nvSpPr>
-          <p:cNvPr id="451" name="Google Shape;451;p59"/>
+          <p:cNvPr id="446" name="Google Shape;446;p59"/>
           <p:cNvSpPr txBox="1"/>
           <p:nvPr/>
         </p:nvSpPr>
@@ -25704,7 +26024,19 @@
                 <a:cs typeface="Lato"/>
                 <a:sym typeface="Lato"/>
               </a:rPr>
-              <a:t>Provide a way to access the elements of an aggregate object sequentially without exposing its underlying representation.</a:t>
+              <a:t>D</a:t>
+            </a:r>
+            <a:r>
+              <a:rPr lang="es">
+                <a:solidFill>
+                  <a:schemeClr val="dk2"/>
+                </a:solidFill>
+                <a:latin typeface="Lato"/>
+                <a:ea typeface="Lato"/>
+                <a:cs typeface="Lato"/>
+                <a:sym typeface="Lato"/>
+              </a:rPr>
+              <a:t>efine a one-to-many dependency between objects so that when one object changes state, all its dependents are notified and updated automatically.</a:t>
             </a:r>
             <a:endParaRPr>
               <a:solidFill>
@@ -25764,7 +26096,7 @@
                 <a:cs typeface="Lato"/>
                 <a:sym typeface="Lato"/>
               </a:rPr>
-              <a:t>The C++ and Java standard library abstraction that makes it possible to decouple collection classes and algorithms.</a:t>
+              <a:t>Encapsulate the core (or common or engine) components in a Subject abstraction, and the variable (or optional or user interface) components in an Observer hierarchy.</a:t>
             </a:r>
             <a:endParaRPr>
               <a:solidFill>
@@ -25824,90 +26156,7 @@
                 <a:cs typeface="Lato"/>
                 <a:sym typeface="Lato"/>
               </a:rPr>
-              <a:t>Promote to "full object status" the traversal of a collection.</a:t>
-            </a:r>
-            <a:endParaRPr>
-              <a:solidFill>
-                <a:schemeClr val="dk2"/>
-              </a:solidFill>
-              <a:latin typeface="Lato"/>
-              <a:ea typeface="Lato"/>
-              <a:cs typeface="Lato"/>
-              <a:sym typeface="Lato"/>
-            </a:endParaRPr>
-          </a:p>
-          <a:p>
-            <a:pPr indent="0" lvl="0" marL="457200" rtl="0" algn="l">
-              <a:spcBef>
-                <a:spcPts val="0"/>
-              </a:spcBef>
-              <a:spcAft>
-                <a:spcPts val="0"/>
-              </a:spcAft>
-              <a:buNone/>
-            </a:pPr>
-            <a:r>
-              <a:t/>
-            </a:r>
-            <a:endParaRPr>
-              <a:solidFill>
-                <a:schemeClr val="dk2"/>
-              </a:solidFill>
-              <a:latin typeface="Lato"/>
-              <a:ea typeface="Lato"/>
-              <a:cs typeface="Lato"/>
-              <a:sym typeface="Lato"/>
-            </a:endParaRPr>
-          </a:p>
-          <a:p>
-            <a:pPr indent="-317500" lvl="0" marL="457200" rtl="0" algn="l">
-              <a:spcBef>
-                <a:spcPts val="0"/>
-              </a:spcBef>
-              <a:spcAft>
-                <a:spcPts val="0"/>
-              </a:spcAft>
-              <a:buClr>
-                <a:schemeClr val="dk2"/>
-              </a:buClr>
-              <a:buSzPts val="1400"/>
-              <a:buFont typeface="Lato"/>
-              <a:buChar char="●"/>
-            </a:pPr>
-            <a:r>
-              <a:rPr lang="es">
-                <a:solidFill>
-                  <a:schemeClr val="dk2"/>
-                </a:solidFill>
-                <a:latin typeface="Lato"/>
-                <a:ea typeface="Lato"/>
-                <a:cs typeface="Lato"/>
-                <a:sym typeface="Lato"/>
-              </a:rPr>
-              <a:t>Polymorphic traversal</a:t>
-            </a:r>
-            <a:endParaRPr>
-              <a:solidFill>
-                <a:schemeClr val="dk2"/>
-              </a:solidFill>
-              <a:latin typeface="Lato"/>
-              <a:ea typeface="Lato"/>
-              <a:cs typeface="Lato"/>
-              <a:sym typeface="Lato"/>
-            </a:endParaRPr>
-          </a:p>
-          <a:p>
-            <a:pPr indent="0" lvl="0" marL="457200" rtl="0" algn="l">
-              <a:spcBef>
-                <a:spcPts val="0"/>
-              </a:spcBef>
-              <a:spcAft>
-                <a:spcPts val="0"/>
-              </a:spcAft>
-              <a:buNone/>
-            </a:pPr>
-            <a:r>
-              <a:t/>
+              <a:t>The "View" part of Model-View-Controller.</a:t>
             </a:r>
             <a:endParaRPr>
               <a:solidFill>
@@ -25954,7 +26203,7 @@
   <p:cSld>
     <p:spTree>
       <p:nvGrpSpPr>
-        <p:cNvPr id="455" name="Shape 455"/>
+        <p:cNvPr id="450" name="Shape 450"/>
         <p:cNvGrpSpPr/>
         <p:nvPr/>
       </p:nvGrpSpPr>
@@ -25968,7 +26217,7 @@
       </p:grpSpPr>
       <p:sp>
         <p:nvSpPr>
-          <p:cNvPr id="456" name="Google Shape;456;p60"/>
+          <p:cNvPr id="451" name="Google Shape;451;p60"/>
           <p:cNvSpPr txBox="1"/>
           <p:nvPr>
             <p:ph type="title"/>
@@ -26000,7 +26249,7 @@
             </a:pPr>
             <a:r>
               <a:rPr lang="es"/>
-              <a:t>5.4 Iterator</a:t>
+              <a:t>5.4 Observer</a:t>
             </a:r>
             <a:endParaRPr/>
           </a:p>
@@ -26008,7 +26257,7 @@
       </p:sp>
       <p:pic>
         <p:nvPicPr>
-          <p:cNvPr id="457" name="Google Shape;457;p60"/>
+          <p:cNvPr id="452" name="Google Shape;452;p60"/>
           <p:cNvPicPr preferRelativeResize="0"/>
           <p:nvPr/>
         </p:nvPicPr>
@@ -26036,7 +26285,7 @@
       </p:pic>
       <p:pic>
         <p:nvPicPr>
-          <p:cNvPr id="458" name="Google Shape;458;p60"/>
+          <p:cNvPr id="453" name="Google Shape;453;p60"/>
           <p:cNvPicPr preferRelativeResize="0"/>
           <p:nvPr/>
         </p:nvPicPr>
@@ -26050,8 +26299,8 @@
         </p:blipFill>
         <p:spPr>
           <a:xfrm>
-            <a:off x="1076275" y="1363750"/>
-            <a:ext cx="7915325" cy="3179417"/>
+            <a:off x="1576975" y="1174100"/>
+            <a:ext cx="6610350" cy="3514725"/>
           </a:xfrm>
           <a:prstGeom prst="rect">
             <a:avLst/>
@@ -26075,7 +26324,7 @@
   <p:cSld>
     <p:spTree>
       <p:nvGrpSpPr>
-        <p:cNvPr id="462" name="Shape 462"/>
+        <p:cNvPr id="457" name="Shape 457"/>
         <p:cNvGrpSpPr/>
         <p:nvPr/>
       </p:nvGrpSpPr>
@@ -26089,7 +26338,7 @@
       </p:grpSpPr>
       <p:sp>
         <p:nvSpPr>
-          <p:cNvPr id="463" name="Google Shape;463;p61"/>
+          <p:cNvPr id="458" name="Google Shape;458;p61"/>
           <p:cNvSpPr txBox="1"/>
           <p:nvPr>
             <p:ph type="title"/>
@@ -26121,7 +26370,7 @@
             </a:pPr>
             <a:r>
               <a:rPr lang="es"/>
-              <a:t>6. Conclusions</a:t>
+              <a:t>5.4 Observer</a:t>
             </a:r>
             <a:endParaRPr/>
           </a:p>
@@ -26129,7 +26378,7 @@
       </p:sp>
       <p:pic>
         <p:nvPicPr>
-          <p:cNvPr id="464" name="Google Shape;464;p61"/>
+          <p:cNvPr id="459" name="Google Shape;459;p61"/>
           <p:cNvPicPr preferRelativeResize="0"/>
           <p:nvPr/>
         </p:nvPicPr>
@@ -26143,8 +26392,8 @@
         </p:blipFill>
         <p:spPr>
           <a:xfrm>
-            <a:off x="2899375" y="2144250"/>
-            <a:ext cx="1713650" cy="2553175"/>
+            <a:off x="173725" y="3637350"/>
+            <a:ext cx="750150" cy="1350275"/>
           </a:xfrm>
           <a:prstGeom prst="rect">
             <a:avLst/>
@@ -26155,62 +26404,9 @@
           </a:ln>
         </p:spPr>
       </p:pic>
-      <p:sp>
-        <p:nvSpPr>
-          <p:cNvPr id="465" name="Google Shape;465;p61"/>
-          <p:cNvSpPr/>
-          <p:nvPr/>
-        </p:nvSpPr>
-        <p:spPr>
-          <a:xfrm rot="-742">
-            <a:off x="3770025" y="1211811"/>
-            <a:ext cx="4167900" cy="1013400"/>
-          </a:xfrm>
-          <a:prstGeom prst="cloudCallout">
-            <a:avLst>
-              <a:gd fmla="val -20833" name="adj1"/>
-              <a:gd fmla="val 62500" name="adj2"/>
-            </a:avLst>
-          </a:prstGeom>
-          <a:solidFill>
-            <a:schemeClr val="lt1"/>
-          </a:solidFill>
-          <a:ln cap="flat" cmpd="sng" w="9525">
-            <a:solidFill>
-              <a:schemeClr val="dk2"/>
-            </a:solidFill>
-            <a:prstDash val="solid"/>
-            <a:round/>
-            <a:headEnd len="sm" w="sm" type="none"/>
-            <a:tailEnd len="sm" w="sm" type="none"/>
-          </a:ln>
-        </p:spPr>
-        <p:txBody>
-          <a:bodyPr anchorCtr="0" anchor="ctr" bIns="91425" lIns="91425" spcFirstLastPara="1" rIns="91425" wrap="square" tIns="91425">
-            <a:noAutofit/>
-          </a:bodyPr>
-          <a:lstStyle/>
-          <a:p>
-            <a:pPr indent="0" lvl="0" marL="0" rtl="0" algn="l">
-              <a:spcBef>
-                <a:spcPts val="0"/>
-              </a:spcBef>
-              <a:spcAft>
-                <a:spcPts val="0"/>
-              </a:spcAft>
-              <a:buNone/>
-            </a:pPr>
-            <a:r>
-              <a:rPr lang="es"/>
-              <a:t>I know all the design patterns… I can solve all my problems!!</a:t>
-            </a:r>
-            <a:endParaRPr/>
-          </a:p>
-        </p:txBody>
-      </p:sp>
       <p:pic>
         <p:nvPicPr>
-          <p:cNvPr id="466" name="Google Shape;466;p61"/>
+          <p:cNvPr id="460" name="Google Shape;460;p61"/>
           <p:cNvPicPr preferRelativeResize="0"/>
           <p:nvPr/>
         </p:nvPicPr>
@@ -26224,8 +26420,8 @@
         </p:blipFill>
         <p:spPr>
           <a:xfrm>
-            <a:off x="173725" y="3637350"/>
-            <a:ext cx="750150" cy="1350275"/>
+            <a:off x="2594050" y="1081950"/>
+            <a:ext cx="4420950" cy="3764100"/>
           </a:xfrm>
           <a:prstGeom prst="rect">
             <a:avLst/>
@@ -26454,7 +26650,7 @@
   <p:cSld>
     <p:spTree>
       <p:nvGrpSpPr>
-        <p:cNvPr id="470" name="Shape 470"/>
+        <p:cNvPr id="464" name="Shape 464"/>
         <p:cNvGrpSpPr/>
         <p:nvPr/>
       </p:nvGrpSpPr>
@@ -26468,7 +26664,7 @@
       </p:grpSpPr>
       <p:sp>
         <p:nvSpPr>
-          <p:cNvPr id="471" name="Google Shape;471;p62"/>
+          <p:cNvPr id="465" name="Google Shape;465;p62"/>
           <p:cNvSpPr txBox="1"/>
           <p:nvPr>
             <p:ph type="title"/>
@@ -26500,7 +26696,7 @@
             </a:pPr>
             <a:r>
               <a:rPr lang="es"/>
-              <a:t>6. Conclusions</a:t>
+              <a:t>5.4 Strategy</a:t>
             </a:r>
             <a:endParaRPr/>
           </a:p>
@@ -26508,7 +26704,7 @@
       </p:sp>
       <p:pic>
         <p:nvPicPr>
-          <p:cNvPr id="472" name="Google Shape;472;p62"/>
+          <p:cNvPr id="466" name="Google Shape;466;p62"/>
           <p:cNvPicPr preferRelativeResize="0"/>
           <p:nvPr/>
         </p:nvPicPr>
@@ -26522,8 +26718,8 @@
         </p:blipFill>
         <p:spPr>
           <a:xfrm>
-            <a:off x="2899375" y="2144250"/>
-            <a:ext cx="1713650" cy="2553175"/>
+            <a:off x="173725" y="3637350"/>
+            <a:ext cx="750150" cy="1350275"/>
           </a:xfrm>
           <a:prstGeom prst="rect">
             <a:avLst/>
@@ -26536,126 +26732,14 @@
       </p:pic>
       <p:sp>
         <p:nvSpPr>
-          <p:cNvPr id="473" name="Google Shape;473;p62"/>
-          <p:cNvSpPr/>
+          <p:cNvPr id="467" name="Google Shape;467;p62"/>
+          <p:cNvSpPr txBox="1"/>
           <p:nvPr/>
         </p:nvSpPr>
         <p:spPr>
-          <a:xfrm rot="-742">
-            <a:off x="3770025" y="1211811"/>
-            <a:ext cx="4167900" cy="1013400"/>
-          </a:xfrm>
-          <a:prstGeom prst="cloudCallout">
-            <a:avLst>
-              <a:gd fmla="val -20833" name="adj1"/>
-              <a:gd fmla="val 62500" name="adj2"/>
-            </a:avLst>
-          </a:prstGeom>
-          <a:solidFill>
-            <a:schemeClr val="lt1"/>
-          </a:solidFill>
-          <a:ln cap="flat" cmpd="sng" w="9525">
-            <a:solidFill>
-              <a:schemeClr val="dk2"/>
-            </a:solidFill>
-            <a:prstDash val="solid"/>
-            <a:round/>
-            <a:headEnd len="sm" w="sm" type="none"/>
-            <a:tailEnd len="sm" w="sm" type="none"/>
-          </a:ln>
-        </p:spPr>
-        <p:txBody>
-          <a:bodyPr anchorCtr="0" anchor="ctr" bIns="91425" lIns="91425" spcFirstLastPara="1" rIns="91425" wrap="square" tIns="91425">
-            <a:noAutofit/>
-          </a:bodyPr>
-          <a:lstStyle/>
-          <a:p>
-            <a:pPr indent="0" lvl="0" marL="0" rtl="0" algn="l">
-              <a:spcBef>
-                <a:spcPts val="0"/>
-              </a:spcBef>
-              <a:spcAft>
-                <a:spcPts val="0"/>
-              </a:spcAft>
-              <a:buNone/>
-            </a:pPr>
-            <a:r>
-              <a:rPr lang="es"/>
-              <a:t>I know all the design patterns… I can solve all my problems!!</a:t>
-            </a:r>
-            <a:endParaRPr/>
-          </a:p>
-        </p:txBody>
-      </p:sp>
-      <p:sp>
-        <p:nvSpPr>
-          <p:cNvPr id="474" name="Google Shape;474;p62"/>
-          <p:cNvSpPr/>
-          <p:nvPr/>
-        </p:nvSpPr>
-        <p:spPr>
-          <a:xfrm>
-            <a:off x="4083400" y="1295100"/>
-            <a:ext cx="2955300" cy="2553300"/>
-          </a:xfrm>
-          <a:prstGeom prst="noSmoking">
-            <a:avLst>
-              <a:gd fmla="val 18750" name="adj"/>
-            </a:avLst>
-          </a:prstGeom>
-          <a:solidFill>
-            <a:srgbClr val="FF0000"/>
-          </a:solidFill>
-          <a:ln cap="flat" cmpd="sng" w="9525">
-            <a:solidFill>
-              <a:schemeClr val="dk2"/>
-            </a:solidFill>
-            <a:prstDash val="solid"/>
-            <a:round/>
-            <a:headEnd len="sm" w="sm" type="none"/>
-            <a:tailEnd len="sm" w="sm" type="none"/>
-          </a:ln>
-        </p:spPr>
-        <p:txBody>
-          <a:bodyPr anchorCtr="0" anchor="ctr" bIns="91425" lIns="91425" spcFirstLastPara="1" rIns="91425" wrap="square" tIns="91425">
-            <a:noAutofit/>
-          </a:bodyPr>
-          <a:lstStyle/>
-          <a:p>
-            <a:pPr indent="0" lvl="0" marL="0" rtl="0" algn="l">
-              <a:spcBef>
-                <a:spcPts val="0"/>
-              </a:spcBef>
-              <a:spcAft>
-                <a:spcPts val="0"/>
-              </a:spcAft>
-              <a:buNone/>
-            </a:pPr>
-            <a:r>
-              <a:t/>
-            </a:r>
-            <a:endParaRPr/>
-          </a:p>
-        </p:txBody>
-      </p:sp>
-      <p:pic>
-        <p:nvPicPr>
-          <p:cNvPr id="475" name="Google Shape;475;p62"/>
-          <p:cNvPicPr preferRelativeResize="0"/>
-          <p:nvPr/>
-        </p:nvPicPr>
-        <p:blipFill>
-          <a:blip r:embed="rId4">
-            <a:alphaModFix/>
-          </a:blip>
-          <a:stretch>
-            <a:fillRect/>
-          </a:stretch>
-        </p:blipFill>
-        <p:spPr>
-          <a:xfrm>
-            <a:off x="173725" y="3637350"/>
-            <a:ext cx="750150" cy="1350275"/>
+          <a:xfrm>
+            <a:off x="2218350" y="1431625"/>
+            <a:ext cx="6298200" cy="3065100"/>
           </a:xfrm>
           <a:prstGeom prst="rect">
             <a:avLst/>
@@ -26665,7 +26749,130 @@
             <a:noFill/>
           </a:ln>
         </p:spPr>
-      </p:pic>
+        <p:txBody>
+          <a:bodyPr anchorCtr="0" anchor="t" bIns="91425" lIns="91425" spcFirstLastPara="1" rIns="91425" wrap="square" tIns="91425">
+            <a:noAutofit/>
+          </a:bodyPr>
+          <a:lstStyle/>
+          <a:p>
+            <a:pPr indent="-317500" lvl="0" marL="457200" rtl="0" algn="l">
+              <a:spcBef>
+                <a:spcPts val="0"/>
+              </a:spcBef>
+              <a:spcAft>
+                <a:spcPts val="0"/>
+              </a:spcAft>
+              <a:buClr>
+                <a:schemeClr val="dk2"/>
+              </a:buClr>
+              <a:buSzPts val="1400"/>
+              <a:buFont typeface="Lato"/>
+              <a:buChar char="●"/>
+            </a:pPr>
+            <a:r>
+              <a:rPr lang="es">
+                <a:solidFill>
+                  <a:schemeClr val="dk2"/>
+                </a:solidFill>
+                <a:latin typeface="Lato"/>
+                <a:ea typeface="Lato"/>
+                <a:cs typeface="Lato"/>
+                <a:sym typeface="Lato"/>
+              </a:rPr>
+              <a:t>Define a family of algorithms, encapsulate each one, and make them interchangeable. Strategy lets the algorithm vary independently from the clients that use it.</a:t>
+            </a:r>
+            <a:endParaRPr>
+              <a:solidFill>
+                <a:schemeClr val="dk2"/>
+              </a:solidFill>
+              <a:latin typeface="Lato"/>
+              <a:ea typeface="Lato"/>
+              <a:cs typeface="Lato"/>
+              <a:sym typeface="Lato"/>
+            </a:endParaRPr>
+          </a:p>
+          <a:p>
+            <a:pPr indent="0" lvl="0" marL="914400" rtl="0" algn="l">
+              <a:spcBef>
+                <a:spcPts val="0"/>
+              </a:spcBef>
+              <a:spcAft>
+                <a:spcPts val="0"/>
+              </a:spcAft>
+              <a:buNone/>
+            </a:pPr>
+            <a:r>
+              <a:t/>
+            </a:r>
+            <a:endParaRPr>
+              <a:solidFill>
+                <a:schemeClr val="dk2"/>
+              </a:solidFill>
+              <a:latin typeface="Lato"/>
+              <a:ea typeface="Lato"/>
+              <a:cs typeface="Lato"/>
+              <a:sym typeface="Lato"/>
+            </a:endParaRPr>
+          </a:p>
+          <a:p>
+            <a:pPr indent="-317500" lvl="0" marL="457200" rtl="0" algn="l">
+              <a:spcBef>
+                <a:spcPts val="0"/>
+              </a:spcBef>
+              <a:spcAft>
+                <a:spcPts val="0"/>
+              </a:spcAft>
+              <a:buClr>
+                <a:schemeClr val="dk2"/>
+              </a:buClr>
+              <a:buSzPts val="1400"/>
+              <a:buFont typeface="Lato"/>
+              <a:buChar char="●"/>
+            </a:pPr>
+            <a:r>
+              <a:rPr lang="es">
+                <a:solidFill>
+                  <a:schemeClr val="dk2"/>
+                </a:solidFill>
+                <a:latin typeface="Lato"/>
+                <a:ea typeface="Lato"/>
+                <a:cs typeface="Lato"/>
+                <a:sym typeface="Lato"/>
+              </a:rPr>
+              <a:t>Capture the abstraction in an interface, bury implementation details in derived classes.</a:t>
+            </a:r>
+            <a:endParaRPr>
+              <a:solidFill>
+                <a:schemeClr val="dk2"/>
+              </a:solidFill>
+              <a:latin typeface="Lato"/>
+              <a:ea typeface="Lato"/>
+              <a:cs typeface="Lato"/>
+              <a:sym typeface="Lato"/>
+            </a:endParaRPr>
+          </a:p>
+          <a:p>
+            <a:pPr indent="0" lvl="0" marL="0" rtl="0" algn="l">
+              <a:spcBef>
+                <a:spcPts val="0"/>
+              </a:spcBef>
+              <a:spcAft>
+                <a:spcPts val="0"/>
+              </a:spcAft>
+              <a:buNone/>
+            </a:pPr>
+            <a:r>
+              <a:t/>
+            </a:r>
+            <a:endParaRPr>
+              <a:latin typeface="Lato"/>
+              <a:ea typeface="Lato"/>
+              <a:cs typeface="Lato"/>
+              <a:sym typeface="Lato"/>
+            </a:endParaRPr>
+          </a:p>
+        </p:txBody>
+      </p:sp>
     </p:spTree>
   </p:cSld>
   <p:clrMapOvr>
@@ -26679,7 +26886,7 @@
   <p:cSld>
     <p:spTree>
       <p:nvGrpSpPr>
-        <p:cNvPr id="479" name="Shape 479"/>
+        <p:cNvPr id="471" name="Shape 471"/>
         <p:cNvGrpSpPr/>
         <p:nvPr/>
       </p:nvGrpSpPr>
@@ -26693,7 +26900,7 @@
       </p:grpSpPr>
       <p:sp>
         <p:nvSpPr>
-          <p:cNvPr id="480" name="Google Shape;480;p63"/>
+          <p:cNvPr id="472" name="Google Shape;472;p63"/>
           <p:cNvSpPr txBox="1"/>
           <p:nvPr>
             <p:ph type="title"/>
@@ -26725,7 +26932,7 @@
             </a:pPr>
             <a:r>
               <a:rPr lang="es"/>
-              <a:t>6. Conclusions</a:t>
+              <a:t>5.4 Strategy</a:t>
             </a:r>
             <a:endParaRPr/>
           </a:p>
@@ -26733,7 +26940,7 @@
       </p:sp>
       <p:pic>
         <p:nvPicPr>
-          <p:cNvPr id="481" name="Google Shape;481;p63"/>
+          <p:cNvPr id="473" name="Google Shape;473;p63"/>
           <p:cNvPicPr preferRelativeResize="0"/>
           <p:nvPr/>
         </p:nvPicPr>
@@ -26759,145 +26966,9 @@
           </a:ln>
         </p:spPr>
       </p:pic>
-      <p:sp>
-        <p:nvSpPr>
-          <p:cNvPr id="482" name="Google Shape;482;p63"/>
-          <p:cNvSpPr txBox="1"/>
-          <p:nvPr>
-            <p:ph idx="1" type="body"/>
-          </p:nvPr>
-        </p:nvSpPr>
-        <p:spPr>
-          <a:xfrm>
-            <a:off x="2410112" y="1595776"/>
-            <a:ext cx="6321600" cy="3002400"/>
-          </a:xfrm>
-          <a:prstGeom prst="rect">
-            <a:avLst/>
-          </a:prstGeom>
-        </p:spPr>
-        <p:txBody>
-          <a:bodyPr anchorCtr="0" anchor="t" bIns="91425" lIns="91425" spcFirstLastPara="1" rIns="91425" wrap="square" tIns="91425">
-            <a:noAutofit/>
-          </a:bodyPr>
-          <a:lstStyle/>
-          <a:p>
-            <a:pPr indent="-342900" lvl="0" marL="457200" rtl="0" algn="l">
-              <a:spcBef>
-                <a:spcPts val="0"/>
-              </a:spcBef>
-              <a:spcAft>
-                <a:spcPts val="0"/>
-              </a:spcAft>
-              <a:buClr>
-                <a:srgbClr val="212121"/>
-              </a:buClr>
-              <a:buSzPts val="1800"/>
-              <a:buFont typeface="Arial"/>
-              <a:buChar char="●"/>
-            </a:pPr>
-            <a:r>
-              <a:rPr lang="es">
-                <a:solidFill>
-                  <a:srgbClr val="212121"/>
-                </a:solidFill>
-                <a:highlight>
-                  <a:srgbClr val="FFFFFF"/>
-                </a:highlight>
-                <a:latin typeface="Arial"/>
-                <a:ea typeface="Arial"/>
-                <a:cs typeface="Arial"/>
-                <a:sym typeface="Arial"/>
-              </a:rPr>
-              <a:t>Design patterns facilitate the process of designing a software</a:t>
-            </a:r>
-            <a:endParaRPr>
-              <a:solidFill>
-                <a:srgbClr val="212121"/>
-              </a:solidFill>
-              <a:highlight>
-                <a:srgbClr val="FFFFFF"/>
-              </a:highlight>
-              <a:latin typeface="Arial"/>
-              <a:ea typeface="Arial"/>
-              <a:cs typeface="Arial"/>
-              <a:sym typeface="Arial"/>
-            </a:endParaRPr>
-          </a:p>
-          <a:p>
-            <a:pPr indent="0" lvl="0" marL="0" rtl="0" algn="l">
-              <a:spcBef>
-                <a:spcPts val="1600"/>
-              </a:spcBef>
-              <a:spcAft>
-                <a:spcPts val="0"/>
-              </a:spcAft>
-              <a:buNone/>
-            </a:pPr>
-            <a:r>
-              <a:t/>
-            </a:r>
-            <a:endParaRPr>
-              <a:solidFill>
-                <a:srgbClr val="212121"/>
-              </a:solidFill>
-              <a:highlight>
-                <a:srgbClr val="FFFFFF"/>
-              </a:highlight>
-              <a:latin typeface="Arial"/>
-              <a:ea typeface="Arial"/>
-              <a:cs typeface="Arial"/>
-              <a:sym typeface="Arial"/>
-            </a:endParaRPr>
-          </a:p>
-          <a:p>
-            <a:pPr indent="-342900" lvl="0" marL="457200" rtl="0" algn="l">
-              <a:spcBef>
-                <a:spcPts val="1600"/>
-              </a:spcBef>
-              <a:spcAft>
-                <a:spcPts val="0"/>
-              </a:spcAft>
-              <a:buClr>
-                <a:srgbClr val="212121"/>
-              </a:buClr>
-              <a:buSzPts val="1800"/>
-              <a:buFont typeface="Arial"/>
-              <a:buChar char="●"/>
-            </a:pPr>
-            <a:r>
-              <a:rPr lang="es">
-                <a:solidFill>
-                  <a:srgbClr val="212121"/>
-                </a:solidFill>
-                <a:highlight>
-                  <a:srgbClr val="FFFFFF"/>
-                </a:highlight>
-                <a:latin typeface="Arial"/>
-                <a:ea typeface="Arial"/>
-                <a:cs typeface="Arial"/>
-                <a:sym typeface="Arial"/>
-              </a:rPr>
-              <a:t>Do not try to apply the design patterns with a shoehorn</a:t>
-            </a:r>
-            <a:endParaRPr>
-              <a:solidFill>
-                <a:srgbClr val="212121"/>
-              </a:solidFill>
-              <a:highlight>
-                <a:srgbClr val="FFFFFF"/>
-              </a:highlight>
-              <a:latin typeface="Arial"/>
-              <a:ea typeface="Arial"/>
-              <a:cs typeface="Arial"/>
-              <a:sym typeface="Arial"/>
-            </a:endParaRPr>
-          </a:p>
-        </p:txBody>
-      </p:sp>
       <p:pic>
         <p:nvPicPr>
-          <p:cNvPr id="483" name="Google Shape;483;p63"/>
+          <p:cNvPr id="474" name="Google Shape;474;p63"/>
           <p:cNvPicPr preferRelativeResize="0"/>
           <p:nvPr/>
         </p:nvPicPr>
@@ -26911,8 +26982,8 @@
         </p:blipFill>
         <p:spPr>
           <a:xfrm>
-            <a:off x="2245800" y="1422901"/>
-            <a:ext cx="771475" cy="789993"/>
+            <a:off x="1789400" y="1211350"/>
+            <a:ext cx="6324600" cy="3162300"/>
           </a:xfrm>
           <a:prstGeom prst="rect">
             <a:avLst/>
@@ -26923,57 +26994,6 @@
           </a:ln>
         </p:spPr>
       </p:pic>
-      <p:sp>
-        <p:nvSpPr>
-          <p:cNvPr id="484" name="Google Shape;484;p63"/>
-          <p:cNvSpPr/>
-          <p:nvPr/>
-        </p:nvSpPr>
-        <p:spPr>
-          <a:xfrm>
-            <a:off x="1996963" y="2737525"/>
-            <a:ext cx="1079700" cy="843000"/>
-          </a:xfrm>
-          <a:prstGeom prst="mathMultiply">
-            <a:avLst>
-              <a:gd fmla="val 23520" name="adj1"/>
-            </a:avLst>
-          </a:prstGeom>
-          <a:solidFill>
-            <a:srgbClr val="FF0000"/>
-          </a:solidFill>
-          <a:ln cap="flat" cmpd="sng" w="9525">
-            <a:solidFill>
-              <a:schemeClr val="dk2"/>
-            </a:solidFill>
-            <a:prstDash val="solid"/>
-            <a:round/>
-            <a:headEnd len="sm" w="sm" type="none"/>
-            <a:tailEnd len="sm" w="sm" type="none"/>
-          </a:ln>
-        </p:spPr>
-        <p:txBody>
-          <a:bodyPr anchorCtr="0" anchor="ctr" bIns="91425" lIns="91425" spcFirstLastPara="1" rIns="91425" wrap="square" tIns="91425">
-            <a:noAutofit/>
-          </a:bodyPr>
-          <a:lstStyle/>
-          <a:p>
-            <a:pPr indent="0" lvl="0" marL="0" rtl="0" algn="l">
-              <a:spcBef>
-                <a:spcPts val="0"/>
-              </a:spcBef>
-              <a:spcAft>
-                <a:spcPts val="0"/>
-              </a:spcAft>
-              <a:buNone/>
-            </a:pPr>
-            <a:r>
-              <a:t/>
-            </a:r>
-            <a:endParaRPr/>
-          </a:p>
-        </p:txBody>
-      </p:sp>
     </p:spTree>
   </p:cSld>
   <p:clrMapOvr>
@@ -26987,7 +27007,7 @@
   <p:cSld>
     <p:spTree>
       <p:nvGrpSpPr>
-        <p:cNvPr id="488" name="Shape 488"/>
+        <p:cNvPr id="478" name="Shape 478"/>
         <p:cNvGrpSpPr/>
         <p:nvPr/>
       </p:nvGrpSpPr>
@@ -27001,7 +27021,7 @@
       </p:grpSpPr>
       <p:sp>
         <p:nvSpPr>
-          <p:cNvPr id="489" name="Google Shape;489;p64"/>
+          <p:cNvPr id="479" name="Google Shape;479;p64"/>
           <p:cNvSpPr txBox="1"/>
           <p:nvPr>
             <p:ph type="title"/>
@@ -27009,15 +27029,15 @@
         </p:nvSpPr>
         <p:spPr>
           <a:xfrm>
-            <a:off x="297100" y="432218"/>
-            <a:ext cx="5651100" cy="988500"/>
+            <a:off x="2400250" y="575950"/>
+            <a:ext cx="6321600" cy="635400"/>
           </a:xfrm>
           <a:prstGeom prst="rect">
             <a:avLst/>
           </a:prstGeom>
         </p:spPr>
         <p:txBody>
-          <a:bodyPr anchorCtr="0" anchor="ctr" bIns="91425" lIns="91425" spcFirstLastPara="1" rIns="91425" wrap="square" tIns="91425">
+          <a:bodyPr anchorCtr="0" anchor="t" bIns="91425" lIns="91425" spcFirstLastPara="1" rIns="91425" wrap="square" tIns="91425">
             <a:noAutofit/>
           </a:bodyPr>
           <a:lstStyle/>
@@ -27032,24 +27052,16 @@
               <a:buNone/>
             </a:pPr>
             <a:r>
-              <a:rPr lang="es">
-                <a:solidFill>
-                  <a:srgbClr val="E69138"/>
-                </a:solidFill>
-              </a:rPr>
-              <a:t>Biography</a:t>
-            </a:r>
-            <a:endParaRPr>
-              <a:solidFill>
-                <a:srgbClr val="E69138"/>
-              </a:solidFill>
-            </a:endParaRPr>
+              <a:rPr lang="es"/>
+              <a:t>5.4 Strategy</a:t>
+            </a:r>
+            <a:endParaRPr/>
           </a:p>
         </p:txBody>
       </p:sp>
       <p:pic>
         <p:nvPicPr>
-          <p:cNvPr id="490" name="Google Shape;490;p64"/>
+          <p:cNvPr id="480" name="Google Shape;480;p64"/>
           <p:cNvPicPr preferRelativeResize="0"/>
           <p:nvPr/>
         </p:nvPicPr>
@@ -27075,16 +27087,24 @@
           </a:ln>
         </p:spPr>
       </p:pic>
-      <p:sp>
-        <p:nvSpPr>
-          <p:cNvPr id="491" name="Google Shape;491;p64"/>
-          <p:cNvSpPr txBox="1"/>
+      <p:pic>
+        <p:nvPicPr>
+          <p:cNvPr id="481" name="Google Shape;481;p64"/>
+          <p:cNvPicPr preferRelativeResize="0"/>
           <p:nvPr/>
-        </p:nvSpPr>
-        <p:spPr>
-          <a:xfrm>
-            <a:off x="1784475" y="1574675"/>
-            <a:ext cx="6900000" cy="3456900"/>
+        </p:nvPicPr>
+        <p:blipFill>
+          <a:blip r:embed="rId4">
+            <a:alphaModFix/>
+          </a:blip>
+          <a:stretch>
+            <a:fillRect/>
+          </a:stretch>
+        </p:blipFill>
+        <p:spPr>
+          <a:xfrm>
+            <a:off x="1816638" y="1000125"/>
+            <a:ext cx="5510725" cy="3726525"/>
           </a:xfrm>
           <a:prstGeom prst="rect">
             <a:avLst/>
@@ -27094,318 +27114,7 @@
             <a:noFill/>
           </a:ln>
         </p:spPr>
-        <p:txBody>
-          <a:bodyPr anchorCtr="0" anchor="t" bIns="91425" lIns="91425" spcFirstLastPara="1" rIns="91425" wrap="square" tIns="91425">
-            <a:noAutofit/>
-          </a:bodyPr>
-          <a:lstStyle/>
-          <a:p>
-            <a:pPr indent="0" lvl="0" marL="0" rtl="0" algn="l">
-              <a:spcBef>
-                <a:spcPts val="0"/>
-              </a:spcBef>
-              <a:spcAft>
-                <a:spcPts val="0"/>
-              </a:spcAft>
-              <a:buNone/>
-            </a:pPr>
-            <a:r>
-              <a:rPr b="1" lang="es" sz="1800">
-                <a:latin typeface="Lato"/>
-                <a:ea typeface="Lato"/>
-                <a:cs typeface="Lato"/>
-                <a:sym typeface="Lato"/>
-              </a:rPr>
-              <a:t>Wikipedia - Design Patterns</a:t>
-            </a:r>
-            <a:endParaRPr b="1" sz="1800">
-              <a:latin typeface="Lato"/>
-              <a:ea typeface="Lato"/>
-              <a:cs typeface="Lato"/>
-              <a:sym typeface="Lato"/>
-            </a:endParaRPr>
-          </a:p>
-          <a:p>
-            <a:pPr indent="457200" lvl="0" marL="0" rtl="0" algn="l">
-              <a:spcBef>
-                <a:spcPts val="0"/>
-              </a:spcBef>
-              <a:spcAft>
-                <a:spcPts val="0"/>
-              </a:spcAft>
-              <a:buNone/>
-            </a:pPr>
-            <a:r>
-              <a:rPr lang="es" sz="1200">
-                <a:solidFill>
-                  <a:srgbClr val="E69138"/>
-                </a:solidFill>
-                <a:uFill>
-                  <a:noFill/>
-                </a:uFill>
-                <a:hlinkClick r:id="rId4"/>
-              </a:rPr>
-              <a:t>https://en.wikipedia.org/wiki/Design_Patterns</a:t>
-            </a:r>
-            <a:endParaRPr sz="1200">
-              <a:solidFill>
-                <a:srgbClr val="E69138"/>
-              </a:solidFill>
-              <a:latin typeface="Lato"/>
-              <a:ea typeface="Lato"/>
-              <a:cs typeface="Lato"/>
-              <a:sym typeface="Lato"/>
-            </a:endParaRPr>
-          </a:p>
-          <a:p>
-            <a:pPr indent="0" lvl="0" marL="0" rtl="0" algn="l">
-              <a:spcBef>
-                <a:spcPts val="0"/>
-              </a:spcBef>
-              <a:spcAft>
-                <a:spcPts val="0"/>
-              </a:spcAft>
-              <a:buNone/>
-            </a:pPr>
-            <a:r>
-              <a:rPr b="1" lang="es" sz="1800">
-                <a:latin typeface="Lato"/>
-                <a:ea typeface="Lato"/>
-                <a:cs typeface="Lato"/>
-                <a:sym typeface="Lato"/>
-              </a:rPr>
-              <a:t>Wikipedia - Model View Controller</a:t>
-            </a:r>
-            <a:endParaRPr b="1" sz="1800">
-              <a:latin typeface="Lato"/>
-              <a:ea typeface="Lato"/>
-              <a:cs typeface="Lato"/>
-              <a:sym typeface="Lato"/>
-            </a:endParaRPr>
-          </a:p>
-          <a:p>
-            <a:pPr indent="457200" lvl="0" marL="0" rtl="0" algn="l">
-              <a:spcBef>
-                <a:spcPts val="0"/>
-              </a:spcBef>
-              <a:spcAft>
-                <a:spcPts val="0"/>
-              </a:spcAft>
-              <a:buNone/>
-            </a:pPr>
-            <a:r>
-              <a:rPr lang="es" sz="1200">
-                <a:solidFill>
-                  <a:srgbClr val="E69138"/>
-                </a:solidFill>
-                <a:uFill>
-                  <a:noFill/>
-                </a:uFill>
-                <a:hlinkClick r:id="rId5"/>
-              </a:rPr>
-              <a:t>https://en.wikipedia.org/wiki/Model%E2%80%93view%E2%80%93controller</a:t>
-            </a:r>
-            <a:endParaRPr sz="1200">
-              <a:solidFill>
-                <a:srgbClr val="E69138"/>
-              </a:solidFill>
-              <a:latin typeface="Lato"/>
-              <a:ea typeface="Lato"/>
-              <a:cs typeface="Lato"/>
-              <a:sym typeface="Lato"/>
-            </a:endParaRPr>
-          </a:p>
-          <a:p>
-            <a:pPr indent="0" lvl="0" marL="0" rtl="0" algn="l">
-              <a:spcBef>
-                <a:spcPts val="0"/>
-              </a:spcBef>
-              <a:spcAft>
-                <a:spcPts val="0"/>
-              </a:spcAft>
-              <a:buNone/>
-            </a:pPr>
-            <a:r>
-              <a:rPr b="1" lang="es" sz="1800">
-                <a:latin typeface="Lato"/>
-                <a:ea typeface="Lato"/>
-                <a:cs typeface="Lato"/>
-                <a:sym typeface="Lato"/>
-              </a:rPr>
-              <a:t>Black Wasp - Gang of four design patterns</a:t>
-            </a:r>
-            <a:endParaRPr b="1" sz="1800">
-              <a:latin typeface="Lato"/>
-              <a:ea typeface="Lato"/>
-              <a:cs typeface="Lato"/>
-              <a:sym typeface="Lato"/>
-            </a:endParaRPr>
-          </a:p>
-          <a:p>
-            <a:pPr indent="457200" lvl="0" marL="0" rtl="0" algn="l">
-              <a:spcBef>
-                <a:spcPts val="0"/>
-              </a:spcBef>
-              <a:spcAft>
-                <a:spcPts val="0"/>
-              </a:spcAft>
-              <a:buNone/>
-            </a:pPr>
-            <a:r>
-              <a:rPr lang="es" sz="1200">
-                <a:solidFill>
-                  <a:srgbClr val="E69138"/>
-                </a:solidFill>
-                <a:uFill>
-                  <a:noFill/>
-                </a:uFill>
-                <a:hlinkClick r:id="rId6"/>
-              </a:rPr>
-              <a:t>http://www.blackwasp.co.uk/gofpatterns.aspx</a:t>
-            </a:r>
-            <a:endParaRPr sz="1200">
-              <a:solidFill>
-                <a:srgbClr val="E69138"/>
-              </a:solidFill>
-              <a:latin typeface="Lato"/>
-              <a:ea typeface="Lato"/>
-              <a:cs typeface="Lato"/>
-              <a:sym typeface="Lato"/>
-            </a:endParaRPr>
-          </a:p>
-          <a:p>
-            <a:pPr indent="0" lvl="0" marL="0" rtl="0" algn="l">
-              <a:spcBef>
-                <a:spcPts val="0"/>
-              </a:spcBef>
-              <a:spcAft>
-                <a:spcPts val="0"/>
-              </a:spcAft>
-              <a:buNone/>
-            </a:pPr>
-            <a:r>
-              <a:rPr b="1" lang="es" sz="1800">
-                <a:latin typeface="Lato"/>
-                <a:ea typeface="Lato"/>
-                <a:cs typeface="Lato"/>
-                <a:sym typeface="Lato"/>
-              </a:rPr>
-              <a:t>Journal Dev - Java Design Patterns</a:t>
-            </a:r>
-            <a:endParaRPr b="1" sz="1800">
-              <a:latin typeface="Lato"/>
-              <a:ea typeface="Lato"/>
-              <a:cs typeface="Lato"/>
-              <a:sym typeface="Lato"/>
-            </a:endParaRPr>
-          </a:p>
-          <a:p>
-            <a:pPr indent="457200" lvl="0" marL="0" rtl="0" algn="l">
-              <a:spcBef>
-                <a:spcPts val="0"/>
-              </a:spcBef>
-              <a:spcAft>
-                <a:spcPts val="0"/>
-              </a:spcAft>
-              <a:buNone/>
-            </a:pPr>
-            <a:r>
-              <a:rPr lang="es" sz="1200">
-                <a:solidFill>
-                  <a:srgbClr val="E69138"/>
-                </a:solidFill>
-                <a:uFill>
-                  <a:noFill/>
-                </a:uFill>
-                <a:hlinkClick r:id="rId7"/>
-              </a:rPr>
-              <a:t>https://www.journaldev.com/1827/java-design-patterns-example-tutorial</a:t>
-            </a:r>
-            <a:endParaRPr sz="1200">
-              <a:solidFill>
-                <a:srgbClr val="E69138"/>
-              </a:solidFill>
-              <a:latin typeface="Lato"/>
-              <a:ea typeface="Lato"/>
-              <a:cs typeface="Lato"/>
-              <a:sym typeface="Lato"/>
-            </a:endParaRPr>
-          </a:p>
-          <a:p>
-            <a:pPr indent="0" lvl="0" marL="0" rtl="0" algn="l">
-              <a:spcBef>
-                <a:spcPts val="0"/>
-              </a:spcBef>
-              <a:spcAft>
-                <a:spcPts val="0"/>
-              </a:spcAft>
-              <a:buNone/>
-            </a:pPr>
-            <a:r>
-              <a:rPr b="1" lang="es" sz="1800">
-                <a:latin typeface="Lato"/>
-                <a:ea typeface="Lato"/>
-                <a:cs typeface="Lato"/>
-                <a:sym typeface="Lato"/>
-              </a:rPr>
-              <a:t>Source Making - Design Patterns</a:t>
-            </a:r>
-            <a:endParaRPr sz="1200">
-              <a:solidFill>
-                <a:srgbClr val="783F04"/>
-              </a:solidFill>
-              <a:latin typeface="Lato"/>
-              <a:ea typeface="Lato"/>
-              <a:cs typeface="Lato"/>
-              <a:sym typeface="Lato"/>
-            </a:endParaRPr>
-          </a:p>
-          <a:p>
-            <a:pPr indent="0" lvl="0" marL="0" rtl="0" algn="l">
-              <a:spcBef>
-                <a:spcPts val="0"/>
-              </a:spcBef>
-              <a:spcAft>
-                <a:spcPts val="0"/>
-              </a:spcAft>
-              <a:buNone/>
-            </a:pPr>
-            <a:r>
-              <a:rPr lang="es" sz="1200">
-                <a:solidFill>
-                  <a:srgbClr val="783F04"/>
-                </a:solidFill>
-                <a:latin typeface="Lato"/>
-                <a:ea typeface="Lato"/>
-                <a:cs typeface="Lato"/>
-                <a:sym typeface="Lato"/>
-              </a:rPr>
-              <a:t>	</a:t>
-            </a:r>
-            <a:r>
-              <a:rPr lang="es" sz="1200">
-                <a:solidFill>
-                  <a:srgbClr val="E69138"/>
-                </a:solidFill>
-                <a:uFill>
-                  <a:noFill/>
-                </a:uFill>
-                <a:hlinkClick r:id="rId8"/>
-              </a:rPr>
-              <a:t>https://sourcemaking.com/design_patterns</a:t>
-            </a:r>
-            <a:endParaRPr sz="1200">
-              <a:solidFill>
-                <a:srgbClr val="E69138"/>
-              </a:solidFill>
-              <a:latin typeface="Lato"/>
-              <a:ea typeface="Lato"/>
-              <a:cs typeface="Lato"/>
-              <a:sym typeface="Lato"/>
-            </a:endParaRPr>
-          </a:p>
-        </p:txBody>
-      </p:sp>
+      </p:pic>
     </p:spTree>
   </p:cSld>
   <p:clrMapOvr>
@@ -27419,7 +27128,7 @@
   <p:cSld>
     <p:spTree>
       <p:nvGrpSpPr>
-        <p:cNvPr id="495" name="Shape 495"/>
+        <p:cNvPr id="485" name="Shape 485"/>
         <p:cNvGrpSpPr/>
         <p:nvPr/>
       </p:nvGrpSpPr>
@@ -27433,7 +27142,7 @@
       </p:grpSpPr>
       <p:sp>
         <p:nvSpPr>
-          <p:cNvPr id="496" name="Google Shape;496;p65"/>
+          <p:cNvPr id="486" name="Google Shape;486;p65"/>
           <p:cNvSpPr txBox="1"/>
           <p:nvPr>
             <p:ph type="title"/>
@@ -27441,15 +27150,15 @@
         </p:nvSpPr>
         <p:spPr>
           <a:xfrm>
-            <a:off x="297100" y="432218"/>
-            <a:ext cx="5651100" cy="988500"/>
+            <a:off x="2400250" y="575950"/>
+            <a:ext cx="6321600" cy="635400"/>
           </a:xfrm>
           <a:prstGeom prst="rect">
             <a:avLst/>
           </a:prstGeom>
         </p:spPr>
         <p:txBody>
-          <a:bodyPr anchorCtr="0" anchor="ctr" bIns="91425" lIns="91425" spcFirstLastPara="1" rIns="91425" wrap="square" tIns="91425">
+          <a:bodyPr anchorCtr="0" anchor="t" bIns="91425" lIns="91425" spcFirstLastPara="1" rIns="91425" wrap="square" tIns="91425">
             <a:noAutofit/>
           </a:bodyPr>
           <a:lstStyle/>
@@ -27464,24 +27173,16 @@
               <a:buNone/>
             </a:pPr>
             <a:r>
-              <a:rPr lang="es">
-                <a:solidFill>
-                  <a:srgbClr val="E69138"/>
-                </a:solidFill>
-              </a:rPr>
-              <a:t>Thank you!</a:t>
-            </a:r>
-            <a:endParaRPr>
-              <a:solidFill>
-                <a:srgbClr val="E69138"/>
-              </a:solidFill>
-            </a:endParaRPr>
+              <a:rPr lang="es"/>
+              <a:t>5.4 Interpreter</a:t>
+            </a:r>
+            <a:endParaRPr/>
           </a:p>
         </p:txBody>
       </p:sp>
       <p:pic>
         <p:nvPicPr>
-          <p:cNvPr id="497" name="Google Shape;497;p65"/>
+          <p:cNvPr id="487" name="Google Shape;487;p65"/>
           <p:cNvPicPr preferRelativeResize="0"/>
           <p:nvPr/>
         </p:nvPicPr>
@@ -27509,14 +27210,14 @@
       </p:pic>
       <p:sp>
         <p:nvSpPr>
-          <p:cNvPr id="498" name="Google Shape;498;p65"/>
+          <p:cNvPr id="488" name="Google Shape;488;p65"/>
           <p:cNvSpPr txBox="1"/>
           <p:nvPr/>
         </p:nvSpPr>
         <p:spPr>
           <a:xfrm>
-            <a:off x="1472250" y="1420725"/>
-            <a:ext cx="6900000" cy="3456900"/>
+            <a:off x="2218350" y="1431625"/>
+            <a:ext cx="6298200" cy="3065100"/>
           </a:xfrm>
           <a:prstGeom prst="rect">
             <a:avLst/>
@@ -27532,19 +27233,36 @@
           </a:bodyPr>
           <a:lstStyle/>
           <a:p>
-            <a:pPr indent="457200" lvl="0" marL="0" rtl="0" algn="ctr">
-              <a:spcBef>
-                <a:spcPts val="0"/>
-              </a:spcBef>
-              <a:spcAft>
-                <a:spcPts val="0"/>
-              </a:spcAft>
-              <a:buNone/>
-            </a:pPr>
-            <a:r>
-              <a:t/>
-            </a:r>
-            <a:endParaRPr b="1" sz="3000">
+            <a:pPr indent="-317500" lvl="0" marL="457200" rtl="0" algn="l">
+              <a:spcBef>
+                <a:spcPts val="0"/>
+              </a:spcBef>
+              <a:spcAft>
+                <a:spcPts val="0"/>
+              </a:spcAft>
+              <a:buClr>
+                <a:schemeClr val="dk2"/>
+              </a:buClr>
+              <a:buSzPts val="1400"/>
+              <a:buFont typeface="Lato"/>
+              <a:buChar char="●"/>
+            </a:pPr>
+            <a:r>
+              <a:rPr lang="es">
+                <a:solidFill>
+                  <a:schemeClr val="dk2"/>
+                </a:solidFill>
+                <a:latin typeface="Lato"/>
+                <a:ea typeface="Lato"/>
+                <a:cs typeface="Lato"/>
+                <a:sym typeface="Lato"/>
+              </a:rPr>
+              <a:t>Given a language, define a representation for its grammar along with an interpreter that uses the representation to interpret sentences in the language.</a:t>
+            </a:r>
+            <a:endParaRPr>
+              <a:solidFill>
+                <a:schemeClr val="dk2"/>
+              </a:solidFill>
               <a:latin typeface="Lato"/>
               <a:ea typeface="Lato"/>
               <a:cs typeface="Lato"/>
@@ -27552,7 +27270,7 @@
             </a:endParaRPr>
           </a:p>
           <a:p>
-            <a:pPr indent="457200" lvl="0" marL="0" rtl="0" algn="ctr">
+            <a:pPr indent="0" lvl="0" marL="457200" rtl="0" algn="l">
               <a:spcBef>
                 <a:spcPts val="0"/>
               </a:spcBef>
@@ -27564,7 +27282,10 @@
             <a:r>
               <a:t/>
             </a:r>
-            <a:endParaRPr b="1" sz="3000">
+            <a:endParaRPr>
+              <a:solidFill>
+                <a:schemeClr val="dk2"/>
+              </a:solidFill>
               <a:latin typeface="Lato"/>
               <a:ea typeface="Lato"/>
               <a:cs typeface="Lato"/>
@@ -27572,25 +27293,36 @@
             </a:endParaRPr>
           </a:p>
           <a:p>
-            <a:pPr indent="457200" lvl="0" marL="0" rtl="0" algn="ctr">
-              <a:spcBef>
-                <a:spcPts val="0"/>
-              </a:spcBef>
-              <a:spcAft>
-                <a:spcPts val="0"/>
-              </a:spcAft>
-              <a:buNone/>
-            </a:pPr>
-            <a:r>
-              <a:rPr b="1" lang="es" sz="4800">
+            <a:pPr indent="-317500" lvl="0" marL="457200" rtl="0" algn="l">
+              <a:spcBef>
+                <a:spcPts val="0"/>
+              </a:spcBef>
+              <a:spcAft>
+                <a:spcPts val="0"/>
+              </a:spcAft>
+              <a:buClr>
+                <a:schemeClr val="dk2"/>
+              </a:buClr>
+              <a:buSzPts val="1400"/>
+              <a:buFont typeface="Lato"/>
+              <a:buChar char="●"/>
+            </a:pPr>
+            <a:r>
+              <a:rPr lang="es">
+                <a:solidFill>
+                  <a:schemeClr val="dk2"/>
+                </a:solidFill>
                 <a:latin typeface="Lato"/>
                 <a:ea typeface="Lato"/>
                 <a:cs typeface="Lato"/>
                 <a:sym typeface="Lato"/>
               </a:rPr>
-              <a:t>ANY QUESTIONS?</a:t>
-            </a:r>
-            <a:endParaRPr b="1" sz="4800">
+              <a:t>Map a domain to a language, the language to a grammar, and the grammar to a hierarchical object-oriented design.</a:t>
+            </a:r>
+            <a:endParaRPr>
+              <a:solidFill>
+                <a:schemeClr val="dk2"/>
+              </a:solidFill>
               <a:latin typeface="Lato"/>
               <a:ea typeface="Lato"/>
               <a:cs typeface="Lato"/>
@@ -27598,7 +27330,7 @@
             </a:endParaRPr>
           </a:p>
           <a:p>
-            <a:pPr indent="457200" lvl="0" marL="0" rtl="0" algn="ctr">
+            <a:pPr indent="0" lvl="0" marL="457200" rtl="0" algn="l">
               <a:spcBef>
                 <a:spcPts val="0"/>
               </a:spcBef>
@@ -27610,7 +27342,10 @@
             <a:r>
               <a:t/>
             </a:r>
-            <a:endParaRPr b="1" sz="3000">
+            <a:endParaRPr>
+              <a:solidFill>
+                <a:schemeClr val="dk2"/>
+              </a:solidFill>
               <a:latin typeface="Lato"/>
               <a:ea typeface="Lato"/>
               <a:cs typeface="Lato"/>
@@ -27618,7 +27353,7 @@
             </a:endParaRPr>
           </a:p>
           <a:p>
-            <a:pPr indent="457200" lvl="0" marL="0" rtl="0" algn="ctr">
+            <a:pPr indent="0" lvl="0" marL="0" rtl="0" algn="l">
               <a:spcBef>
                 <a:spcPts val="0"/>
               </a:spcBef>
@@ -27630,27 +27365,284 @@
             <a:r>
               <a:t/>
             </a:r>
-            <a:endParaRPr b="1" sz="3000">
+            <a:endParaRPr>
               <a:latin typeface="Lato"/>
               <a:ea typeface="Lato"/>
               <a:cs typeface="Lato"/>
               <a:sym typeface="Lato"/>
             </a:endParaRPr>
           </a:p>
-          <a:p>
-            <a:pPr indent="457200" lvl="0" marL="0" rtl="0" algn="ctr">
-              <a:spcBef>
-                <a:spcPts val="0"/>
-              </a:spcBef>
-              <a:spcAft>
-                <a:spcPts val="0"/>
-              </a:spcAft>
-              <a:buNone/>
-            </a:pPr>
-            <a:r>
-              <a:t/>
-            </a:r>
-            <a:endParaRPr b="1" sz="3000">
+        </p:txBody>
+      </p:sp>
+    </p:spTree>
+  </p:cSld>
+  <p:clrMapOvr>
+    <a:masterClrMapping/>
+  </p:clrMapOvr>
+</p:sld>
+</file>
+
+<file path=ppt/slides/slide54.xml><?xml version="1.0" encoding="utf-8"?>
+<p:sld xmlns:a="http://schemas.openxmlformats.org/drawingml/2006/main" xmlns:r="http://schemas.openxmlformats.org/officeDocument/2006/relationships" xmlns:mc="http://schemas.openxmlformats.org/markup-compatibility/2006" xmlns:mv="urn:schemas-microsoft-com:mac:vml" xmlns:p="http://schemas.openxmlformats.org/presentationml/2006/main" xmlns:c="http://schemas.openxmlformats.org/drawingml/2006/chart" xmlns:dgm="http://schemas.openxmlformats.org/drawingml/2006/diagram" xmlns:o="urn:schemas-microsoft-com:office:office" xmlns:v="urn:schemas-microsoft-com:vml" xmlns:pvml="urn:schemas-microsoft-com:office:powerpoint" xmlns:com="http://schemas.openxmlformats.org/drawingml/2006/compatibility" xmlns:p14="http://schemas.microsoft.com/office/powerpoint/2010/main" xmlns:p15="http://schemas.microsoft.com/office/powerpoint/2012/main">
+  <p:cSld>
+    <p:spTree>
+      <p:nvGrpSpPr>
+        <p:cNvPr id="492" name="Shape 492"/>
+        <p:cNvGrpSpPr/>
+        <p:nvPr/>
+      </p:nvGrpSpPr>
+      <p:grpSpPr>
+        <a:xfrm>
+          <a:off x="0" y="0"/>
+          <a:ext cx="0" cy="0"/>
+          <a:chOff x="0" y="0"/>
+          <a:chExt cx="0" cy="0"/>
+        </a:xfrm>
+      </p:grpSpPr>
+      <p:sp>
+        <p:nvSpPr>
+          <p:cNvPr id="493" name="Google Shape;493;p66"/>
+          <p:cNvSpPr txBox="1"/>
+          <p:nvPr>
+            <p:ph type="title"/>
+          </p:nvPr>
+        </p:nvSpPr>
+        <p:spPr>
+          <a:xfrm>
+            <a:off x="2400250" y="575950"/>
+            <a:ext cx="6321600" cy="635400"/>
+          </a:xfrm>
+          <a:prstGeom prst="rect">
+            <a:avLst/>
+          </a:prstGeom>
+        </p:spPr>
+        <p:txBody>
+          <a:bodyPr anchorCtr="0" anchor="t" bIns="91425" lIns="91425" spcFirstLastPara="1" rIns="91425" wrap="square" tIns="91425">
+            <a:noAutofit/>
+          </a:bodyPr>
+          <a:lstStyle/>
+          <a:p>
+            <a:pPr indent="0" lvl="0" marL="0" rtl="0" algn="l">
+              <a:spcBef>
+                <a:spcPts val="0"/>
+              </a:spcBef>
+              <a:spcAft>
+                <a:spcPts val="0"/>
+              </a:spcAft>
+              <a:buNone/>
+            </a:pPr>
+            <a:r>
+              <a:rPr lang="es"/>
+              <a:t>5.4 Interpreter</a:t>
+            </a:r>
+            <a:endParaRPr/>
+          </a:p>
+        </p:txBody>
+      </p:sp>
+      <p:pic>
+        <p:nvPicPr>
+          <p:cNvPr id="494" name="Google Shape;494;p66"/>
+          <p:cNvPicPr preferRelativeResize="0"/>
+          <p:nvPr/>
+        </p:nvPicPr>
+        <p:blipFill>
+          <a:blip r:embed="rId3">
+            <a:alphaModFix/>
+          </a:blip>
+          <a:stretch>
+            <a:fillRect/>
+          </a:stretch>
+        </p:blipFill>
+        <p:spPr>
+          <a:xfrm>
+            <a:off x="173725" y="3637350"/>
+            <a:ext cx="750150" cy="1350275"/>
+          </a:xfrm>
+          <a:prstGeom prst="rect">
+            <a:avLst/>
+          </a:prstGeom>
+          <a:noFill/>
+          <a:ln>
+            <a:noFill/>
+          </a:ln>
+        </p:spPr>
+      </p:pic>
+      <p:pic>
+        <p:nvPicPr>
+          <p:cNvPr id="495" name="Google Shape;495;p66"/>
+          <p:cNvPicPr preferRelativeResize="0"/>
+          <p:nvPr/>
+        </p:nvPicPr>
+        <p:blipFill>
+          <a:blip r:embed="rId4">
+            <a:alphaModFix/>
+          </a:blip>
+          <a:stretch>
+            <a:fillRect/>
+          </a:stretch>
+        </p:blipFill>
+        <p:spPr>
+          <a:xfrm>
+            <a:off x="1862775" y="982800"/>
+            <a:ext cx="5895849" cy="3872825"/>
+          </a:xfrm>
+          <a:prstGeom prst="rect">
+            <a:avLst/>
+          </a:prstGeom>
+          <a:noFill/>
+          <a:ln>
+            <a:noFill/>
+          </a:ln>
+        </p:spPr>
+      </p:pic>
+    </p:spTree>
+  </p:cSld>
+  <p:clrMapOvr>
+    <a:masterClrMapping/>
+  </p:clrMapOvr>
+</p:sld>
+</file>
+
+<file path=ppt/slides/slide55.xml><?xml version="1.0" encoding="utf-8"?>
+<p:sld xmlns:a="http://schemas.openxmlformats.org/drawingml/2006/main" xmlns:r="http://schemas.openxmlformats.org/officeDocument/2006/relationships" xmlns:mc="http://schemas.openxmlformats.org/markup-compatibility/2006" xmlns:mv="urn:schemas-microsoft-com:mac:vml" xmlns:p="http://schemas.openxmlformats.org/presentationml/2006/main" xmlns:c="http://schemas.openxmlformats.org/drawingml/2006/chart" xmlns:dgm="http://schemas.openxmlformats.org/drawingml/2006/diagram" xmlns:o="urn:schemas-microsoft-com:office:office" xmlns:v="urn:schemas-microsoft-com:vml" xmlns:pvml="urn:schemas-microsoft-com:office:powerpoint" xmlns:com="http://schemas.openxmlformats.org/drawingml/2006/compatibility" xmlns:p14="http://schemas.microsoft.com/office/powerpoint/2010/main" xmlns:p15="http://schemas.microsoft.com/office/powerpoint/2012/main">
+  <p:cSld>
+    <p:spTree>
+      <p:nvGrpSpPr>
+        <p:cNvPr id="499" name="Shape 499"/>
+        <p:cNvGrpSpPr/>
+        <p:nvPr/>
+      </p:nvGrpSpPr>
+      <p:grpSpPr>
+        <a:xfrm>
+          <a:off x="0" y="0"/>
+          <a:ext cx="0" cy="0"/>
+          <a:chOff x="0" y="0"/>
+          <a:chExt cx="0" cy="0"/>
+        </a:xfrm>
+      </p:grpSpPr>
+      <p:sp>
+        <p:nvSpPr>
+          <p:cNvPr id="500" name="Google Shape;500;p67"/>
+          <p:cNvSpPr txBox="1"/>
+          <p:nvPr>
+            <p:ph type="title"/>
+          </p:nvPr>
+        </p:nvSpPr>
+        <p:spPr>
+          <a:xfrm>
+            <a:off x="2400250" y="575950"/>
+            <a:ext cx="6321600" cy="635400"/>
+          </a:xfrm>
+          <a:prstGeom prst="rect">
+            <a:avLst/>
+          </a:prstGeom>
+        </p:spPr>
+        <p:txBody>
+          <a:bodyPr anchorCtr="0" anchor="t" bIns="91425" lIns="91425" spcFirstLastPara="1" rIns="91425" wrap="square" tIns="91425">
+            <a:noAutofit/>
+          </a:bodyPr>
+          <a:lstStyle/>
+          <a:p>
+            <a:pPr indent="0" lvl="0" marL="0" rtl="0" algn="l">
+              <a:spcBef>
+                <a:spcPts val="0"/>
+              </a:spcBef>
+              <a:spcAft>
+                <a:spcPts val="0"/>
+              </a:spcAft>
+              <a:buNone/>
+            </a:pPr>
+            <a:r>
+              <a:rPr lang="es"/>
+              <a:t>5.4 Iterator</a:t>
+            </a:r>
+            <a:endParaRPr/>
+          </a:p>
+        </p:txBody>
+      </p:sp>
+      <p:pic>
+        <p:nvPicPr>
+          <p:cNvPr id="501" name="Google Shape;501;p67"/>
+          <p:cNvPicPr preferRelativeResize="0"/>
+          <p:nvPr/>
+        </p:nvPicPr>
+        <p:blipFill>
+          <a:blip r:embed="rId3">
+            <a:alphaModFix/>
+          </a:blip>
+          <a:stretch>
+            <a:fillRect/>
+          </a:stretch>
+        </p:blipFill>
+        <p:spPr>
+          <a:xfrm>
+            <a:off x="173725" y="3637350"/>
+            <a:ext cx="750150" cy="1350275"/>
+          </a:xfrm>
+          <a:prstGeom prst="rect">
+            <a:avLst/>
+          </a:prstGeom>
+          <a:noFill/>
+          <a:ln>
+            <a:noFill/>
+          </a:ln>
+        </p:spPr>
+      </p:pic>
+      <p:sp>
+        <p:nvSpPr>
+          <p:cNvPr id="502" name="Google Shape;502;p67"/>
+          <p:cNvSpPr txBox="1"/>
+          <p:nvPr/>
+        </p:nvSpPr>
+        <p:spPr>
+          <a:xfrm>
+            <a:off x="2218350" y="1431625"/>
+            <a:ext cx="6298200" cy="3065100"/>
+          </a:xfrm>
+          <a:prstGeom prst="rect">
+            <a:avLst/>
+          </a:prstGeom>
+          <a:noFill/>
+          <a:ln>
+            <a:noFill/>
+          </a:ln>
+        </p:spPr>
+        <p:txBody>
+          <a:bodyPr anchorCtr="0" anchor="t" bIns="91425" lIns="91425" spcFirstLastPara="1" rIns="91425" wrap="square" tIns="91425">
+            <a:noAutofit/>
+          </a:bodyPr>
+          <a:lstStyle/>
+          <a:p>
+            <a:pPr indent="-317500" lvl="0" marL="457200" rtl="0" algn="l">
+              <a:spcBef>
+                <a:spcPts val="0"/>
+              </a:spcBef>
+              <a:spcAft>
+                <a:spcPts val="0"/>
+              </a:spcAft>
+              <a:buClr>
+                <a:schemeClr val="dk2"/>
+              </a:buClr>
+              <a:buSzPts val="1400"/>
+              <a:buFont typeface="Lato"/>
+              <a:buChar char="●"/>
+            </a:pPr>
+            <a:r>
+              <a:rPr lang="es">
+                <a:solidFill>
+                  <a:schemeClr val="dk2"/>
+                </a:solidFill>
+                <a:latin typeface="Lato"/>
+                <a:ea typeface="Lato"/>
+                <a:cs typeface="Lato"/>
+                <a:sym typeface="Lato"/>
+              </a:rPr>
+              <a:t>Provide a way to access the elements of an aggregate object sequentially without exposing its underlying representation.</a:t>
+            </a:r>
+            <a:endParaRPr>
+              <a:solidFill>
+                <a:schemeClr val="dk2"/>
+              </a:solidFill>
               <a:latin typeface="Lato"/>
               <a:ea typeface="Lato"/>
               <a:cs typeface="Lato"/>
@@ -27658,7 +27650,7 @@
             </a:endParaRPr>
           </a:p>
           <a:p>
-            <a:pPr indent="457200" lvl="0" marL="0" rtl="0" algn="ctr">
+            <a:pPr indent="0" lvl="0" marL="457200" rtl="0" algn="l">
               <a:spcBef>
                 <a:spcPts val="0"/>
               </a:spcBef>
@@ -27670,15 +27662,859 @@
             <a:r>
               <a:t/>
             </a:r>
-            <a:endParaRPr b="1" sz="3000">
+            <a:endParaRPr>
+              <a:solidFill>
+                <a:schemeClr val="dk2"/>
+              </a:solidFill>
               <a:latin typeface="Lato"/>
               <a:ea typeface="Lato"/>
               <a:cs typeface="Lato"/>
               <a:sym typeface="Lato"/>
             </a:endParaRPr>
           </a:p>
+          <a:p>
+            <a:pPr indent="-317500" lvl="0" marL="457200" rtl="0" algn="l">
+              <a:spcBef>
+                <a:spcPts val="0"/>
+              </a:spcBef>
+              <a:spcAft>
+                <a:spcPts val="0"/>
+              </a:spcAft>
+              <a:buClr>
+                <a:schemeClr val="dk2"/>
+              </a:buClr>
+              <a:buSzPts val="1400"/>
+              <a:buFont typeface="Lato"/>
+              <a:buChar char="●"/>
+            </a:pPr>
+            <a:r>
+              <a:rPr lang="es">
+                <a:solidFill>
+                  <a:schemeClr val="dk2"/>
+                </a:solidFill>
+                <a:latin typeface="Lato"/>
+                <a:ea typeface="Lato"/>
+                <a:cs typeface="Lato"/>
+                <a:sym typeface="Lato"/>
+              </a:rPr>
+              <a:t>The C++ and Java standard library abstraction that makes it possible to decouple collection classes and algorithms.</a:t>
+            </a:r>
+            <a:endParaRPr>
+              <a:solidFill>
+                <a:schemeClr val="dk2"/>
+              </a:solidFill>
+              <a:latin typeface="Lato"/>
+              <a:ea typeface="Lato"/>
+              <a:cs typeface="Lato"/>
+              <a:sym typeface="Lato"/>
+            </a:endParaRPr>
+          </a:p>
+          <a:p>
+            <a:pPr indent="0" lvl="0" marL="457200" rtl="0" algn="l">
+              <a:spcBef>
+                <a:spcPts val="0"/>
+              </a:spcBef>
+              <a:spcAft>
+                <a:spcPts val="0"/>
+              </a:spcAft>
+              <a:buNone/>
+            </a:pPr>
+            <a:r>
+              <a:t/>
+            </a:r>
+            <a:endParaRPr>
+              <a:solidFill>
+                <a:schemeClr val="dk2"/>
+              </a:solidFill>
+              <a:latin typeface="Lato"/>
+              <a:ea typeface="Lato"/>
+              <a:cs typeface="Lato"/>
+              <a:sym typeface="Lato"/>
+            </a:endParaRPr>
+          </a:p>
+          <a:p>
+            <a:pPr indent="-317500" lvl="0" marL="457200" rtl="0" algn="l">
+              <a:spcBef>
+                <a:spcPts val="0"/>
+              </a:spcBef>
+              <a:spcAft>
+                <a:spcPts val="0"/>
+              </a:spcAft>
+              <a:buClr>
+                <a:schemeClr val="dk2"/>
+              </a:buClr>
+              <a:buSzPts val="1400"/>
+              <a:buFont typeface="Lato"/>
+              <a:buChar char="●"/>
+            </a:pPr>
+            <a:r>
+              <a:rPr lang="es">
+                <a:solidFill>
+                  <a:schemeClr val="dk2"/>
+                </a:solidFill>
+                <a:latin typeface="Lato"/>
+                <a:ea typeface="Lato"/>
+                <a:cs typeface="Lato"/>
+                <a:sym typeface="Lato"/>
+              </a:rPr>
+              <a:t>Promote to "full object status" the traversal of a collection.</a:t>
+            </a:r>
+            <a:endParaRPr>
+              <a:solidFill>
+                <a:schemeClr val="dk2"/>
+              </a:solidFill>
+              <a:latin typeface="Lato"/>
+              <a:ea typeface="Lato"/>
+              <a:cs typeface="Lato"/>
+              <a:sym typeface="Lato"/>
+            </a:endParaRPr>
+          </a:p>
+          <a:p>
+            <a:pPr indent="0" lvl="0" marL="457200" rtl="0" algn="l">
+              <a:spcBef>
+                <a:spcPts val="0"/>
+              </a:spcBef>
+              <a:spcAft>
+                <a:spcPts val="0"/>
+              </a:spcAft>
+              <a:buNone/>
+            </a:pPr>
+            <a:r>
+              <a:t/>
+            </a:r>
+            <a:endParaRPr>
+              <a:solidFill>
+                <a:schemeClr val="dk2"/>
+              </a:solidFill>
+              <a:latin typeface="Lato"/>
+              <a:ea typeface="Lato"/>
+              <a:cs typeface="Lato"/>
+              <a:sym typeface="Lato"/>
+            </a:endParaRPr>
+          </a:p>
+          <a:p>
+            <a:pPr indent="-317500" lvl="0" marL="457200" rtl="0" algn="l">
+              <a:spcBef>
+                <a:spcPts val="0"/>
+              </a:spcBef>
+              <a:spcAft>
+                <a:spcPts val="0"/>
+              </a:spcAft>
+              <a:buClr>
+                <a:schemeClr val="dk2"/>
+              </a:buClr>
+              <a:buSzPts val="1400"/>
+              <a:buFont typeface="Lato"/>
+              <a:buChar char="●"/>
+            </a:pPr>
+            <a:r>
+              <a:rPr lang="es">
+                <a:solidFill>
+                  <a:schemeClr val="dk2"/>
+                </a:solidFill>
+                <a:latin typeface="Lato"/>
+                <a:ea typeface="Lato"/>
+                <a:cs typeface="Lato"/>
+                <a:sym typeface="Lato"/>
+              </a:rPr>
+              <a:t>Polymorphic traversal</a:t>
+            </a:r>
+            <a:endParaRPr>
+              <a:solidFill>
+                <a:schemeClr val="dk2"/>
+              </a:solidFill>
+              <a:latin typeface="Lato"/>
+              <a:ea typeface="Lato"/>
+              <a:cs typeface="Lato"/>
+              <a:sym typeface="Lato"/>
+            </a:endParaRPr>
+          </a:p>
+          <a:p>
+            <a:pPr indent="0" lvl="0" marL="457200" rtl="0" algn="l">
+              <a:spcBef>
+                <a:spcPts val="0"/>
+              </a:spcBef>
+              <a:spcAft>
+                <a:spcPts val="0"/>
+              </a:spcAft>
+              <a:buNone/>
+            </a:pPr>
+            <a:r>
+              <a:t/>
+            </a:r>
+            <a:endParaRPr>
+              <a:solidFill>
+                <a:schemeClr val="dk2"/>
+              </a:solidFill>
+              <a:latin typeface="Lato"/>
+              <a:ea typeface="Lato"/>
+              <a:cs typeface="Lato"/>
+              <a:sym typeface="Lato"/>
+            </a:endParaRPr>
+          </a:p>
+          <a:p>
+            <a:pPr indent="0" lvl="0" marL="0" rtl="0" algn="l">
+              <a:spcBef>
+                <a:spcPts val="0"/>
+              </a:spcBef>
+              <a:spcAft>
+                <a:spcPts val="0"/>
+              </a:spcAft>
+              <a:buNone/>
+            </a:pPr>
+            <a:r>
+              <a:t/>
+            </a:r>
+            <a:endParaRPr>
+              <a:latin typeface="Lato"/>
+              <a:ea typeface="Lato"/>
+              <a:cs typeface="Lato"/>
+              <a:sym typeface="Lato"/>
+            </a:endParaRPr>
+          </a:p>
         </p:txBody>
       </p:sp>
+    </p:spTree>
+  </p:cSld>
+  <p:clrMapOvr>
+    <a:masterClrMapping/>
+  </p:clrMapOvr>
+</p:sld>
+</file>
+
+<file path=ppt/slides/slide56.xml><?xml version="1.0" encoding="utf-8"?>
+<p:sld xmlns:a="http://schemas.openxmlformats.org/drawingml/2006/main" xmlns:r="http://schemas.openxmlformats.org/officeDocument/2006/relationships" xmlns:mc="http://schemas.openxmlformats.org/markup-compatibility/2006" xmlns:mv="urn:schemas-microsoft-com:mac:vml" xmlns:p="http://schemas.openxmlformats.org/presentationml/2006/main" xmlns:c="http://schemas.openxmlformats.org/drawingml/2006/chart" xmlns:dgm="http://schemas.openxmlformats.org/drawingml/2006/diagram" xmlns:o="urn:schemas-microsoft-com:office:office" xmlns:v="urn:schemas-microsoft-com:vml" xmlns:pvml="urn:schemas-microsoft-com:office:powerpoint" xmlns:com="http://schemas.openxmlformats.org/drawingml/2006/compatibility" xmlns:p14="http://schemas.microsoft.com/office/powerpoint/2010/main" xmlns:p15="http://schemas.microsoft.com/office/powerpoint/2012/main">
+  <p:cSld>
+    <p:spTree>
+      <p:nvGrpSpPr>
+        <p:cNvPr id="506" name="Shape 506"/>
+        <p:cNvGrpSpPr/>
+        <p:nvPr/>
+      </p:nvGrpSpPr>
+      <p:grpSpPr>
+        <a:xfrm>
+          <a:off x="0" y="0"/>
+          <a:ext cx="0" cy="0"/>
+          <a:chOff x="0" y="0"/>
+          <a:chExt cx="0" cy="0"/>
+        </a:xfrm>
+      </p:grpSpPr>
+      <p:sp>
+        <p:nvSpPr>
+          <p:cNvPr id="507" name="Google Shape;507;p68"/>
+          <p:cNvSpPr txBox="1"/>
+          <p:nvPr>
+            <p:ph type="title"/>
+          </p:nvPr>
+        </p:nvSpPr>
+        <p:spPr>
+          <a:xfrm>
+            <a:off x="2400250" y="575950"/>
+            <a:ext cx="6321600" cy="635400"/>
+          </a:xfrm>
+          <a:prstGeom prst="rect">
+            <a:avLst/>
+          </a:prstGeom>
+        </p:spPr>
+        <p:txBody>
+          <a:bodyPr anchorCtr="0" anchor="t" bIns="91425" lIns="91425" spcFirstLastPara="1" rIns="91425" wrap="square" tIns="91425">
+            <a:noAutofit/>
+          </a:bodyPr>
+          <a:lstStyle/>
+          <a:p>
+            <a:pPr indent="0" lvl="0" marL="0" rtl="0" algn="l">
+              <a:spcBef>
+                <a:spcPts val="0"/>
+              </a:spcBef>
+              <a:spcAft>
+                <a:spcPts val="0"/>
+              </a:spcAft>
+              <a:buNone/>
+            </a:pPr>
+            <a:r>
+              <a:rPr lang="es"/>
+              <a:t>5.4 Iterator</a:t>
+            </a:r>
+            <a:endParaRPr/>
+          </a:p>
+        </p:txBody>
+      </p:sp>
+      <p:pic>
+        <p:nvPicPr>
+          <p:cNvPr id="508" name="Google Shape;508;p68"/>
+          <p:cNvPicPr preferRelativeResize="0"/>
+          <p:nvPr/>
+        </p:nvPicPr>
+        <p:blipFill>
+          <a:blip r:embed="rId3">
+            <a:alphaModFix/>
+          </a:blip>
+          <a:stretch>
+            <a:fillRect/>
+          </a:stretch>
+        </p:blipFill>
+        <p:spPr>
+          <a:xfrm>
+            <a:off x="173725" y="3637350"/>
+            <a:ext cx="750150" cy="1350275"/>
+          </a:xfrm>
+          <a:prstGeom prst="rect">
+            <a:avLst/>
+          </a:prstGeom>
+          <a:noFill/>
+          <a:ln>
+            <a:noFill/>
+          </a:ln>
+        </p:spPr>
+      </p:pic>
+      <p:pic>
+        <p:nvPicPr>
+          <p:cNvPr id="509" name="Google Shape;509;p68"/>
+          <p:cNvPicPr preferRelativeResize="0"/>
+          <p:nvPr/>
+        </p:nvPicPr>
+        <p:blipFill>
+          <a:blip r:embed="rId4">
+            <a:alphaModFix/>
+          </a:blip>
+          <a:stretch>
+            <a:fillRect/>
+          </a:stretch>
+        </p:blipFill>
+        <p:spPr>
+          <a:xfrm>
+            <a:off x="1076275" y="1363750"/>
+            <a:ext cx="7915325" cy="3179417"/>
+          </a:xfrm>
+          <a:prstGeom prst="rect">
+            <a:avLst/>
+          </a:prstGeom>
+          <a:noFill/>
+          <a:ln>
+            <a:noFill/>
+          </a:ln>
+        </p:spPr>
+      </p:pic>
+    </p:spTree>
+  </p:cSld>
+  <p:clrMapOvr>
+    <a:masterClrMapping/>
+  </p:clrMapOvr>
+</p:sld>
+</file>
+
+<file path=ppt/slides/slide57.xml><?xml version="1.0" encoding="utf-8"?>
+<p:sld xmlns:a="http://schemas.openxmlformats.org/drawingml/2006/main" xmlns:r="http://schemas.openxmlformats.org/officeDocument/2006/relationships" xmlns:mc="http://schemas.openxmlformats.org/markup-compatibility/2006" xmlns:mv="urn:schemas-microsoft-com:mac:vml" xmlns:p="http://schemas.openxmlformats.org/presentationml/2006/main" xmlns:c="http://schemas.openxmlformats.org/drawingml/2006/chart" xmlns:dgm="http://schemas.openxmlformats.org/drawingml/2006/diagram" xmlns:o="urn:schemas-microsoft-com:office:office" xmlns:v="urn:schemas-microsoft-com:vml" xmlns:pvml="urn:schemas-microsoft-com:office:powerpoint" xmlns:com="http://schemas.openxmlformats.org/drawingml/2006/compatibility" xmlns:p14="http://schemas.microsoft.com/office/powerpoint/2010/main" xmlns:p15="http://schemas.microsoft.com/office/powerpoint/2012/main">
+  <p:cSld>
+    <p:spTree>
+      <p:nvGrpSpPr>
+        <p:cNvPr id="513" name="Shape 513"/>
+        <p:cNvGrpSpPr/>
+        <p:nvPr/>
+      </p:nvGrpSpPr>
+      <p:grpSpPr>
+        <a:xfrm>
+          <a:off x="0" y="0"/>
+          <a:ext cx="0" cy="0"/>
+          <a:chOff x="0" y="0"/>
+          <a:chExt cx="0" cy="0"/>
+        </a:xfrm>
+      </p:grpSpPr>
+      <p:sp>
+        <p:nvSpPr>
+          <p:cNvPr id="514" name="Google Shape;514;p69"/>
+          <p:cNvSpPr txBox="1"/>
+          <p:nvPr>
+            <p:ph type="title"/>
+          </p:nvPr>
+        </p:nvSpPr>
+        <p:spPr>
+          <a:xfrm>
+            <a:off x="2400250" y="575950"/>
+            <a:ext cx="6321600" cy="635400"/>
+          </a:xfrm>
+          <a:prstGeom prst="rect">
+            <a:avLst/>
+          </a:prstGeom>
+        </p:spPr>
+        <p:txBody>
+          <a:bodyPr anchorCtr="0" anchor="t" bIns="91425" lIns="91425" spcFirstLastPara="1" rIns="91425" wrap="square" tIns="91425">
+            <a:noAutofit/>
+          </a:bodyPr>
+          <a:lstStyle/>
+          <a:p>
+            <a:pPr indent="0" lvl="0" marL="0" rtl="0" algn="l">
+              <a:spcBef>
+                <a:spcPts val="0"/>
+              </a:spcBef>
+              <a:spcAft>
+                <a:spcPts val="0"/>
+              </a:spcAft>
+              <a:buNone/>
+            </a:pPr>
+            <a:r>
+              <a:rPr lang="es"/>
+              <a:t>5.4 Iterator</a:t>
+            </a:r>
+            <a:endParaRPr/>
+          </a:p>
+        </p:txBody>
+      </p:sp>
+      <p:pic>
+        <p:nvPicPr>
+          <p:cNvPr id="515" name="Google Shape;515;p69"/>
+          <p:cNvPicPr preferRelativeResize="0"/>
+          <p:nvPr/>
+        </p:nvPicPr>
+        <p:blipFill>
+          <a:blip r:embed="rId3">
+            <a:alphaModFix/>
+          </a:blip>
+          <a:stretch>
+            <a:fillRect/>
+          </a:stretch>
+        </p:blipFill>
+        <p:spPr>
+          <a:xfrm>
+            <a:off x="173725" y="3637350"/>
+            <a:ext cx="750150" cy="1350275"/>
+          </a:xfrm>
+          <a:prstGeom prst="rect">
+            <a:avLst/>
+          </a:prstGeom>
+          <a:noFill/>
+          <a:ln>
+            <a:noFill/>
+          </a:ln>
+        </p:spPr>
+      </p:pic>
+      <p:pic>
+        <p:nvPicPr>
+          <p:cNvPr id="516" name="Google Shape;516;p69"/>
+          <p:cNvPicPr preferRelativeResize="0"/>
+          <p:nvPr/>
+        </p:nvPicPr>
+        <p:blipFill>
+          <a:blip r:embed="rId4">
+            <a:alphaModFix/>
+          </a:blip>
+          <a:stretch>
+            <a:fillRect/>
+          </a:stretch>
+        </p:blipFill>
+        <p:spPr>
+          <a:xfrm>
+            <a:off x="1478700" y="1078675"/>
+            <a:ext cx="6540200" cy="3651075"/>
+          </a:xfrm>
+          <a:prstGeom prst="rect">
+            <a:avLst/>
+          </a:prstGeom>
+          <a:noFill/>
+          <a:ln>
+            <a:noFill/>
+          </a:ln>
+        </p:spPr>
+      </p:pic>
+    </p:spTree>
+  </p:cSld>
+  <p:clrMapOvr>
+    <a:masterClrMapping/>
+  </p:clrMapOvr>
+</p:sld>
+</file>
+
+<file path=ppt/slides/slide58.xml><?xml version="1.0" encoding="utf-8"?>
+<p:sld xmlns:a="http://schemas.openxmlformats.org/drawingml/2006/main" xmlns:r="http://schemas.openxmlformats.org/officeDocument/2006/relationships" xmlns:mc="http://schemas.openxmlformats.org/markup-compatibility/2006" xmlns:mv="urn:schemas-microsoft-com:mac:vml" xmlns:p="http://schemas.openxmlformats.org/presentationml/2006/main" xmlns:c="http://schemas.openxmlformats.org/drawingml/2006/chart" xmlns:dgm="http://schemas.openxmlformats.org/drawingml/2006/diagram" xmlns:o="urn:schemas-microsoft-com:office:office" xmlns:v="urn:schemas-microsoft-com:vml" xmlns:pvml="urn:schemas-microsoft-com:office:powerpoint" xmlns:com="http://schemas.openxmlformats.org/drawingml/2006/compatibility" xmlns:p14="http://schemas.microsoft.com/office/powerpoint/2010/main" xmlns:p15="http://schemas.microsoft.com/office/powerpoint/2012/main">
+  <p:cSld>
+    <p:spTree>
+      <p:nvGrpSpPr>
+        <p:cNvPr id="520" name="Shape 520"/>
+        <p:cNvGrpSpPr/>
+        <p:nvPr/>
+      </p:nvGrpSpPr>
+      <p:grpSpPr>
+        <a:xfrm>
+          <a:off x="0" y="0"/>
+          <a:ext cx="0" cy="0"/>
+          <a:chOff x="0" y="0"/>
+          <a:chExt cx="0" cy="0"/>
+        </a:xfrm>
+      </p:grpSpPr>
+      <p:sp>
+        <p:nvSpPr>
+          <p:cNvPr id="521" name="Google Shape;521;p70"/>
+          <p:cNvSpPr txBox="1"/>
+          <p:nvPr>
+            <p:ph type="title"/>
+          </p:nvPr>
+        </p:nvSpPr>
+        <p:spPr>
+          <a:xfrm>
+            <a:off x="2400250" y="575950"/>
+            <a:ext cx="6321600" cy="635400"/>
+          </a:xfrm>
+          <a:prstGeom prst="rect">
+            <a:avLst/>
+          </a:prstGeom>
+        </p:spPr>
+        <p:txBody>
+          <a:bodyPr anchorCtr="0" anchor="t" bIns="91425" lIns="91425" spcFirstLastPara="1" rIns="91425" wrap="square" tIns="91425">
+            <a:noAutofit/>
+          </a:bodyPr>
+          <a:lstStyle/>
+          <a:p>
+            <a:pPr indent="0" lvl="0" marL="0" rtl="0" algn="l">
+              <a:spcBef>
+                <a:spcPts val="0"/>
+              </a:spcBef>
+              <a:spcAft>
+                <a:spcPts val="0"/>
+              </a:spcAft>
+              <a:buNone/>
+            </a:pPr>
+            <a:r>
+              <a:rPr lang="es"/>
+              <a:t>6. Conclusions</a:t>
+            </a:r>
+            <a:endParaRPr/>
+          </a:p>
+        </p:txBody>
+      </p:sp>
+      <p:pic>
+        <p:nvPicPr>
+          <p:cNvPr id="522" name="Google Shape;522;p70"/>
+          <p:cNvPicPr preferRelativeResize="0"/>
+          <p:nvPr/>
+        </p:nvPicPr>
+        <p:blipFill>
+          <a:blip r:embed="rId3">
+            <a:alphaModFix/>
+          </a:blip>
+          <a:stretch>
+            <a:fillRect/>
+          </a:stretch>
+        </p:blipFill>
+        <p:spPr>
+          <a:xfrm>
+            <a:off x="2899375" y="2144250"/>
+            <a:ext cx="1713650" cy="2553175"/>
+          </a:xfrm>
+          <a:prstGeom prst="rect">
+            <a:avLst/>
+          </a:prstGeom>
+          <a:noFill/>
+          <a:ln>
+            <a:noFill/>
+          </a:ln>
+        </p:spPr>
+      </p:pic>
+      <p:sp>
+        <p:nvSpPr>
+          <p:cNvPr id="523" name="Google Shape;523;p70"/>
+          <p:cNvSpPr/>
+          <p:nvPr/>
+        </p:nvSpPr>
+        <p:spPr>
+          <a:xfrm rot="-742">
+            <a:off x="3770025" y="1211811"/>
+            <a:ext cx="4167900" cy="1013400"/>
+          </a:xfrm>
+          <a:prstGeom prst="cloudCallout">
+            <a:avLst>
+              <a:gd fmla="val -20833" name="adj1"/>
+              <a:gd fmla="val 62500" name="adj2"/>
+            </a:avLst>
+          </a:prstGeom>
+          <a:solidFill>
+            <a:schemeClr val="lt1"/>
+          </a:solidFill>
+          <a:ln cap="flat" cmpd="sng" w="9525">
+            <a:solidFill>
+              <a:schemeClr val="dk2"/>
+            </a:solidFill>
+            <a:prstDash val="solid"/>
+            <a:round/>
+            <a:headEnd len="sm" w="sm" type="none"/>
+            <a:tailEnd len="sm" w="sm" type="none"/>
+          </a:ln>
+        </p:spPr>
+        <p:txBody>
+          <a:bodyPr anchorCtr="0" anchor="ctr" bIns="91425" lIns="91425" spcFirstLastPara="1" rIns="91425" wrap="square" tIns="91425">
+            <a:noAutofit/>
+          </a:bodyPr>
+          <a:lstStyle/>
+          <a:p>
+            <a:pPr indent="0" lvl="0" marL="0" rtl="0" algn="l">
+              <a:spcBef>
+                <a:spcPts val="0"/>
+              </a:spcBef>
+              <a:spcAft>
+                <a:spcPts val="0"/>
+              </a:spcAft>
+              <a:buNone/>
+            </a:pPr>
+            <a:r>
+              <a:rPr lang="es"/>
+              <a:t>I know all the design patterns… I can solve all my problems!!</a:t>
+            </a:r>
+            <a:endParaRPr/>
+          </a:p>
+        </p:txBody>
+      </p:sp>
+      <p:pic>
+        <p:nvPicPr>
+          <p:cNvPr id="524" name="Google Shape;524;p70"/>
+          <p:cNvPicPr preferRelativeResize="0"/>
+          <p:nvPr/>
+        </p:nvPicPr>
+        <p:blipFill>
+          <a:blip r:embed="rId4">
+            <a:alphaModFix/>
+          </a:blip>
+          <a:stretch>
+            <a:fillRect/>
+          </a:stretch>
+        </p:blipFill>
+        <p:spPr>
+          <a:xfrm>
+            <a:off x="173725" y="3637350"/>
+            <a:ext cx="750150" cy="1350275"/>
+          </a:xfrm>
+          <a:prstGeom prst="rect">
+            <a:avLst/>
+          </a:prstGeom>
+          <a:noFill/>
+          <a:ln>
+            <a:noFill/>
+          </a:ln>
+        </p:spPr>
+      </p:pic>
+    </p:spTree>
+  </p:cSld>
+  <p:clrMapOvr>
+    <a:masterClrMapping/>
+  </p:clrMapOvr>
+</p:sld>
+</file>
+
+<file path=ppt/slides/slide59.xml><?xml version="1.0" encoding="utf-8"?>
+<p:sld xmlns:a="http://schemas.openxmlformats.org/drawingml/2006/main" xmlns:r="http://schemas.openxmlformats.org/officeDocument/2006/relationships" xmlns:mc="http://schemas.openxmlformats.org/markup-compatibility/2006" xmlns:mv="urn:schemas-microsoft-com:mac:vml" xmlns:p="http://schemas.openxmlformats.org/presentationml/2006/main" xmlns:c="http://schemas.openxmlformats.org/drawingml/2006/chart" xmlns:dgm="http://schemas.openxmlformats.org/drawingml/2006/diagram" xmlns:o="urn:schemas-microsoft-com:office:office" xmlns:v="urn:schemas-microsoft-com:vml" xmlns:pvml="urn:schemas-microsoft-com:office:powerpoint" xmlns:com="http://schemas.openxmlformats.org/drawingml/2006/compatibility" xmlns:p14="http://schemas.microsoft.com/office/powerpoint/2010/main" xmlns:p15="http://schemas.microsoft.com/office/powerpoint/2012/main">
+  <p:cSld>
+    <p:spTree>
+      <p:nvGrpSpPr>
+        <p:cNvPr id="528" name="Shape 528"/>
+        <p:cNvGrpSpPr/>
+        <p:nvPr/>
+      </p:nvGrpSpPr>
+      <p:grpSpPr>
+        <a:xfrm>
+          <a:off x="0" y="0"/>
+          <a:ext cx="0" cy="0"/>
+          <a:chOff x="0" y="0"/>
+          <a:chExt cx="0" cy="0"/>
+        </a:xfrm>
+      </p:grpSpPr>
+      <p:sp>
+        <p:nvSpPr>
+          <p:cNvPr id="529" name="Google Shape;529;p71"/>
+          <p:cNvSpPr txBox="1"/>
+          <p:nvPr>
+            <p:ph type="title"/>
+          </p:nvPr>
+        </p:nvSpPr>
+        <p:spPr>
+          <a:xfrm>
+            <a:off x="2400250" y="575950"/>
+            <a:ext cx="6321600" cy="635400"/>
+          </a:xfrm>
+          <a:prstGeom prst="rect">
+            <a:avLst/>
+          </a:prstGeom>
+        </p:spPr>
+        <p:txBody>
+          <a:bodyPr anchorCtr="0" anchor="t" bIns="91425" lIns="91425" spcFirstLastPara="1" rIns="91425" wrap="square" tIns="91425">
+            <a:noAutofit/>
+          </a:bodyPr>
+          <a:lstStyle/>
+          <a:p>
+            <a:pPr indent="0" lvl="0" marL="0" rtl="0" algn="l">
+              <a:spcBef>
+                <a:spcPts val="0"/>
+              </a:spcBef>
+              <a:spcAft>
+                <a:spcPts val="0"/>
+              </a:spcAft>
+              <a:buNone/>
+            </a:pPr>
+            <a:r>
+              <a:rPr lang="es"/>
+              <a:t>6. Conclusions</a:t>
+            </a:r>
+            <a:endParaRPr/>
+          </a:p>
+        </p:txBody>
+      </p:sp>
+      <p:pic>
+        <p:nvPicPr>
+          <p:cNvPr id="530" name="Google Shape;530;p71"/>
+          <p:cNvPicPr preferRelativeResize="0"/>
+          <p:nvPr/>
+        </p:nvPicPr>
+        <p:blipFill>
+          <a:blip r:embed="rId3">
+            <a:alphaModFix/>
+          </a:blip>
+          <a:stretch>
+            <a:fillRect/>
+          </a:stretch>
+        </p:blipFill>
+        <p:spPr>
+          <a:xfrm>
+            <a:off x="2899375" y="2144250"/>
+            <a:ext cx="1713650" cy="2553175"/>
+          </a:xfrm>
+          <a:prstGeom prst="rect">
+            <a:avLst/>
+          </a:prstGeom>
+          <a:noFill/>
+          <a:ln>
+            <a:noFill/>
+          </a:ln>
+        </p:spPr>
+      </p:pic>
+      <p:sp>
+        <p:nvSpPr>
+          <p:cNvPr id="531" name="Google Shape;531;p71"/>
+          <p:cNvSpPr/>
+          <p:nvPr/>
+        </p:nvSpPr>
+        <p:spPr>
+          <a:xfrm rot="-742">
+            <a:off x="3770025" y="1211811"/>
+            <a:ext cx="4167900" cy="1013400"/>
+          </a:xfrm>
+          <a:prstGeom prst="cloudCallout">
+            <a:avLst>
+              <a:gd fmla="val -20833" name="adj1"/>
+              <a:gd fmla="val 62500" name="adj2"/>
+            </a:avLst>
+          </a:prstGeom>
+          <a:solidFill>
+            <a:schemeClr val="lt1"/>
+          </a:solidFill>
+          <a:ln cap="flat" cmpd="sng" w="9525">
+            <a:solidFill>
+              <a:schemeClr val="dk2"/>
+            </a:solidFill>
+            <a:prstDash val="solid"/>
+            <a:round/>
+            <a:headEnd len="sm" w="sm" type="none"/>
+            <a:tailEnd len="sm" w="sm" type="none"/>
+          </a:ln>
+        </p:spPr>
+        <p:txBody>
+          <a:bodyPr anchorCtr="0" anchor="ctr" bIns="91425" lIns="91425" spcFirstLastPara="1" rIns="91425" wrap="square" tIns="91425">
+            <a:noAutofit/>
+          </a:bodyPr>
+          <a:lstStyle/>
+          <a:p>
+            <a:pPr indent="0" lvl="0" marL="0" rtl="0" algn="l">
+              <a:spcBef>
+                <a:spcPts val="0"/>
+              </a:spcBef>
+              <a:spcAft>
+                <a:spcPts val="0"/>
+              </a:spcAft>
+              <a:buNone/>
+            </a:pPr>
+            <a:r>
+              <a:rPr lang="es"/>
+              <a:t>I know all the design patterns… I can solve all my problems!!</a:t>
+            </a:r>
+            <a:endParaRPr/>
+          </a:p>
+        </p:txBody>
+      </p:sp>
+      <p:sp>
+        <p:nvSpPr>
+          <p:cNvPr id="532" name="Google Shape;532;p71"/>
+          <p:cNvSpPr/>
+          <p:nvPr/>
+        </p:nvSpPr>
+        <p:spPr>
+          <a:xfrm>
+            <a:off x="4083400" y="1295100"/>
+            <a:ext cx="2955300" cy="2553300"/>
+          </a:xfrm>
+          <a:prstGeom prst="noSmoking">
+            <a:avLst>
+              <a:gd fmla="val 18750" name="adj"/>
+            </a:avLst>
+          </a:prstGeom>
+          <a:solidFill>
+            <a:srgbClr val="FF0000"/>
+          </a:solidFill>
+          <a:ln cap="flat" cmpd="sng" w="9525">
+            <a:solidFill>
+              <a:schemeClr val="dk2"/>
+            </a:solidFill>
+            <a:prstDash val="solid"/>
+            <a:round/>
+            <a:headEnd len="sm" w="sm" type="none"/>
+            <a:tailEnd len="sm" w="sm" type="none"/>
+          </a:ln>
+        </p:spPr>
+        <p:txBody>
+          <a:bodyPr anchorCtr="0" anchor="ctr" bIns="91425" lIns="91425" spcFirstLastPara="1" rIns="91425" wrap="square" tIns="91425">
+            <a:noAutofit/>
+          </a:bodyPr>
+          <a:lstStyle/>
+          <a:p>
+            <a:pPr indent="0" lvl="0" marL="0" rtl="0" algn="l">
+              <a:spcBef>
+                <a:spcPts val="0"/>
+              </a:spcBef>
+              <a:spcAft>
+                <a:spcPts val="0"/>
+              </a:spcAft>
+              <a:buNone/>
+            </a:pPr>
+            <a:r>
+              <a:t/>
+            </a:r>
+            <a:endParaRPr/>
+          </a:p>
+        </p:txBody>
+      </p:sp>
+      <p:pic>
+        <p:nvPicPr>
+          <p:cNvPr id="533" name="Google Shape;533;p71"/>
+          <p:cNvPicPr preferRelativeResize="0"/>
+          <p:nvPr/>
+        </p:nvPicPr>
+        <p:blipFill>
+          <a:blip r:embed="rId4">
+            <a:alphaModFix/>
+          </a:blip>
+          <a:stretch>
+            <a:fillRect/>
+          </a:stretch>
+        </p:blipFill>
+        <p:spPr>
+          <a:xfrm>
+            <a:off x="173725" y="3637350"/>
+            <a:ext cx="750150" cy="1350275"/>
+          </a:xfrm>
+          <a:prstGeom prst="rect">
+            <a:avLst/>
+          </a:prstGeom>
+          <a:noFill/>
+          <a:ln>
+            <a:noFill/>
+          </a:ln>
+        </p:spPr>
+      </p:pic>
     </p:spTree>
   </p:cSld>
   <p:clrMapOvr>
@@ -27941,6 +28777,1019 @@
               <a:t/>
             </a:r>
             <a:endParaRPr/>
+          </a:p>
+        </p:txBody>
+      </p:sp>
+    </p:spTree>
+  </p:cSld>
+  <p:clrMapOvr>
+    <a:masterClrMapping/>
+  </p:clrMapOvr>
+</p:sld>
+</file>
+
+<file path=ppt/slides/slide60.xml><?xml version="1.0" encoding="utf-8"?>
+<p:sld xmlns:a="http://schemas.openxmlformats.org/drawingml/2006/main" xmlns:r="http://schemas.openxmlformats.org/officeDocument/2006/relationships" xmlns:mc="http://schemas.openxmlformats.org/markup-compatibility/2006" xmlns:mv="urn:schemas-microsoft-com:mac:vml" xmlns:p="http://schemas.openxmlformats.org/presentationml/2006/main" xmlns:c="http://schemas.openxmlformats.org/drawingml/2006/chart" xmlns:dgm="http://schemas.openxmlformats.org/drawingml/2006/diagram" xmlns:o="urn:schemas-microsoft-com:office:office" xmlns:v="urn:schemas-microsoft-com:vml" xmlns:pvml="urn:schemas-microsoft-com:office:powerpoint" xmlns:com="http://schemas.openxmlformats.org/drawingml/2006/compatibility" xmlns:p14="http://schemas.microsoft.com/office/powerpoint/2010/main" xmlns:p15="http://schemas.microsoft.com/office/powerpoint/2012/main">
+  <p:cSld>
+    <p:spTree>
+      <p:nvGrpSpPr>
+        <p:cNvPr id="537" name="Shape 537"/>
+        <p:cNvGrpSpPr/>
+        <p:nvPr/>
+      </p:nvGrpSpPr>
+      <p:grpSpPr>
+        <a:xfrm>
+          <a:off x="0" y="0"/>
+          <a:ext cx="0" cy="0"/>
+          <a:chOff x="0" y="0"/>
+          <a:chExt cx="0" cy="0"/>
+        </a:xfrm>
+      </p:grpSpPr>
+      <p:sp>
+        <p:nvSpPr>
+          <p:cNvPr id="538" name="Google Shape;538;p72"/>
+          <p:cNvSpPr txBox="1"/>
+          <p:nvPr>
+            <p:ph type="title"/>
+          </p:nvPr>
+        </p:nvSpPr>
+        <p:spPr>
+          <a:xfrm>
+            <a:off x="2400250" y="575950"/>
+            <a:ext cx="6321600" cy="635400"/>
+          </a:xfrm>
+          <a:prstGeom prst="rect">
+            <a:avLst/>
+          </a:prstGeom>
+        </p:spPr>
+        <p:txBody>
+          <a:bodyPr anchorCtr="0" anchor="t" bIns="91425" lIns="91425" spcFirstLastPara="1" rIns="91425" wrap="square" tIns="91425">
+            <a:noAutofit/>
+          </a:bodyPr>
+          <a:lstStyle/>
+          <a:p>
+            <a:pPr indent="0" lvl="0" marL="0" rtl="0" algn="l">
+              <a:spcBef>
+                <a:spcPts val="0"/>
+              </a:spcBef>
+              <a:spcAft>
+                <a:spcPts val="0"/>
+              </a:spcAft>
+              <a:buNone/>
+            </a:pPr>
+            <a:r>
+              <a:rPr lang="es"/>
+              <a:t>6. Conclusions</a:t>
+            </a:r>
+            <a:endParaRPr/>
+          </a:p>
+        </p:txBody>
+      </p:sp>
+      <p:pic>
+        <p:nvPicPr>
+          <p:cNvPr id="539" name="Google Shape;539;p72"/>
+          <p:cNvPicPr preferRelativeResize="0"/>
+          <p:nvPr/>
+        </p:nvPicPr>
+        <p:blipFill>
+          <a:blip r:embed="rId3">
+            <a:alphaModFix/>
+          </a:blip>
+          <a:stretch>
+            <a:fillRect/>
+          </a:stretch>
+        </p:blipFill>
+        <p:spPr>
+          <a:xfrm>
+            <a:off x="173725" y="3637350"/>
+            <a:ext cx="750150" cy="1350275"/>
+          </a:xfrm>
+          <a:prstGeom prst="rect">
+            <a:avLst/>
+          </a:prstGeom>
+          <a:noFill/>
+          <a:ln>
+            <a:noFill/>
+          </a:ln>
+        </p:spPr>
+      </p:pic>
+      <p:sp>
+        <p:nvSpPr>
+          <p:cNvPr id="540" name="Google Shape;540;p72"/>
+          <p:cNvSpPr txBox="1"/>
+          <p:nvPr>
+            <p:ph idx="1" type="body"/>
+          </p:nvPr>
+        </p:nvSpPr>
+        <p:spPr>
+          <a:xfrm>
+            <a:off x="2410112" y="1595776"/>
+            <a:ext cx="6321600" cy="3002400"/>
+          </a:xfrm>
+          <a:prstGeom prst="rect">
+            <a:avLst/>
+          </a:prstGeom>
+        </p:spPr>
+        <p:txBody>
+          <a:bodyPr anchorCtr="0" anchor="t" bIns="91425" lIns="91425" spcFirstLastPara="1" rIns="91425" wrap="square" tIns="91425">
+            <a:noAutofit/>
+          </a:bodyPr>
+          <a:lstStyle/>
+          <a:p>
+            <a:pPr indent="-342900" lvl="0" marL="457200" rtl="0" algn="l">
+              <a:spcBef>
+                <a:spcPts val="0"/>
+              </a:spcBef>
+              <a:spcAft>
+                <a:spcPts val="0"/>
+              </a:spcAft>
+              <a:buClr>
+                <a:srgbClr val="212121"/>
+              </a:buClr>
+              <a:buSzPts val="1800"/>
+              <a:buFont typeface="Arial"/>
+              <a:buChar char="●"/>
+            </a:pPr>
+            <a:r>
+              <a:rPr lang="es">
+                <a:solidFill>
+                  <a:srgbClr val="212121"/>
+                </a:solidFill>
+                <a:highlight>
+                  <a:srgbClr val="FFFFFF"/>
+                </a:highlight>
+                <a:latin typeface="Arial"/>
+                <a:ea typeface="Arial"/>
+                <a:cs typeface="Arial"/>
+                <a:sym typeface="Arial"/>
+              </a:rPr>
+              <a:t>Design patterns facilitate the process of designing a software</a:t>
+            </a:r>
+            <a:endParaRPr>
+              <a:solidFill>
+                <a:srgbClr val="212121"/>
+              </a:solidFill>
+              <a:highlight>
+                <a:srgbClr val="FFFFFF"/>
+              </a:highlight>
+              <a:latin typeface="Arial"/>
+              <a:ea typeface="Arial"/>
+              <a:cs typeface="Arial"/>
+              <a:sym typeface="Arial"/>
+            </a:endParaRPr>
+          </a:p>
+          <a:p>
+            <a:pPr indent="0" lvl="0" marL="0" rtl="0" algn="l">
+              <a:spcBef>
+                <a:spcPts val="1600"/>
+              </a:spcBef>
+              <a:spcAft>
+                <a:spcPts val="0"/>
+              </a:spcAft>
+              <a:buNone/>
+            </a:pPr>
+            <a:r>
+              <a:t/>
+            </a:r>
+            <a:endParaRPr>
+              <a:solidFill>
+                <a:srgbClr val="212121"/>
+              </a:solidFill>
+              <a:highlight>
+                <a:srgbClr val="FFFFFF"/>
+              </a:highlight>
+              <a:latin typeface="Arial"/>
+              <a:ea typeface="Arial"/>
+              <a:cs typeface="Arial"/>
+              <a:sym typeface="Arial"/>
+            </a:endParaRPr>
+          </a:p>
+          <a:p>
+            <a:pPr indent="-342900" lvl="0" marL="457200" rtl="0" algn="l">
+              <a:spcBef>
+                <a:spcPts val="1600"/>
+              </a:spcBef>
+              <a:spcAft>
+                <a:spcPts val="0"/>
+              </a:spcAft>
+              <a:buClr>
+                <a:srgbClr val="212121"/>
+              </a:buClr>
+              <a:buSzPts val="1800"/>
+              <a:buFont typeface="Arial"/>
+              <a:buChar char="●"/>
+            </a:pPr>
+            <a:r>
+              <a:rPr lang="es">
+                <a:solidFill>
+                  <a:srgbClr val="212121"/>
+                </a:solidFill>
+                <a:highlight>
+                  <a:srgbClr val="FFFFFF"/>
+                </a:highlight>
+                <a:latin typeface="Arial"/>
+                <a:ea typeface="Arial"/>
+                <a:cs typeface="Arial"/>
+                <a:sym typeface="Arial"/>
+              </a:rPr>
+              <a:t>Do not try to apply the design patterns with a shoehorn</a:t>
+            </a:r>
+            <a:endParaRPr>
+              <a:solidFill>
+                <a:srgbClr val="212121"/>
+              </a:solidFill>
+              <a:highlight>
+                <a:srgbClr val="FFFFFF"/>
+              </a:highlight>
+              <a:latin typeface="Arial"/>
+              <a:ea typeface="Arial"/>
+              <a:cs typeface="Arial"/>
+              <a:sym typeface="Arial"/>
+            </a:endParaRPr>
+          </a:p>
+        </p:txBody>
+      </p:sp>
+      <p:pic>
+        <p:nvPicPr>
+          <p:cNvPr id="541" name="Google Shape;541;p72"/>
+          <p:cNvPicPr preferRelativeResize="0"/>
+          <p:nvPr/>
+        </p:nvPicPr>
+        <p:blipFill>
+          <a:blip r:embed="rId4">
+            <a:alphaModFix/>
+          </a:blip>
+          <a:stretch>
+            <a:fillRect/>
+          </a:stretch>
+        </p:blipFill>
+        <p:spPr>
+          <a:xfrm>
+            <a:off x="2245800" y="1422901"/>
+            <a:ext cx="771475" cy="789993"/>
+          </a:xfrm>
+          <a:prstGeom prst="rect">
+            <a:avLst/>
+          </a:prstGeom>
+          <a:noFill/>
+          <a:ln>
+            <a:noFill/>
+          </a:ln>
+        </p:spPr>
+      </p:pic>
+      <p:sp>
+        <p:nvSpPr>
+          <p:cNvPr id="542" name="Google Shape;542;p72"/>
+          <p:cNvSpPr/>
+          <p:nvPr/>
+        </p:nvSpPr>
+        <p:spPr>
+          <a:xfrm>
+            <a:off x="1996963" y="2737525"/>
+            <a:ext cx="1079700" cy="843000"/>
+          </a:xfrm>
+          <a:prstGeom prst="mathMultiply">
+            <a:avLst>
+              <a:gd fmla="val 23520" name="adj1"/>
+            </a:avLst>
+          </a:prstGeom>
+          <a:solidFill>
+            <a:srgbClr val="FF0000"/>
+          </a:solidFill>
+          <a:ln cap="flat" cmpd="sng" w="9525">
+            <a:solidFill>
+              <a:schemeClr val="dk2"/>
+            </a:solidFill>
+            <a:prstDash val="solid"/>
+            <a:round/>
+            <a:headEnd len="sm" w="sm" type="none"/>
+            <a:tailEnd len="sm" w="sm" type="none"/>
+          </a:ln>
+        </p:spPr>
+        <p:txBody>
+          <a:bodyPr anchorCtr="0" anchor="ctr" bIns="91425" lIns="91425" spcFirstLastPara="1" rIns="91425" wrap="square" tIns="91425">
+            <a:noAutofit/>
+          </a:bodyPr>
+          <a:lstStyle/>
+          <a:p>
+            <a:pPr indent="0" lvl="0" marL="0" rtl="0" algn="l">
+              <a:spcBef>
+                <a:spcPts val="0"/>
+              </a:spcBef>
+              <a:spcAft>
+                <a:spcPts val="0"/>
+              </a:spcAft>
+              <a:buNone/>
+            </a:pPr>
+            <a:r>
+              <a:t/>
+            </a:r>
+            <a:endParaRPr/>
+          </a:p>
+        </p:txBody>
+      </p:sp>
+    </p:spTree>
+  </p:cSld>
+  <p:clrMapOvr>
+    <a:masterClrMapping/>
+  </p:clrMapOvr>
+</p:sld>
+</file>
+
+<file path=ppt/slides/slide61.xml><?xml version="1.0" encoding="utf-8"?>
+<p:sld xmlns:a="http://schemas.openxmlformats.org/drawingml/2006/main" xmlns:r="http://schemas.openxmlformats.org/officeDocument/2006/relationships" xmlns:mc="http://schemas.openxmlformats.org/markup-compatibility/2006" xmlns:mv="urn:schemas-microsoft-com:mac:vml" xmlns:p="http://schemas.openxmlformats.org/presentationml/2006/main" xmlns:c="http://schemas.openxmlformats.org/drawingml/2006/chart" xmlns:dgm="http://schemas.openxmlformats.org/drawingml/2006/diagram" xmlns:o="urn:schemas-microsoft-com:office:office" xmlns:v="urn:schemas-microsoft-com:vml" xmlns:pvml="urn:schemas-microsoft-com:office:powerpoint" xmlns:com="http://schemas.openxmlformats.org/drawingml/2006/compatibility" xmlns:p14="http://schemas.microsoft.com/office/powerpoint/2010/main" xmlns:p15="http://schemas.microsoft.com/office/powerpoint/2012/main">
+  <p:cSld>
+    <p:spTree>
+      <p:nvGrpSpPr>
+        <p:cNvPr id="546" name="Shape 546"/>
+        <p:cNvGrpSpPr/>
+        <p:nvPr/>
+      </p:nvGrpSpPr>
+      <p:grpSpPr>
+        <a:xfrm>
+          <a:off x="0" y="0"/>
+          <a:ext cx="0" cy="0"/>
+          <a:chOff x="0" y="0"/>
+          <a:chExt cx="0" cy="0"/>
+        </a:xfrm>
+      </p:grpSpPr>
+      <p:sp>
+        <p:nvSpPr>
+          <p:cNvPr id="547" name="Google Shape;547;p73"/>
+          <p:cNvSpPr txBox="1"/>
+          <p:nvPr>
+            <p:ph type="title"/>
+          </p:nvPr>
+        </p:nvSpPr>
+        <p:spPr>
+          <a:xfrm>
+            <a:off x="297100" y="432218"/>
+            <a:ext cx="5651100" cy="988500"/>
+          </a:xfrm>
+          <a:prstGeom prst="rect">
+            <a:avLst/>
+          </a:prstGeom>
+        </p:spPr>
+        <p:txBody>
+          <a:bodyPr anchorCtr="0" anchor="ctr" bIns="91425" lIns="91425" spcFirstLastPara="1" rIns="91425" wrap="square" tIns="91425">
+            <a:noAutofit/>
+          </a:bodyPr>
+          <a:lstStyle/>
+          <a:p>
+            <a:pPr indent="0" lvl="0" marL="0" rtl="0" algn="l">
+              <a:spcBef>
+                <a:spcPts val="0"/>
+              </a:spcBef>
+              <a:spcAft>
+                <a:spcPts val="0"/>
+              </a:spcAft>
+              <a:buNone/>
+            </a:pPr>
+            <a:r>
+              <a:rPr lang="es">
+                <a:solidFill>
+                  <a:srgbClr val="E69138"/>
+                </a:solidFill>
+              </a:rPr>
+              <a:t>Biography</a:t>
+            </a:r>
+            <a:endParaRPr>
+              <a:solidFill>
+                <a:srgbClr val="E69138"/>
+              </a:solidFill>
+            </a:endParaRPr>
+          </a:p>
+        </p:txBody>
+      </p:sp>
+      <p:pic>
+        <p:nvPicPr>
+          <p:cNvPr id="548" name="Google Shape;548;p73"/>
+          <p:cNvPicPr preferRelativeResize="0"/>
+          <p:nvPr/>
+        </p:nvPicPr>
+        <p:blipFill>
+          <a:blip r:embed="rId3">
+            <a:alphaModFix/>
+          </a:blip>
+          <a:stretch>
+            <a:fillRect/>
+          </a:stretch>
+        </p:blipFill>
+        <p:spPr>
+          <a:xfrm>
+            <a:off x="173725" y="3637350"/>
+            <a:ext cx="750150" cy="1350275"/>
+          </a:xfrm>
+          <a:prstGeom prst="rect">
+            <a:avLst/>
+          </a:prstGeom>
+          <a:noFill/>
+          <a:ln>
+            <a:noFill/>
+          </a:ln>
+        </p:spPr>
+      </p:pic>
+      <p:sp>
+        <p:nvSpPr>
+          <p:cNvPr id="549" name="Google Shape;549;p73"/>
+          <p:cNvSpPr txBox="1"/>
+          <p:nvPr/>
+        </p:nvSpPr>
+        <p:spPr>
+          <a:xfrm>
+            <a:off x="1784475" y="1574675"/>
+            <a:ext cx="6900000" cy="3456900"/>
+          </a:xfrm>
+          <a:prstGeom prst="rect">
+            <a:avLst/>
+          </a:prstGeom>
+          <a:noFill/>
+          <a:ln>
+            <a:noFill/>
+          </a:ln>
+        </p:spPr>
+        <p:txBody>
+          <a:bodyPr anchorCtr="0" anchor="t" bIns="91425" lIns="91425" spcFirstLastPara="1" rIns="91425" wrap="square" tIns="91425">
+            <a:noAutofit/>
+          </a:bodyPr>
+          <a:lstStyle/>
+          <a:p>
+            <a:pPr indent="0" lvl="0" marL="0" rtl="0" algn="l">
+              <a:spcBef>
+                <a:spcPts val="0"/>
+              </a:spcBef>
+              <a:spcAft>
+                <a:spcPts val="0"/>
+              </a:spcAft>
+              <a:buNone/>
+            </a:pPr>
+            <a:r>
+              <a:rPr b="1" lang="es" sz="1800">
+                <a:latin typeface="Lato"/>
+                <a:ea typeface="Lato"/>
+                <a:cs typeface="Lato"/>
+                <a:sym typeface="Lato"/>
+              </a:rPr>
+              <a:t>Wikipedia - Design Patterns</a:t>
+            </a:r>
+            <a:endParaRPr b="1" sz="1800">
+              <a:latin typeface="Lato"/>
+              <a:ea typeface="Lato"/>
+              <a:cs typeface="Lato"/>
+              <a:sym typeface="Lato"/>
+            </a:endParaRPr>
+          </a:p>
+          <a:p>
+            <a:pPr indent="457200" lvl="0" marL="0" rtl="0" algn="l">
+              <a:spcBef>
+                <a:spcPts val="0"/>
+              </a:spcBef>
+              <a:spcAft>
+                <a:spcPts val="0"/>
+              </a:spcAft>
+              <a:buNone/>
+            </a:pPr>
+            <a:r>
+              <a:rPr lang="es" sz="1200">
+                <a:solidFill>
+                  <a:srgbClr val="E69138"/>
+                </a:solidFill>
+                <a:uFill>
+                  <a:noFill/>
+                </a:uFill>
+                <a:hlinkClick r:id="rId4"/>
+              </a:rPr>
+              <a:t>https://en.wikipedia.org/wiki/Design_Patterns</a:t>
+            </a:r>
+            <a:endParaRPr sz="1200">
+              <a:solidFill>
+                <a:srgbClr val="E69138"/>
+              </a:solidFill>
+              <a:latin typeface="Lato"/>
+              <a:ea typeface="Lato"/>
+              <a:cs typeface="Lato"/>
+              <a:sym typeface="Lato"/>
+            </a:endParaRPr>
+          </a:p>
+          <a:p>
+            <a:pPr indent="0" lvl="0" marL="0" rtl="0" algn="l">
+              <a:spcBef>
+                <a:spcPts val="0"/>
+              </a:spcBef>
+              <a:spcAft>
+                <a:spcPts val="0"/>
+              </a:spcAft>
+              <a:buNone/>
+            </a:pPr>
+            <a:r>
+              <a:rPr b="1" lang="es" sz="1800">
+                <a:latin typeface="Lato"/>
+                <a:ea typeface="Lato"/>
+                <a:cs typeface="Lato"/>
+                <a:sym typeface="Lato"/>
+              </a:rPr>
+              <a:t>Wikipedia - Model View Controller</a:t>
+            </a:r>
+            <a:endParaRPr b="1" sz="1800">
+              <a:latin typeface="Lato"/>
+              <a:ea typeface="Lato"/>
+              <a:cs typeface="Lato"/>
+              <a:sym typeface="Lato"/>
+            </a:endParaRPr>
+          </a:p>
+          <a:p>
+            <a:pPr indent="457200" lvl="0" marL="0" rtl="0" algn="l">
+              <a:spcBef>
+                <a:spcPts val="0"/>
+              </a:spcBef>
+              <a:spcAft>
+                <a:spcPts val="0"/>
+              </a:spcAft>
+              <a:buNone/>
+            </a:pPr>
+            <a:r>
+              <a:rPr lang="es" sz="1200">
+                <a:solidFill>
+                  <a:srgbClr val="E69138"/>
+                </a:solidFill>
+                <a:uFill>
+                  <a:noFill/>
+                </a:uFill>
+                <a:hlinkClick r:id="rId5"/>
+              </a:rPr>
+              <a:t>https://en.wikipedia.org/wiki/Model%E2%80%93view%E2%80%93controller</a:t>
+            </a:r>
+            <a:endParaRPr sz="1200">
+              <a:solidFill>
+                <a:srgbClr val="E69138"/>
+              </a:solidFill>
+              <a:latin typeface="Lato"/>
+              <a:ea typeface="Lato"/>
+              <a:cs typeface="Lato"/>
+              <a:sym typeface="Lato"/>
+            </a:endParaRPr>
+          </a:p>
+          <a:p>
+            <a:pPr indent="0" lvl="0" marL="0" rtl="0" algn="l">
+              <a:spcBef>
+                <a:spcPts val="0"/>
+              </a:spcBef>
+              <a:spcAft>
+                <a:spcPts val="0"/>
+              </a:spcAft>
+              <a:buNone/>
+            </a:pPr>
+            <a:r>
+              <a:rPr b="1" lang="es" sz="1800">
+                <a:latin typeface="Lato"/>
+                <a:ea typeface="Lato"/>
+                <a:cs typeface="Lato"/>
+                <a:sym typeface="Lato"/>
+              </a:rPr>
+              <a:t>Black Wasp - Gang of four design patterns</a:t>
+            </a:r>
+            <a:endParaRPr b="1" sz="1800">
+              <a:latin typeface="Lato"/>
+              <a:ea typeface="Lato"/>
+              <a:cs typeface="Lato"/>
+              <a:sym typeface="Lato"/>
+            </a:endParaRPr>
+          </a:p>
+          <a:p>
+            <a:pPr indent="457200" lvl="0" marL="0" rtl="0" algn="l">
+              <a:spcBef>
+                <a:spcPts val="0"/>
+              </a:spcBef>
+              <a:spcAft>
+                <a:spcPts val="0"/>
+              </a:spcAft>
+              <a:buNone/>
+            </a:pPr>
+            <a:r>
+              <a:rPr lang="es" sz="1200">
+                <a:solidFill>
+                  <a:srgbClr val="E69138"/>
+                </a:solidFill>
+                <a:uFill>
+                  <a:noFill/>
+                </a:uFill>
+                <a:hlinkClick r:id="rId6"/>
+              </a:rPr>
+              <a:t>http://www.blackwasp.co.uk/gofpatterns.aspx</a:t>
+            </a:r>
+            <a:endParaRPr sz="1200">
+              <a:solidFill>
+                <a:srgbClr val="E69138"/>
+              </a:solidFill>
+              <a:latin typeface="Lato"/>
+              <a:ea typeface="Lato"/>
+              <a:cs typeface="Lato"/>
+              <a:sym typeface="Lato"/>
+            </a:endParaRPr>
+          </a:p>
+          <a:p>
+            <a:pPr indent="0" lvl="0" marL="0" rtl="0" algn="l">
+              <a:spcBef>
+                <a:spcPts val="0"/>
+              </a:spcBef>
+              <a:spcAft>
+                <a:spcPts val="0"/>
+              </a:spcAft>
+              <a:buNone/>
+            </a:pPr>
+            <a:r>
+              <a:rPr b="1" lang="es" sz="1800">
+                <a:latin typeface="Lato"/>
+                <a:ea typeface="Lato"/>
+                <a:cs typeface="Lato"/>
+                <a:sym typeface="Lato"/>
+              </a:rPr>
+              <a:t>Journal Dev - Java Design Patterns</a:t>
+            </a:r>
+            <a:endParaRPr b="1" sz="1800">
+              <a:latin typeface="Lato"/>
+              <a:ea typeface="Lato"/>
+              <a:cs typeface="Lato"/>
+              <a:sym typeface="Lato"/>
+            </a:endParaRPr>
+          </a:p>
+          <a:p>
+            <a:pPr indent="457200" lvl="0" marL="0" rtl="0" algn="l">
+              <a:spcBef>
+                <a:spcPts val="0"/>
+              </a:spcBef>
+              <a:spcAft>
+                <a:spcPts val="0"/>
+              </a:spcAft>
+              <a:buNone/>
+            </a:pPr>
+            <a:r>
+              <a:rPr lang="es" sz="1200">
+                <a:solidFill>
+                  <a:srgbClr val="E69138"/>
+                </a:solidFill>
+                <a:uFill>
+                  <a:noFill/>
+                </a:uFill>
+                <a:hlinkClick r:id="rId7"/>
+              </a:rPr>
+              <a:t>https://www.journaldev.com/1827/java-design-patterns-example-tutorial</a:t>
+            </a:r>
+            <a:endParaRPr sz="1200">
+              <a:solidFill>
+                <a:srgbClr val="E69138"/>
+              </a:solidFill>
+              <a:latin typeface="Lato"/>
+              <a:ea typeface="Lato"/>
+              <a:cs typeface="Lato"/>
+              <a:sym typeface="Lato"/>
+            </a:endParaRPr>
+          </a:p>
+          <a:p>
+            <a:pPr indent="0" lvl="0" marL="0" rtl="0" algn="l">
+              <a:spcBef>
+                <a:spcPts val="0"/>
+              </a:spcBef>
+              <a:spcAft>
+                <a:spcPts val="0"/>
+              </a:spcAft>
+              <a:buNone/>
+            </a:pPr>
+            <a:r>
+              <a:rPr b="1" lang="es" sz="1800">
+                <a:latin typeface="Lato"/>
+                <a:ea typeface="Lato"/>
+                <a:cs typeface="Lato"/>
+                <a:sym typeface="Lato"/>
+              </a:rPr>
+              <a:t>Source Making - Design Patterns</a:t>
+            </a:r>
+            <a:endParaRPr sz="1200">
+              <a:solidFill>
+                <a:srgbClr val="783F04"/>
+              </a:solidFill>
+              <a:latin typeface="Lato"/>
+              <a:ea typeface="Lato"/>
+              <a:cs typeface="Lato"/>
+              <a:sym typeface="Lato"/>
+            </a:endParaRPr>
+          </a:p>
+          <a:p>
+            <a:pPr indent="0" lvl="0" marL="0" rtl="0" algn="l">
+              <a:spcBef>
+                <a:spcPts val="0"/>
+              </a:spcBef>
+              <a:spcAft>
+                <a:spcPts val="0"/>
+              </a:spcAft>
+              <a:buNone/>
+            </a:pPr>
+            <a:r>
+              <a:rPr lang="es" sz="1200">
+                <a:solidFill>
+                  <a:srgbClr val="783F04"/>
+                </a:solidFill>
+                <a:latin typeface="Lato"/>
+                <a:ea typeface="Lato"/>
+                <a:cs typeface="Lato"/>
+                <a:sym typeface="Lato"/>
+              </a:rPr>
+              <a:t>	</a:t>
+            </a:r>
+            <a:r>
+              <a:rPr lang="es" sz="1200">
+                <a:solidFill>
+                  <a:srgbClr val="E69138"/>
+                </a:solidFill>
+                <a:uFill>
+                  <a:noFill/>
+                </a:uFill>
+                <a:hlinkClick r:id="rId8"/>
+              </a:rPr>
+              <a:t>https://sourcemaking.com/design_patterns</a:t>
+            </a:r>
+            <a:endParaRPr sz="1200">
+              <a:solidFill>
+                <a:srgbClr val="E69138"/>
+              </a:solidFill>
+              <a:latin typeface="Lato"/>
+              <a:ea typeface="Lato"/>
+              <a:cs typeface="Lato"/>
+              <a:sym typeface="Lato"/>
+            </a:endParaRPr>
+          </a:p>
+        </p:txBody>
+      </p:sp>
+    </p:spTree>
+  </p:cSld>
+  <p:clrMapOvr>
+    <a:masterClrMapping/>
+  </p:clrMapOvr>
+</p:sld>
+</file>
+
+<file path=ppt/slides/slide62.xml><?xml version="1.0" encoding="utf-8"?>
+<p:sld xmlns:a="http://schemas.openxmlformats.org/drawingml/2006/main" xmlns:r="http://schemas.openxmlformats.org/officeDocument/2006/relationships" xmlns:mc="http://schemas.openxmlformats.org/markup-compatibility/2006" xmlns:mv="urn:schemas-microsoft-com:mac:vml" xmlns:p="http://schemas.openxmlformats.org/presentationml/2006/main" xmlns:c="http://schemas.openxmlformats.org/drawingml/2006/chart" xmlns:dgm="http://schemas.openxmlformats.org/drawingml/2006/diagram" xmlns:o="urn:schemas-microsoft-com:office:office" xmlns:v="urn:schemas-microsoft-com:vml" xmlns:pvml="urn:schemas-microsoft-com:office:powerpoint" xmlns:com="http://schemas.openxmlformats.org/drawingml/2006/compatibility" xmlns:p14="http://schemas.microsoft.com/office/powerpoint/2010/main" xmlns:p15="http://schemas.microsoft.com/office/powerpoint/2012/main">
+  <p:cSld>
+    <p:spTree>
+      <p:nvGrpSpPr>
+        <p:cNvPr id="553" name="Shape 553"/>
+        <p:cNvGrpSpPr/>
+        <p:nvPr/>
+      </p:nvGrpSpPr>
+      <p:grpSpPr>
+        <a:xfrm>
+          <a:off x="0" y="0"/>
+          <a:ext cx="0" cy="0"/>
+          <a:chOff x="0" y="0"/>
+          <a:chExt cx="0" cy="0"/>
+        </a:xfrm>
+      </p:grpSpPr>
+      <p:sp>
+        <p:nvSpPr>
+          <p:cNvPr id="554" name="Google Shape;554;p74"/>
+          <p:cNvSpPr txBox="1"/>
+          <p:nvPr>
+            <p:ph type="title"/>
+          </p:nvPr>
+        </p:nvSpPr>
+        <p:spPr>
+          <a:xfrm>
+            <a:off x="297100" y="432218"/>
+            <a:ext cx="5651100" cy="988500"/>
+          </a:xfrm>
+          <a:prstGeom prst="rect">
+            <a:avLst/>
+          </a:prstGeom>
+        </p:spPr>
+        <p:txBody>
+          <a:bodyPr anchorCtr="0" anchor="ctr" bIns="91425" lIns="91425" spcFirstLastPara="1" rIns="91425" wrap="square" tIns="91425">
+            <a:noAutofit/>
+          </a:bodyPr>
+          <a:lstStyle/>
+          <a:p>
+            <a:pPr indent="0" lvl="0" marL="0" rtl="0" algn="l">
+              <a:spcBef>
+                <a:spcPts val="0"/>
+              </a:spcBef>
+              <a:spcAft>
+                <a:spcPts val="0"/>
+              </a:spcAft>
+              <a:buNone/>
+            </a:pPr>
+            <a:r>
+              <a:rPr lang="es">
+                <a:solidFill>
+                  <a:srgbClr val="E69138"/>
+                </a:solidFill>
+              </a:rPr>
+              <a:t>Thank you!</a:t>
+            </a:r>
+            <a:endParaRPr>
+              <a:solidFill>
+                <a:srgbClr val="E69138"/>
+              </a:solidFill>
+            </a:endParaRPr>
+          </a:p>
+        </p:txBody>
+      </p:sp>
+      <p:pic>
+        <p:nvPicPr>
+          <p:cNvPr id="555" name="Google Shape;555;p74"/>
+          <p:cNvPicPr preferRelativeResize="0"/>
+          <p:nvPr/>
+        </p:nvPicPr>
+        <p:blipFill>
+          <a:blip r:embed="rId3">
+            <a:alphaModFix/>
+          </a:blip>
+          <a:stretch>
+            <a:fillRect/>
+          </a:stretch>
+        </p:blipFill>
+        <p:spPr>
+          <a:xfrm>
+            <a:off x="173725" y="3637350"/>
+            <a:ext cx="750150" cy="1350275"/>
+          </a:xfrm>
+          <a:prstGeom prst="rect">
+            <a:avLst/>
+          </a:prstGeom>
+          <a:noFill/>
+          <a:ln>
+            <a:noFill/>
+          </a:ln>
+        </p:spPr>
+      </p:pic>
+      <p:sp>
+        <p:nvSpPr>
+          <p:cNvPr id="556" name="Google Shape;556;p74"/>
+          <p:cNvSpPr txBox="1"/>
+          <p:nvPr/>
+        </p:nvSpPr>
+        <p:spPr>
+          <a:xfrm>
+            <a:off x="1472250" y="1420725"/>
+            <a:ext cx="6900000" cy="3456900"/>
+          </a:xfrm>
+          <a:prstGeom prst="rect">
+            <a:avLst/>
+          </a:prstGeom>
+          <a:noFill/>
+          <a:ln>
+            <a:noFill/>
+          </a:ln>
+        </p:spPr>
+        <p:txBody>
+          <a:bodyPr anchorCtr="0" anchor="t" bIns="91425" lIns="91425" spcFirstLastPara="1" rIns="91425" wrap="square" tIns="91425">
+            <a:noAutofit/>
+          </a:bodyPr>
+          <a:lstStyle/>
+          <a:p>
+            <a:pPr indent="457200" lvl="0" marL="0" rtl="0" algn="ctr">
+              <a:spcBef>
+                <a:spcPts val="0"/>
+              </a:spcBef>
+              <a:spcAft>
+                <a:spcPts val="0"/>
+              </a:spcAft>
+              <a:buNone/>
+            </a:pPr>
+            <a:r>
+              <a:t/>
+            </a:r>
+            <a:endParaRPr b="1" sz="3000">
+              <a:latin typeface="Lato"/>
+              <a:ea typeface="Lato"/>
+              <a:cs typeface="Lato"/>
+              <a:sym typeface="Lato"/>
+            </a:endParaRPr>
+          </a:p>
+          <a:p>
+            <a:pPr indent="457200" lvl="0" marL="0" rtl="0" algn="ctr">
+              <a:spcBef>
+                <a:spcPts val="0"/>
+              </a:spcBef>
+              <a:spcAft>
+                <a:spcPts val="0"/>
+              </a:spcAft>
+              <a:buNone/>
+            </a:pPr>
+            <a:r>
+              <a:t/>
+            </a:r>
+            <a:endParaRPr b="1" sz="3000">
+              <a:latin typeface="Lato"/>
+              <a:ea typeface="Lato"/>
+              <a:cs typeface="Lato"/>
+              <a:sym typeface="Lato"/>
+            </a:endParaRPr>
+          </a:p>
+          <a:p>
+            <a:pPr indent="457200" lvl="0" marL="0" rtl="0" algn="ctr">
+              <a:spcBef>
+                <a:spcPts val="0"/>
+              </a:spcBef>
+              <a:spcAft>
+                <a:spcPts val="0"/>
+              </a:spcAft>
+              <a:buNone/>
+            </a:pPr>
+            <a:r>
+              <a:rPr b="1" lang="es" sz="4800">
+                <a:latin typeface="Lato"/>
+                <a:ea typeface="Lato"/>
+                <a:cs typeface="Lato"/>
+                <a:sym typeface="Lato"/>
+              </a:rPr>
+              <a:t>ANY QUESTIONS?</a:t>
+            </a:r>
+            <a:endParaRPr b="1" sz="4800">
+              <a:latin typeface="Lato"/>
+              <a:ea typeface="Lato"/>
+              <a:cs typeface="Lato"/>
+              <a:sym typeface="Lato"/>
+            </a:endParaRPr>
+          </a:p>
+          <a:p>
+            <a:pPr indent="457200" lvl="0" marL="0" rtl="0" algn="ctr">
+              <a:spcBef>
+                <a:spcPts val="0"/>
+              </a:spcBef>
+              <a:spcAft>
+                <a:spcPts val="0"/>
+              </a:spcAft>
+              <a:buNone/>
+            </a:pPr>
+            <a:r>
+              <a:t/>
+            </a:r>
+            <a:endParaRPr b="1" sz="3000">
+              <a:latin typeface="Lato"/>
+              <a:ea typeface="Lato"/>
+              <a:cs typeface="Lato"/>
+              <a:sym typeface="Lato"/>
+            </a:endParaRPr>
+          </a:p>
+          <a:p>
+            <a:pPr indent="457200" lvl="0" marL="0" rtl="0" algn="ctr">
+              <a:spcBef>
+                <a:spcPts val="0"/>
+              </a:spcBef>
+              <a:spcAft>
+                <a:spcPts val="0"/>
+              </a:spcAft>
+              <a:buNone/>
+            </a:pPr>
+            <a:r>
+              <a:t/>
+            </a:r>
+            <a:endParaRPr b="1" sz="3000">
+              <a:latin typeface="Lato"/>
+              <a:ea typeface="Lato"/>
+              <a:cs typeface="Lato"/>
+              <a:sym typeface="Lato"/>
+            </a:endParaRPr>
+          </a:p>
+          <a:p>
+            <a:pPr indent="457200" lvl="0" marL="0" rtl="0" algn="ctr">
+              <a:spcBef>
+                <a:spcPts val="0"/>
+              </a:spcBef>
+              <a:spcAft>
+                <a:spcPts val="0"/>
+              </a:spcAft>
+              <a:buNone/>
+            </a:pPr>
+            <a:r>
+              <a:t/>
+            </a:r>
+            <a:endParaRPr b="1" sz="3000">
+              <a:latin typeface="Lato"/>
+              <a:ea typeface="Lato"/>
+              <a:cs typeface="Lato"/>
+              <a:sym typeface="Lato"/>
+            </a:endParaRPr>
+          </a:p>
+          <a:p>
+            <a:pPr indent="457200" lvl="0" marL="0" rtl="0" algn="ctr">
+              <a:spcBef>
+                <a:spcPts val="0"/>
+              </a:spcBef>
+              <a:spcAft>
+                <a:spcPts val="0"/>
+              </a:spcAft>
+              <a:buNone/>
+            </a:pPr>
+            <a:r>
+              <a:t/>
+            </a:r>
+            <a:endParaRPr b="1" sz="3000">
+              <a:latin typeface="Lato"/>
+              <a:ea typeface="Lato"/>
+              <a:cs typeface="Lato"/>
+              <a:sym typeface="Lato"/>
+            </a:endParaRPr>
           </a:p>
         </p:txBody>
       </p:sp>
@@ -28808,6 +30657,285 @@
 </file>
 
 <file path=ppt/theme/theme1.xml><?xml version="1.0" encoding="utf-8"?>
+<a:theme xmlns:a="http://schemas.openxmlformats.org/drawingml/2006/main" xmlns:r="http://schemas.openxmlformats.org/officeDocument/2006/relationships">
+  <a:themeElements>
+    <a:clrScheme name="Default">
+      <a:dk1>
+        <a:srgbClr val="000000"/>
+      </a:dk1>
+      <a:lt1>
+        <a:srgbClr val="FFFFFF"/>
+      </a:lt1>
+      <a:dk2>
+        <a:srgbClr val="158158"/>
+      </a:dk2>
+      <a:lt2>
+        <a:srgbClr val="F3F3F3"/>
+      </a:lt2>
+      <a:accent1>
+        <a:srgbClr val="058DC7"/>
+      </a:accent1>
+      <a:accent2>
+        <a:srgbClr val="50B432"/>
+      </a:accent2>
+      <a:accent3>
+        <a:srgbClr val="ED561B"/>
+      </a:accent3>
+      <a:accent4>
+        <a:srgbClr val="EDEF00"/>
+      </a:accent4>
+      <a:accent5>
+        <a:srgbClr val="24CBE5"/>
+      </a:accent5>
+      <a:accent6>
+        <a:srgbClr val="64E572"/>
+      </a:accent6>
+      <a:hlink>
+        <a:srgbClr val="2200CC"/>
+      </a:hlink>
+      <a:folHlink>
+        <a:srgbClr val="551A8B"/>
+      </a:folHlink>
+    </a:clrScheme>
+    <a:fontScheme name="Office">
+      <a:majorFont>
+        <a:latin typeface="Arial"/>
+        <a:ea typeface=""/>
+        <a:cs typeface=""/>
+        <a:font script="Jpan" typeface="ＭＳ Ｐゴシック"/>
+        <a:font script="Hang" typeface="맑은 고딕"/>
+        <a:font script="Hans" typeface="宋体"/>
+        <a:font script="Hant" typeface="新細明體"/>
+        <a:font script="Arab" typeface="Times New Roman"/>
+        <a:font script="Hebr" typeface="Times New Roman"/>
+        <a:font script="Thai" typeface="Angsana New"/>
+        <a:font script="Ethi" typeface="Nyala"/>
+        <a:font script="Beng" typeface="Vrinda"/>
+        <a:font script="Gujr" typeface="Shruti"/>
+        <a:font script="Khmr" typeface="MoolBoran"/>
+        <a:font script="Knda" typeface="Tunga"/>
+        <a:font script="Guru" typeface="Raavi"/>
+        <a:font script="Cans" typeface="Euphemia"/>
+        <a:font script="Cher" typeface="Plantagenet Cherokee"/>
+        <a:font script="Yiii" typeface="Microsoft Yi Baiti"/>
+        <a:font script="Tibt" typeface="Microsoft Himalaya"/>
+        <a:font script="Thaa" typeface="MV Boli"/>
+        <a:font script="Deva" typeface="Mangal"/>
+        <a:font script="Telu" typeface="Gautami"/>
+        <a:font script="Taml" typeface="Latha"/>
+        <a:font script="Syrc" typeface="Estrangelo Edessa"/>
+        <a:font script="Orya" typeface="Kalinga"/>
+        <a:font script="Mlym" typeface="Kartika"/>
+        <a:font script="Laoo" typeface="DokChampa"/>
+        <a:font script="Sinh" typeface="Iskoola Pota"/>
+        <a:font script="Mong" typeface="Mongolian Baiti"/>
+        <a:font script="Viet" typeface="Times New Roman"/>
+        <a:font script="Uigh" typeface="Microsoft Uighur"/>
+        <a:font script="Geor" typeface="Sylfaen"/>
+      </a:majorFont>
+      <a:minorFont>
+        <a:latin typeface="Arial"/>
+        <a:ea typeface=""/>
+        <a:cs typeface=""/>
+        <a:font script="Jpan" typeface="ＭＳ Ｐゴシック"/>
+        <a:font script="Hang" typeface="맑은 고딕"/>
+        <a:font script="Hans" typeface="宋体"/>
+        <a:font script="Hant" typeface="新細明體"/>
+        <a:font script="Arab" typeface="Arial"/>
+        <a:font script="Hebr" typeface="Arial"/>
+        <a:font script="Thai" typeface="Cordia New"/>
+        <a:font script="Ethi" typeface="Nyala"/>
+        <a:font script="Beng" typeface="Vrinda"/>
+        <a:font script="Gujr" typeface="Shruti"/>
+        <a:font script="Khmr" typeface="DaunPenh"/>
+        <a:font script="Knda" typeface="Tunga"/>
+        <a:font script="Guru" typeface="Raavi"/>
+        <a:font script="Cans" typeface="Euphemia"/>
+        <a:font script="Cher" typeface="Plantagenet Cherokee"/>
+        <a:font script="Yiii" typeface="Microsoft Yi Baiti"/>
+        <a:font script="Tibt" typeface="Microsoft Himalaya"/>
+        <a:font script="Thaa" typeface="MV Boli"/>
+        <a:font script="Deva" typeface="Mangal"/>
+        <a:font script="Telu" typeface="Gautami"/>
+        <a:font script="Taml" typeface="Latha"/>
+        <a:font script="Syrc" typeface="Estrangelo Edessa"/>
+        <a:font script="Orya" typeface="Kalinga"/>
+        <a:font script="Mlym" typeface="Kartika"/>
+        <a:font script="Laoo" typeface="DokChampa"/>
+        <a:font script="Sinh" typeface="Iskoola Pota"/>
+        <a:font script="Mong" typeface="Mongolian Baiti"/>
+        <a:font script="Viet" typeface="Arial"/>
+        <a:font script="Uigh" typeface="Microsoft Uighur"/>
+        <a:font script="Geor" typeface="Sylfaen"/>
+      </a:minorFont>
+    </a:fontScheme>
+    <a:fmtScheme name="Office">
+      <a:fillStyleLst>
+        <a:solidFill>
+          <a:schemeClr val="phClr"/>
+        </a:solidFill>
+        <a:gradFill rotWithShape="1">
+          <a:gsLst>
+            <a:gs pos="0">
+              <a:schemeClr val="phClr">
+                <a:tint val="50000"/>
+                <a:satMod val="300000"/>
+              </a:schemeClr>
+            </a:gs>
+            <a:gs pos="35000">
+              <a:schemeClr val="phClr">
+                <a:tint val="37000"/>
+                <a:satMod val="300000"/>
+              </a:schemeClr>
+            </a:gs>
+            <a:gs pos="100000">
+              <a:schemeClr val="phClr">
+                <a:tint val="15000"/>
+                <a:satMod val="350000"/>
+              </a:schemeClr>
+            </a:gs>
+          </a:gsLst>
+          <a:lin ang="16200000" scaled="1"/>
+        </a:gradFill>
+        <a:gradFill rotWithShape="1">
+          <a:gsLst>
+            <a:gs pos="0">
+              <a:schemeClr val="phClr">
+                <a:tint val="100000"/>
+                <a:shade val="100000"/>
+                <a:satMod val="130000"/>
+              </a:schemeClr>
+            </a:gs>
+            <a:gs pos="100000">
+              <a:schemeClr val="phClr">
+                <a:tint val="50000"/>
+                <a:shade val="100000"/>
+                <a:satMod val="350000"/>
+              </a:schemeClr>
+            </a:gs>
+          </a:gsLst>
+          <a:lin ang="16200000" scaled="0"/>
+        </a:gradFill>
+      </a:fillStyleLst>
+      <a:lnStyleLst>
+        <a:ln w="9525" cap="flat" cmpd="sng" algn="ctr">
+          <a:solidFill>
+            <a:schemeClr val="phClr">
+              <a:shade val="95000"/>
+              <a:satMod val="105000"/>
+            </a:schemeClr>
+          </a:solidFill>
+          <a:prstDash val="solid"/>
+        </a:ln>
+        <a:ln w="25400" cap="flat" cmpd="sng" algn="ctr">
+          <a:solidFill>
+            <a:schemeClr val="phClr"/>
+          </a:solidFill>
+          <a:prstDash val="solid"/>
+        </a:ln>
+        <a:ln w="38100" cap="flat" cmpd="sng" algn="ctr">
+          <a:solidFill>
+            <a:schemeClr val="phClr"/>
+          </a:solidFill>
+          <a:prstDash val="solid"/>
+        </a:ln>
+      </a:lnStyleLst>
+      <a:effectStyleLst>
+        <a:effectStyle>
+          <a:effectLst>
+            <a:outerShdw blurRad="40000" dist="20000" dir="5400000" rotWithShape="0">
+              <a:srgbClr val="000000">
+                <a:alpha val="38000"/>
+              </a:srgbClr>
+            </a:outerShdw>
+          </a:effectLst>
+        </a:effectStyle>
+        <a:effectStyle>
+          <a:effectLst>
+            <a:outerShdw blurRad="40000" dist="23000" dir="5400000" rotWithShape="0">
+              <a:srgbClr val="000000">
+                <a:alpha val="35000"/>
+              </a:srgbClr>
+            </a:outerShdw>
+          </a:effectLst>
+        </a:effectStyle>
+        <a:effectStyle>
+          <a:effectLst>
+            <a:outerShdw blurRad="40000" dist="23000" dir="5400000" rotWithShape="0">
+              <a:srgbClr val="000000">
+                <a:alpha val="35000"/>
+              </a:srgbClr>
+            </a:outerShdw>
+          </a:effectLst>
+          <a:scene3d>
+            <a:camera prst="orthographicFront">
+              <a:rot lat="0" lon="0" rev="0"/>
+            </a:camera>
+            <a:lightRig rig="threePt" dir="t">
+              <a:rot lat="0" lon="0" rev="1200000"/>
+            </a:lightRig>
+          </a:scene3d>
+          <a:sp3d>
+            <a:bevelT w="63500" h="25400"/>
+          </a:sp3d>
+        </a:effectStyle>
+      </a:effectStyleLst>
+      <a:bgFillStyleLst>
+        <a:solidFill>
+          <a:schemeClr val="phClr"/>
+        </a:solidFill>
+        <a:gradFill rotWithShape="1">
+          <a:gsLst>
+            <a:gs pos="0">
+              <a:schemeClr val="phClr">
+                <a:tint val="40000"/>
+                <a:satMod val="350000"/>
+              </a:schemeClr>
+            </a:gs>
+            <a:gs pos="40000">
+              <a:schemeClr val="phClr">
+                <a:tint val="45000"/>
+                <a:shade val="99000"/>
+                <a:satMod val="350000"/>
+              </a:schemeClr>
+            </a:gs>
+            <a:gs pos="100000">
+              <a:schemeClr val="phClr">
+                <a:shade val="20000"/>
+                <a:satMod val="255000"/>
+              </a:schemeClr>
+            </a:gs>
+          </a:gsLst>
+          <a:path path="circle">
+            <a:fillToRect l="50000" t="-80000" r="50000" b="180000"/>
+          </a:path>
+        </a:gradFill>
+        <a:gradFill rotWithShape="1">
+          <a:gsLst>
+            <a:gs pos="0">
+              <a:schemeClr val="phClr">
+                <a:tint val="80000"/>
+                <a:satMod val="300000"/>
+              </a:schemeClr>
+            </a:gs>
+            <a:gs pos="100000">
+              <a:schemeClr val="phClr">
+                <a:shade val="30000"/>
+                <a:satMod val="200000"/>
+              </a:schemeClr>
+            </a:gs>
+          </a:gsLst>
+          <a:path path="circle">
+            <a:fillToRect l="50000" t="50000" r="50000" b="50000"/>
+          </a:path>
+        </a:gradFill>
+      </a:bgFillStyleLst>
+    </a:fmtScheme>
+  </a:themeElements>
+</a:theme>
+</file>
+
+<file path=ppt/theme/theme2.xml><?xml version="1.0" encoding="utf-8"?>
 <a:theme xmlns:a="http://schemas.openxmlformats.org/drawingml/2006/main" xmlns:r="http://schemas.openxmlformats.org/officeDocument/2006/relationships" name="Swiss">
   <a:themeElements>
     <a:clrScheme name="Swiss">
@@ -29084,283 +31212,4 @@
     </a:fmtScheme>
   </a:themeElements>
 </a:theme>
-</file>
-
-<file path=ppt/theme/theme2.xml><?xml version="1.0" encoding="utf-8"?>
-<a:theme xmlns:a="http://schemas.openxmlformats.org/drawingml/2006/main" xmlns:r="http://schemas.openxmlformats.org/officeDocument/2006/relationships">
-  <a:themeElements>
-    <a:clrScheme name="Default">
-      <a:dk1>
-        <a:srgbClr val="000000"/>
-      </a:dk1>
-      <a:lt1>
-        <a:srgbClr val="FFFFFF"/>
-      </a:lt1>
-      <a:dk2>
-        <a:srgbClr val="158158"/>
-      </a:dk2>
-      <a:lt2>
-        <a:srgbClr val="F3F3F3"/>
-      </a:lt2>
-      <a:accent1>
-        <a:srgbClr val="058DC7"/>
-      </a:accent1>
-      <a:accent2>
-        <a:srgbClr val="50B432"/>
-      </a:accent2>
-      <a:accent3>
-        <a:srgbClr val="ED561B"/>
-      </a:accent3>
-      <a:accent4>
-        <a:srgbClr val="EDEF00"/>
-      </a:accent4>
-      <a:accent5>
-        <a:srgbClr val="24CBE5"/>
-      </a:accent5>
-      <a:accent6>
-        <a:srgbClr val="64E572"/>
-      </a:accent6>
-      <a:hlink>
-        <a:srgbClr val="2200CC"/>
-      </a:hlink>
-      <a:folHlink>
-        <a:srgbClr val="551A8B"/>
-      </a:folHlink>
-    </a:clrScheme>
-    <a:fontScheme name="Office">
-      <a:majorFont>
-        <a:latin typeface="Arial"/>
-        <a:ea typeface=""/>
-        <a:cs typeface=""/>
-        <a:font script="Jpan" typeface="ＭＳ Ｐゴシック"/>
-        <a:font script="Hang" typeface="맑은 고딕"/>
-        <a:font script="Hans" typeface="宋体"/>
-        <a:font script="Hant" typeface="新細明體"/>
-        <a:font script="Arab" typeface="Times New Roman"/>
-        <a:font script="Hebr" typeface="Times New Roman"/>
-        <a:font script="Thai" typeface="Angsana New"/>
-        <a:font script="Ethi" typeface="Nyala"/>
-        <a:font script="Beng" typeface="Vrinda"/>
-        <a:font script="Gujr" typeface="Shruti"/>
-        <a:font script="Khmr" typeface="MoolBoran"/>
-        <a:font script="Knda" typeface="Tunga"/>
-        <a:font script="Guru" typeface="Raavi"/>
-        <a:font script="Cans" typeface="Euphemia"/>
-        <a:font script="Cher" typeface="Plantagenet Cherokee"/>
-        <a:font script="Yiii" typeface="Microsoft Yi Baiti"/>
-        <a:font script="Tibt" typeface="Microsoft Himalaya"/>
-        <a:font script="Thaa" typeface="MV Boli"/>
-        <a:font script="Deva" typeface="Mangal"/>
-        <a:font script="Telu" typeface="Gautami"/>
-        <a:font script="Taml" typeface="Latha"/>
-        <a:font script="Syrc" typeface="Estrangelo Edessa"/>
-        <a:font script="Orya" typeface="Kalinga"/>
-        <a:font script="Mlym" typeface="Kartika"/>
-        <a:font script="Laoo" typeface="DokChampa"/>
-        <a:font script="Sinh" typeface="Iskoola Pota"/>
-        <a:font script="Mong" typeface="Mongolian Baiti"/>
-        <a:font script="Viet" typeface="Times New Roman"/>
-        <a:font script="Uigh" typeface="Microsoft Uighur"/>
-        <a:font script="Geor" typeface="Sylfaen"/>
-      </a:majorFont>
-      <a:minorFont>
-        <a:latin typeface="Arial"/>
-        <a:ea typeface=""/>
-        <a:cs typeface=""/>
-        <a:font script="Jpan" typeface="ＭＳ Ｐゴシック"/>
-        <a:font script="Hang" typeface="맑은 고딕"/>
-        <a:font script="Hans" typeface="宋体"/>
-        <a:font script="Hant" typeface="新細明體"/>
-        <a:font script="Arab" typeface="Arial"/>
-        <a:font script="Hebr" typeface="Arial"/>
-        <a:font script="Thai" typeface="Cordia New"/>
-        <a:font script="Ethi" typeface="Nyala"/>
-        <a:font script="Beng" typeface="Vrinda"/>
-        <a:font script="Gujr" typeface="Shruti"/>
-        <a:font script="Khmr" typeface="DaunPenh"/>
-        <a:font script="Knda" typeface="Tunga"/>
-        <a:font script="Guru" typeface="Raavi"/>
-        <a:font script="Cans" typeface="Euphemia"/>
-        <a:font script="Cher" typeface="Plantagenet Cherokee"/>
-        <a:font script="Yiii" typeface="Microsoft Yi Baiti"/>
-        <a:font script="Tibt" typeface="Microsoft Himalaya"/>
-        <a:font script="Thaa" typeface="MV Boli"/>
-        <a:font script="Deva" typeface="Mangal"/>
-        <a:font script="Telu" typeface="Gautami"/>
-        <a:font script="Taml" typeface="Latha"/>
-        <a:font script="Syrc" typeface="Estrangelo Edessa"/>
-        <a:font script="Orya" typeface="Kalinga"/>
-        <a:font script="Mlym" typeface="Kartika"/>
-        <a:font script="Laoo" typeface="DokChampa"/>
-        <a:font script="Sinh" typeface="Iskoola Pota"/>
-        <a:font script="Mong" typeface="Mongolian Baiti"/>
-        <a:font script="Viet" typeface="Arial"/>
-        <a:font script="Uigh" typeface="Microsoft Uighur"/>
-        <a:font script="Geor" typeface="Sylfaen"/>
-      </a:minorFont>
-    </a:fontScheme>
-    <a:fmtScheme name="Office">
-      <a:fillStyleLst>
-        <a:solidFill>
-          <a:schemeClr val="phClr"/>
-        </a:solidFill>
-        <a:gradFill rotWithShape="1">
-          <a:gsLst>
-            <a:gs pos="0">
-              <a:schemeClr val="phClr">
-                <a:tint val="50000"/>
-                <a:satMod val="300000"/>
-              </a:schemeClr>
-            </a:gs>
-            <a:gs pos="35000">
-              <a:schemeClr val="phClr">
-                <a:tint val="37000"/>
-                <a:satMod val="300000"/>
-              </a:schemeClr>
-            </a:gs>
-            <a:gs pos="100000">
-              <a:schemeClr val="phClr">
-                <a:tint val="15000"/>
-                <a:satMod val="350000"/>
-              </a:schemeClr>
-            </a:gs>
-          </a:gsLst>
-          <a:lin ang="16200000" scaled="1"/>
-        </a:gradFill>
-        <a:gradFill rotWithShape="1">
-          <a:gsLst>
-            <a:gs pos="0">
-              <a:schemeClr val="phClr">
-                <a:tint val="100000"/>
-                <a:shade val="100000"/>
-                <a:satMod val="130000"/>
-              </a:schemeClr>
-            </a:gs>
-            <a:gs pos="100000">
-              <a:schemeClr val="phClr">
-                <a:tint val="50000"/>
-                <a:shade val="100000"/>
-                <a:satMod val="350000"/>
-              </a:schemeClr>
-            </a:gs>
-          </a:gsLst>
-          <a:lin ang="16200000" scaled="0"/>
-        </a:gradFill>
-      </a:fillStyleLst>
-      <a:lnStyleLst>
-        <a:ln w="9525" cap="flat" cmpd="sng" algn="ctr">
-          <a:solidFill>
-            <a:schemeClr val="phClr">
-              <a:shade val="95000"/>
-              <a:satMod val="105000"/>
-            </a:schemeClr>
-          </a:solidFill>
-          <a:prstDash val="solid"/>
-        </a:ln>
-        <a:ln w="25400" cap="flat" cmpd="sng" algn="ctr">
-          <a:solidFill>
-            <a:schemeClr val="phClr"/>
-          </a:solidFill>
-          <a:prstDash val="solid"/>
-        </a:ln>
-        <a:ln w="38100" cap="flat" cmpd="sng" algn="ctr">
-          <a:solidFill>
-            <a:schemeClr val="phClr"/>
-          </a:solidFill>
-          <a:prstDash val="solid"/>
-        </a:ln>
-      </a:lnStyleLst>
-      <a:effectStyleLst>
-        <a:effectStyle>
-          <a:effectLst>
-            <a:outerShdw blurRad="40000" dist="20000" dir="5400000" rotWithShape="0">
-              <a:srgbClr val="000000">
-                <a:alpha val="38000"/>
-              </a:srgbClr>
-            </a:outerShdw>
-          </a:effectLst>
-        </a:effectStyle>
-        <a:effectStyle>
-          <a:effectLst>
-            <a:outerShdw blurRad="40000" dist="23000" dir="5400000" rotWithShape="0">
-              <a:srgbClr val="000000">
-                <a:alpha val="35000"/>
-              </a:srgbClr>
-            </a:outerShdw>
-          </a:effectLst>
-        </a:effectStyle>
-        <a:effectStyle>
-          <a:effectLst>
-            <a:outerShdw blurRad="40000" dist="23000" dir="5400000" rotWithShape="0">
-              <a:srgbClr val="000000">
-                <a:alpha val="35000"/>
-              </a:srgbClr>
-            </a:outerShdw>
-          </a:effectLst>
-          <a:scene3d>
-            <a:camera prst="orthographicFront">
-              <a:rot lat="0" lon="0" rev="0"/>
-            </a:camera>
-            <a:lightRig rig="threePt" dir="t">
-              <a:rot lat="0" lon="0" rev="1200000"/>
-            </a:lightRig>
-          </a:scene3d>
-          <a:sp3d>
-            <a:bevelT w="63500" h="25400"/>
-          </a:sp3d>
-        </a:effectStyle>
-      </a:effectStyleLst>
-      <a:bgFillStyleLst>
-        <a:solidFill>
-          <a:schemeClr val="phClr"/>
-        </a:solidFill>
-        <a:gradFill rotWithShape="1">
-          <a:gsLst>
-            <a:gs pos="0">
-              <a:schemeClr val="phClr">
-                <a:tint val="40000"/>
-                <a:satMod val="350000"/>
-              </a:schemeClr>
-            </a:gs>
-            <a:gs pos="40000">
-              <a:schemeClr val="phClr">
-                <a:tint val="45000"/>
-                <a:shade val="99000"/>
-                <a:satMod val="350000"/>
-              </a:schemeClr>
-            </a:gs>
-            <a:gs pos="100000">
-              <a:schemeClr val="phClr">
-                <a:shade val="20000"/>
-                <a:satMod val="255000"/>
-              </a:schemeClr>
-            </a:gs>
-          </a:gsLst>
-          <a:path path="circle">
-            <a:fillToRect l="50000" t="-80000" r="50000" b="180000"/>
-          </a:path>
-        </a:gradFill>
-        <a:gradFill rotWithShape="1">
-          <a:gsLst>
-            <a:gs pos="0">
-              <a:schemeClr val="phClr">
-                <a:tint val="80000"/>
-                <a:satMod val="300000"/>
-              </a:schemeClr>
-            </a:gs>
-            <a:gs pos="100000">
-              <a:schemeClr val="phClr">
-                <a:shade val="30000"/>
-                <a:satMod val="200000"/>
-              </a:schemeClr>
-            </a:gs>
-          </a:gsLst>
-          <a:path path="circle">
-            <a:fillToRect l="50000" t="50000" r="50000" b="50000"/>
-          </a:path>
-        </a:gradFill>
-      </a:bgFillStyleLst>
-    </a:fmtScheme>
-  </a:themeElements>
-</a:theme>
 </file>